--- a/Lecture06_HealthSystems/L6Slides_HealthSystems_2023W.pptx
+++ b/Lecture06_HealthSystems/L6Slides_HealthSystems_2023W.pptx
@@ -9,11 +9,11 @@
   </p:notesMasterIdLst>
   <p:sldIdLst>
     <p:sldId id="256" r:id="rId2"/>
-    <p:sldId id="357" r:id="rId3"/>
-    <p:sldId id="476" r:id="rId4"/>
-    <p:sldId id="341" r:id="rId5"/>
-    <p:sldId id="480" r:id="rId6"/>
-    <p:sldId id="481" r:id="rId7"/>
+    <p:sldId id="476" r:id="rId3"/>
+    <p:sldId id="480" r:id="rId4"/>
+    <p:sldId id="516" r:id="rId5"/>
+    <p:sldId id="341" r:id="rId6"/>
+    <p:sldId id="515" r:id="rId7"/>
     <p:sldId id="482" r:id="rId8"/>
     <p:sldId id="483" r:id="rId9"/>
     <p:sldId id="484" r:id="rId10"/>
@@ -28,25 +28,25 @@
     <p:sldId id="488" r:id="rId19"/>
     <p:sldId id="489" r:id="rId20"/>
     <p:sldId id="490" r:id="rId21"/>
-    <p:sldId id="491" r:id="rId22"/>
-    <p:sldId id="492" r:id="rId23"/>
-    <p:sldId id="502" r:id="rId24"/>
-    <p:sldId id="494" r:id="rId25"/>
-    <p:sldId id="493" r:id="rId26"/>
-    <p:sldId id="495" r:id="rId27"/>
-    <p:sldId id="496" r:id="rId28"/>
-    <p:sldId id="498" r:id="rId29"/>
-    <p:sldId id="497" r:id="rId30"/>
-    <p:sldId id="499" r:id="rId31"/>
-    <p:sldId id="500" r:id="rId32"/>
+    <p:sldId id="502" r:id="rId22"/>
+    <p:sldId id="491" r:id="rId23"/>
+    <p:sldId id="492" r:id="rId24"/>
+    <p:sldId id="517" r:id="rId25"/>
+    <p:sldId id="494" r:id="rId26"/>
+    <p:sldId id="493" r:id="rId27"/>
+    <p:sldId id="495" r:id="rId28"/>
+    <p:sldId id="496" r:id="rId29"/>
+    <p:sldId id="498" r:id="rId30"/>
+    <p:sldId id="497" r:id="rId31"/>
+    <p:sldId id="499" r:id="rId32"/>
     <p:sldId id="501" r:id="rId33"/>
     <p:sldId id="503" r:id="rId34"/>
     <p:sldId id="504" r:id="rId35"/>
     <p:sldId id="505" r:id="rId36"/>
     <p:sldId id="506" r:id="rId37"/>
     <p:sldId id="507" r:id="rId38"/>
-    <p:sldId id="508" r:id="rId39"/>
-    <p:sldId id="509" r:id="rId40"/>
+    <p:sldId id="509" r:id="rId39"/>
+    <p:sldId id="508" r:id="rId40"/>
     <p:sldId id="510" r:id="rId41"/>
     <p:sldId id="414" r:id="rId42"/>
     <p:sldId id="413" r:id="rId43"/>
@@ -249,7 +249,7 @@
           <a:p>
             <a:fld id="{EF911157-0FC2-4F06-8D61-FD647FE4E19D}" type="datetimeFigureOut">
               <a:rPr lang="en-US" smtClean="0"/>
-              <a:t>12/5/2022</a:t>
+              <a:t>2/14/2023</a:t>
             </a:fld>
             <a:endParaRPr lang="en-US"/>
           </a:p>
@@ -656,7 +656,7 @@
             <a:pPr algn="l"/>
             <a:r>
               <a:rPr lang="en-CA" dirty="0"/>
-              <a:t>This is very simplified – we’ll be going through the gory details of a more complicated model in a little bit. </a:t>
+              <a:t>Not really going to focus on empirics here. Talk about job market paper/CCHE paper, for example? </a:t>
             </a:r>
           </a:p>
         </p:txBody>
@@ -678,7 +678,7 @@
           <a:p>
             <a:fld id="{4AF79E1B-2C51-4B9B-8EA4-26DE9E345AFF}" type="slidenum">
               <a:rPr lang="en-US" smtClean="0"/>
-              <a:t>12</a:t>
+              <a:t>11</a:t>
             </a:fld>
             <a:endParaRPr lang="en-US"/>
           </a:p>
@@ -687,7 +687,7 @@
     </p:spTree>
     <p:extLst>
       <p:ext uri="{BB962C8B-B14F-4D97-AF65-F5344CB8AC3E}">
-        <p14:creationId xmlns:p14="http://schemas.microsoft.com/office/powerpoint/2010/main" val="189570437"/>
+        <p14:creationId xmlns:p14="http://schemas.microsoft.com/office/powerpoint/2010/main" val="2172570494"/>
       </p:ext>
     </p:extLst>
   </p:cSld>
@@ -744,7 +744,7 @@
             <a:pPr algn="l"/>
             <a:r>
               <a:rPr lang="en-CA" dirty="0"/>
-              <a:t>This is a lot! Ideally each of these would have some variation in the data that “identifies” them. Some are calibrated to reduce estimation demands (non-bolded)</a:t>
+              <a:t>This is very simplified – we’ll be going through the gory details of a more complicated model in a little bit. </a:t>
             </a:r>
           </a:p>
         </p:txBody>
@@ -766,7 +766,7 @@
           <a:p>
             <a:fld id="{4AF79E1B-2C51-4B9B-8EA4-26DE9E345AFF}" type="slidenum">
               <a:rPr lang="en-US" smtClean="0"/>
-              <a:t>13</a:t>
+              <a:t>12</a:t>
             </a:fld>
             <a:endParaRPr lang="en-US"/>
           </a:p>
@@ -775,7 +775,7 @@
     </p:spTree>
     <p:extLst>
       <p:ext uri="{BB962C8B-B14F-4D97-AF65-F5344CB8AC3E}">
-        <p14:creationId xmlns:p14="http://schemas.microsoft.com/office/powerpoint/2010/main" val="2642042472"/>
+        <p14:creationId xmlns:p14="http://schemas.microsoft.com/office/powerpoint/2010/main" val="189570437"/>
       </p:ext>
     </p:extLst>
   </p:cSld>
@@ -832,7 +832,7 @@
             <a:pPr algn="l"/>
             <a:r>
               <a:rPr lang="en-CA" dirty="0"/>
-              <a:t>This is very simplified – we’ll be going through the gory details of a more complicated model in a little bit. </a:t>
+              <a:t>This is a lot! Ideally each of these would have some variation in the data that “identifies” them. Some are calibrated to reduce estimation demands (non-bolded)</a:t>
             </a:r>
           </a:p>
         </p:txBody>
@@ -854,7 +854,7 @@
           <a:p>
             <a:fld id="{4AF79E1B-2C51-4B9B-8EA4-26DE9E345AFF}" type="slidenum">
               <a:rPr lang="en-US" smtClean="0"/>
-              <a:t>14</a:t>
+              <a:t>13</a:t>
             </a:fld>
             <a:endParaRPr lang="en-US"/>
           </a:p>
@@ -863,7 +863,7 @@
     </p:spTree>
     <p:extLst>
       <p:ext uri="{BB962C8B-B14F-4D97-AF65-F5344CB8AC3E}">
-        <p14:creationId xmlns:p14="http://schemas.microsoft.com/office/powerpoint/2010/main" val="2754543913"/>
+        <p14:creationId xmlns:p14="http://schemas.microsoft.com/office/powerpoint/2010/main" val="2642042472"/>
       </p:ext>
     </p:extLst>
   </p:cSld>
@@ -942,7 +942,7 @@
           <a:p>
             <a:fld id="{4AF79E1B-2C51-4B9B-8EA4-26DE9E345AFF}" type="slidenum">
               <a:rPr lang="en-US" smtClean="0"/>
-              <a:t>15</a:t>
+              <a:t>14</a:t>
             </a:fld>
             <a:endParaRPr lang="en-US"/>
           </a:p>
@@ -951,7 +951,7 @@
     </p:spTree>
     <p:extLst>
       <p:ext uri="{BB962C8B-B14F-4D97-AF65-F5344CB8AC3E}">
-        <p14:creationId xmlns:p14="http://schemas.microsoft.com/office/powerpoint/2010/main" val="2831432844"/>
+        <p14:creationId xmlns:p14="http://schemas.microsoft.com/office/powerpoint/2010/main" val="2754543913"/>
       </p:ext>
     </p:extLst>
   </p:cSld>
@@ -1030,7 +1030,7 @@
           <a:p>
             <a:fld id="{4AF79E1B-2C51-4B9B-8EA4-26DE9E345AFF}" type="slidenum">
               <a:rPr lang="en-US" smtClean="0"/>
-              <a:t>16</a:t>
+              <a:t>15</a:t>
             </a:fld>
             <a:endParaRPr lang="en-US"/>
           </a:p>
@@ -1039,7 +1039,7 @@
     </p:spTree>
     <p:extLst>
       <p:ext uri="{BB962C8B-B14F-4D97-AF65-F5344CB8AC3E}">
-        <p14:creationId xmlns:p14="http://schemas.microsoft.com/office/powerpoint/2010/main" val="494646266"/>
+        <p14:creationId xmlns:p14="http://schemas.microsoft.com/office/powerpoint/2010/main" val="2831432844"/>
       </p:ext>
     </p:extLst>
   </p:cSld>
@@ -1093,10 +1093,8 @@
           <a:bodyPr/>
           <a:lstStyle/>
           <a:p>
-            <a:r>
-              <a:rPr lang="en-CA" dirty="0"/>
-              <a:t>Focus on bargaining model – this is market concentration on prices</a:t>
-            </a:r>
+            <a:pPr algn="l"/>
+            <a:endParaRPr lang="en-CA" dirty="0"/>
           </a:p>
         </p:txBody>
       </p:sp>
@@ -1117,7 +1115,7 @@
           <a:p>
             <a:fld id="{4AF79E1B-2C51-4B9B-8EA4-26DE9E345AFF}" type="slidenum">
               <a:rPr lang="en-US" smtClean="0"/>
-              <a:t>17</a:t>
+              <a:t>16</a:t>
             </a:fld>
             <a:endParaRPr lang="en-US"/>
           </a:p>
@@ -1126,7 +1124,7 @@
     </p:spTree>
     <p:extLst>
       <p:ext uri="{BB962C8B-B14F-4D97-AF65-F5344CB8AC3E}">
-        <p14:creationId xmlns:p14="http://schemas.microsoft.com/office/powerpoint/2010/main" val="3178040630"/>
+        <p14:creationId xmlns:p14="http://schemas.microsoft.com/office/powerpoint/2010/main" val="494646266"/>
       </p:ext>
     </p:extLst>
   </p:cSld>
@@ -1180,10 +1178,9 @@
           <a:bodyPr/>
           <a:lstStyle/>
           <a:p>
-            <a:pPr algn="l"/>
             <a:r>
               <a:rPr lang="en-CA" dirty="0"/>
-              <a:t>Think about this as hospital bargaining with MOH as well as just a simple insurer (how would it change)? </a:t>
+              <a:t>Focus on bargaining model – this is market concentration on prices</a:t>
             </a:r>
           </a:p>
         </p:txBody>
@@ -1205,7 +1202,7 @@
           <a:p>
             <a:fld id="{4AF79E1B-2C51-4B9B-8EA4-26DE9E345AFF}" type="slidenum">
               <a:rPr lang="en-US" smtClean="0"/>
-              <a:t>18</a:t>
+              <a:t>17</a:t>
             </a:fld>
             <a:endParaRPr lang="en-US"/>
           </a:p>
@@ -1214,7 +1211,7 @@
     </p:spTree>
     <p:extLst>
       <p:ext uri="{BB962C8B-B14F-4D97-AF65-F5344CB8AC3E}">
-        <p14:creationId xmlns:p14="http://schemas.microsoft.com/office/powerpoint/2010/main" val="948395210"/>
+        <p14:creationId xmlns:p14="http://schemas.microsoft.com/office/powerpoint/2010/main" val="3178040630"/>
       </p:ext>
     </p:extLst>
   </p:cSld>
@@ -1271,17 +1268,8 @@
             <a:pPr algn="l"/>
             <a:r>
               <a:rPr lang="en-CA" dirty="0"/>
-              <a:t>Hence, hospitals have </a:t>
+              <a:t>Think about this as hospital bargaining with MOH as well as just a simple insurer (how would it change)? </a:t>
             </a:r>
-            <a:r>
-              <a:rPr lang="en-CA" b="1" dirty="0"/>
-              <a:t>bargaining power </a:t>
-            </a:r>
-            <a:r>
-              <a:rPr lang="en-CA" b="0" dirty="0"/>
-              <a:t>since their prices and network inclusion decision affects the insurers outcomes</a:t>
-            </a:r>
-            <a:endParaRPr lang="en-CA" dirty="0"/>
           </a:p>
         </p:txBody>
       </p:sp>
@@ -1302,7 +1290,7 @@
           <a:p>
             <a:fld id="{4AF79E1B-2C51-4B9B-8EA4-26DE9E345AFF}" type="slidenum">
               <a:rPr lang="en-US" smtClean="0"/>
-              <a:t>19</a:t>
+              <a:t>18</a:t>
             </a:fld>
             <a:endParaRPr lang="en-US"/>
           </a:p>
@@ -1311,7 +1299,7 @@
     </p:spTree>
     <p:extLst>
       <p:ext uri="{BB962C8B-B14F-4D97-AF65-F5344CB8AC3E}">
-        <p14:creationId xmlns:p14="http://schemas.microsoft.com/office/powerpoint/2010/main" val="4004966881"/>
+        <p14:creationId xmlns:p14="http://schemas.microsoft.com/office/powerpoint/2010/main" val="948395210"/>
       </p:ext>
     </p:extLst>
   </p:cSld>
@@ -1399,7 +1387,7 @@
           <a:p>
             <a:fld id="{4AF79E1B-2C51-4B9B-8EA4-26DE9E345AFF}" type="slidenum">
               <a:rPr lang="en-US" smtClean="0"/>
-              <a:t>20</a:t>
+              <a:t>19</a:t>
             </a:fld>
             <a:endParaRPr lang="en-US"/>
           </a:p>
@@ -1408,7 +1396,7 @@
     </p:spTree>
     <p:extLst>
       <p:ext uri="{BB962C8B-B14F-4D97-AF65-F5344CB8AC3E}">
-        <p14:creationId xmlns:p14="http://schemas.microsoft.com/office/powerpoint/2010/main" val="2524815305"/>
+        <p14:creationId xmlns:p14="http://schemas.microsoft.com/office/powerpoint/2010/main" val="4004966881"/>
       </p:ext>
     </p:extLst>
   </p:cSld>
@@ -1465,8 +1453,17 @@
             <a:pPr algn="l"/>
             <a:r>
               <a:rPr lang="en-CA" dirty="0"/>
-              <a:t>What are we measuring with these shocks? Why the severity weights? Is there a cleaner setup? </a:t>
+              <a:t>Hence, hospitals have </a:t>
             </a:r>
+            <a:r>
+              <a:rPr lang="en-CA" b="1" dirty="0"/>
+              <a:t>bargaining power </a:t>
+            </a:r>
+            <a:r>
+              <a:rPr lang="en-CA" b="0" dirty="0"/>
+              <a:t>since their prices and network inclusion decision affects the insurers outcomes</a:t>
+            </a:r>
+            <a:endParaRPr lang="en-CA" dirty="0"/>
           </a:p>
         </p:txBody>
       </p:sp>
@@ -1487,7 +1484,7 @@
           <a:p>
             <a:fld id="{4AF79E1B-2C51-4B9B-8EA4-26DE9E345AFF}" type="slidenum">
               <a:rPr lang="en-US" smtClean="0"/>
-              <a:t>21</a:t>
+              <a:t>20</a:t>
             </a:fld>
             <a:endParaRPr lang="en-US"/>
           </a:p>
@@ -1496,7 +1493,7 @@
     </p:spTree>
     <p:extLst>
       <p:ext uri="{BB962C8B-B14F-4D97-AF65-F5344CB8AC3E}">
-        <p14:creationId xmlns:p14="http://schemas.microsoft.com/office/powerpoint/2010/main" val="2362404974"/>
+        <p14:creationId xmlns:p14="http://schemas.microsoft.com/office/powerpoint/2010/main" val="2524815305"/>
       </p:ext>
     </p:extLst>
   </p:cSld>
@@ -1552,7 +1549,7 @@
           <a:p>
             <a:r>
               <a:rPr lang="en-CA" dirty="0"/>
-              <a:t>Focus on provider entry/exit models</a:t>
+              <a:t>Why do markets clear? Dynamics – firms enter / exit, etc. </a:t>
             </a:r>
           </a:p>
         </p:txBody>
@@ -1574,7 +1571,7 @@
           <a:p>
             <a:fld id="{4AF79E1B-2C51-4B9B-8EA4-26DE9E345AFF}" type="slidenum">
               <a:rPr lang="en-US" smtClean="0"/>
-              <a:t>4</a:t>
+              <a:t>3</a:t>
             </a:fld>
             <a:endParaRPr lang="en-US"/>
           </a:p>
@@ -1583,7 +1580,7 @@
     </p:spTree>
     <p:extLst>
       <p:ext uri="{BB962C8B-B14F-4D97-AF65-F5344CB8AC3E}">
-        <p14:creationId xmlns:p14="http://schemas.microsoft.com/office/powerpoint/2010/main" val="1527946518"/>
+        <p14:creationId xmlns:p14="http://schemas.microsoft.com/office/powerpoint/2010/main" val="1351592228"/>
       </p:ext>
     </p:extLst>
   </p:cSld>
@@ -1640,60 +1637,16 @@
             <a:pPr algn="l"/>
             <a:r>
               <a:rPr lang="en-CA" dirty="0"/>
-              <a:t>Utility depends on hospital, patient, and illness characteristics, distance to hospital. Theta is the vector of structural parameters to be estimated. We assume that e is Type 1 Extreme Value! TODO: add some notes about that here? Defer? </a:t>
+              <a:t>Equilibrium specifies all behavior simultaneously. We have to consider all of these interactions – the timing assumptions allow us to get at an </a:t>
             </a:r>
             <a:r>
-              <a:rPr lang="en-CA" sz="1800" b="0" i="0" u="none" strike="noStrike" baseline="0" dirty="0">
-                <a:latin typeface="AdvBm"/>
-              </a:rPr>
-              <a:t>In practice, </a:t>
+              <a:rPr lang="en-CA" dirty="0" err="1"/>
+              <a:t>eqbm</a:t>
             </a:r>
             <a:r>
-              <a:rPr lang="en-CA" sz="1800" b="0" i="0" u="none" strike="noStrike" baseline="0" dirty="0" err="1">
-                <a:latin typeface="AdvBmi"/>
-              </a:rPr>
-              <a:t>uij</a:t>
+              <a:rPr lang="en-CA" dirty="0"/>
+              <a:t> by backward induction. </a:t>
             </a:r>
-            <a:endParaRPr lang="en-CA" sz="1800" b="0" i="0" u="none" strike="noStrike" baseline="0" dirty="0">
-              <a:latin typeface="AdvBmi"/>
-            </a:endParaRPr>
-          </a:p>
-          <a:p>
-            <a:pPr algn="l"/>
-            <a:r>
-              <a:rPr lang="en-US" sz="1800" b="0" i="0" u="none" strike="noStrike" baseline="0" dirty="0">
-                <a:latin typeface="AdvBm"/>
-              </a:rPr>
-              <a:t>is parameterized to be a linear function of a hospital fixed effect, travel time and</a:t>
-            </a:r>
-          </a:p>
-          <a:p>
-            <a:pPr algn="l"/>
-            <a:r>
-              <a:rPr lang="en-US" sz="1800" b="0" i="0" u="none" strike="noStrike" baseline="0" dirty="0">
-                <a:latin typeface="AdvBm"/>
-              </a:rPr>
-              <a:t>interactions between hospital characteristics (such as bed size, ownership type,</a:t>
-            </a:r>
-          </a:p>
-          <a:p>
-            <a:pPr algn="l"/>
-            <a:r>
-              <a:rPr lang="en-US" sz="1800" b="0" i="0" u="none" strike="noStrike" baseline="0" dirty="0">
-                <a:latin typeface="AdvBm"/>
-              </a:rPr>
-              <a:t>teaching status, service offerings), patient characteristics, diagnosis, diagnosis weight,</a:t>
-            </a:r>
-          </a:p>
-          <a:p>
-            <a:pPr algn="l"/>
-            <a:r>
-              <a:rPr lang="en-CA" sz="1800" b="0" i="0" u="none" strike="noStrike" baseline="0" dirty="0">
-                <a:latin typeface="AdvBm"/>
-              </a:rPr>
-              <a:t>and travel time.</a:t>
-            </a:r>
-            <a:endParaRPr lang="en-CA" dirty="0"/>
           </a:p>
         </p:txBody>
       </p:sp>
@@ -1714,7 +1667,7 @@
           <a:p>
             <a:fld id="{4AF79E1B-2C51-4B9B-8EA4-26DE9E345AFF}" type="slidenum">
               <a:rPr lang="en-US" smtClean="0"/>
-              <a:t>22</a:t>
+              <a:t>21</a:t>
             </a:fld>
             <a:endParaRPr lang="en-US"/>
           </a:p>
@@ -1723,7 +1676,7 @@
     </p:spTree>
     <p:extLst>
       <p:ext uri="{BB962C8B-B14F-4D97-AF65-F5344CB8AC3E}">
-        <p14:creationId xmlns:p14="http://schemas.microsoft.com/office/powerpoint/2010/main" val="3255408009"/>
+        <p14:creationId xmlns:p14="http://schemas.microsoft.com/office/powerpoint/2010/main" val="1055874258"/>
       </p:ext>
     </p:extLst>
   </p:cSld>
@@ -1780,15 +1733,7 @@
             <a:pPr algn="l"/>
             <a:r>
               <a:rPr lang="en-CA" dirty="0"/>
-              <a:t>Equilibrium specifies all behavior simultaneously. We have to consider all of these interactions – the timing assumptions allow us to get at an </a:t>
-            </a:r>
-            <a:r>
-              <a:rPr lang="en-CA" dirty="0" err="1"/>
-              <a:t>eqbm</a:t>
-            </a:r>
-            <a:r>
-              <a:rPr lang="en-CA" dirty="0"/>
-              <a:t> by backward induction. </a:t>
+              <a:t>What are we measuring with these shocks? Why the severity weights? Is there a cleaner setup? </a:t>
             </a:r>
           </a:p>
         </p:txBody>
@@ -1810,7 +1755,7 @@
           <a:p>
             <a:fld id="{4AF79E1B-2C51-4B9B-8EA4-26DE9E345AFF}" type="slidenum">
               <a:rPr lang="en-US" smtClean="0"/>
-              <a:t>23</a:t>
+              <a:t>22</a:t>
             </a:fld>
             <a:endParaRPr lang="en-US"/>
           </a:p>
@@ -1819,7 +1764,7 @@
     </p:spTree>
     <p:extLst>
       <p:ext uri="{BB962C8B-B14F-4D97-AF65-F5344CB8AC3E}">
-        <p14:creationId xmlns:p14="http://schemas.microsoft.com/office/powerpoint/2010/main" val="1055874258"/>
+        <p14:creationId xmlns:p14="http://schemas.microsoft.com/office/powerpoint/2010/main" val="2362404974"/>
       </p:ext>
     </p:extLst>
   </p:cSld>
@@ -1876,11 +1821,58 @@
             <a:pPr algn="l"/>
             <a:r>
               <a:rPr lang="en-CA" dirty="0"/>
-              <a:t>S is probability that individual will choose care at hospital j</a:t>
+              <a:t>Utility depends on hospital, patient, and illness characteristics, distance to hospital. Theta is the vector of structural parameters to be estimated. We assume that e is Type 1 Extreme Value. </a:t>
             </a:r>
             <a:r>
-              <a:rPr lang="en-CA"/>
-              <a:t>. </a:t>
+              <a:rPr lang="en-CA" sz="1800" b="0" i="0" u="none" strike="noStrike" baseline="0" dirty="0">
+                <a:latin typeface="AdvBm"/>
+              </a:rPr>
+              <a:t>In practice, </a:t>
+            </a:r>
+            <a:r>
+              <a:rPr lang="en-CA" sz="1800" b="0" i="0" u="none" strike="noStrike" baseline="0" dirty="0" err="1">
+                <a:latin typeface="AdvBmi"/>
+              </a:rPr>
+              <a:t>uij</a:t>
+            </a:r>
+            <a:r>
+              <a:rPr lang="en-CA" sz="1800" b="0" i="0" u="none" strike="noStrike" baseline="0" dirty="0">
+                <a:latin typeface="AdvBmi"/>
+              </a:rPr>
+              <a:t> </a:t>
+            </a:r>
+            <a:r>
+              <a:rPr lang="en-US" sz="1800" b="0" i="0" u="none" strike="noStrike" baseline="0" dirty="0">
+                <a:latin typeface="AdvBm"/>
+              </a:rPr>
+              <a:t>is parameterized to be a linear function of a hospital fixed effect, travel time and</a:t>
+            </a:r>
+          </a:p>
+          <a:p>
+            <a:pPr algn="l"/>
+            <a:r>
+              <a:rPr lang="en-US" sz="1800" b="0" i="0" u="none" strike="noStrike" baseline="0" dirty="0">
+                <a:latin typeface="AdvBm"/>
+              </a:rPr>
+              <a:t>interactions between hospital characteristics (such as bed size, ownership type,</a:t>
+            </a:r>
+          </a:p>
+          <a:p>
+            <a:pPr algn="l"/>
+            <a:r>
+              <a:rPr lang="en-US" sz="1800" b="0" i="0" u="none" strike="noStrike" baseline="0" dirty="0">
+                <a:latin typeface="AdvBm"/>
+              </a:rPr>
+              <a:t>teaching status, service offerings), patient characteristics, diagnosis, diagnosis weight,</a:t>
+            </a:r>
+          </a:p>
+          <a:p>
+            <a:pPr algn="l"/>
+            <a:r>
+              <a:rPr lang="en-CA" sz="1800" b="0" i="0" u="none" strike="noStrike" baseline="0" dirty="0">
+                <a:latin typeface="AdvBm"/>
+              </a:rPr>
+              <a:t>and travel time.</a:t>
             </a:r>
             <a:endParaRPr lang="en-CA" dirty="0"/>
           </a:p>
@@ -1903,7 +1895,7 @@
           <a:p>
             <a:fld id="{4AF79E1B-2C51-4B9B-8EA4-26DE9E345AFF}" type="slidenum">
               <a:rPr lang="en-US" smtClean="0"/>
-              <a:t>24</a:t>
+              <a:t>23</a:t>
             </a:fld>
             <a:endParaRPr lang="en-US"/>
           </a:p>
@@ -1912,7 +1904,7 @@
     </p:spTree>
     <p:extLst>
       <p:ext uri="{BB962C8B-B14F-4D97-AF65-F5344CB8AC3E}">
-        <p14:creationId xmlns:p14="http://schemas.microsoft.com/office/powerpoint/2010/main" val="1212843785"/>
+        <p14:creationId xmlns:p14="http://schemas.microsoft.com/office/powerpoint/2010/main" val="3255408009"/>
       </p:ext>
     </p:extLst>
   </p:cSld>
@@ -1969,7 +1961,7 @@
             <a:pPr algn="l"/>
             <a:r>
               <a:rPr lang="en-CA" dirty="0"/>
-              <a:t>S is probability that individual will choose care at hospital j. </a:t>
+              <a:t>Sorry for the blurry photo here. Why do you want this? It gives logistic choice probabilities! You’ll see. </a:t>
             </a:r>
           </a:p>
         </p:txBody>
@@ -1991,7 +1983,7 @@
           <a:p>
             <a:fld id="{4AF79E1B-2C51-4B9B-8EA4-26DE9E345AFF}" type="slidenum">
               <a:rPr lang="en-US" smtClean="0"/>
-              <a:t>25</a:t>
+              <a:t>24</a:t>
             </a:fld>
             <a:endParaRPr lang="en-US"/>
           </a:p>
@@ -2000,7 +1992,7 @@
     </p:spTree>
     <p:extLst>
       <p:ext uri="{BB962C8B-B14F-4D97-AF65-F5344CB8AC3E}">
-        <p14:creationId xmlns:p14="http://schemas.microsoft.com/office/powerpoint/2010/main" val="4291650284"/>
+        <p14:creationId xmlns:p14="http://schemas.microsoft.com/office/powerpoint/2010/main" val="2093092453"/>
       </p:ext>
     </p:extLst>
   </p:cSld>
@@ -2057,8 +2049,13 @@
             <a:pPr algn="l"/>
             <a:r>
               <a:rPr lang="en-CA" dirty="0"/>
-              <a:t>S is probability that individual will choose care at hospital j. Note we have new structural parameters gamma and alpha </a:t>
+              <a:t>S is probability that individual will choose care at hospital j</a:t>
             </a:r>
+            <a:r>
+              <a:rPr lang="en-CA"/>
+              <a:t>. </a:t>
+            </a:r>
+            <a:endParaRPr lang="en-CA" dirty="0"/>
           </a:p>
         </p:txBody>
       </p:sp>
@@ -2079,7 +2076,7 @@
           <a:p>
             <a:fld id="{4AF79E1B-2C51-4B9B-8EA4-26DE9E345AFF}" type="slidenum">
               <a:rPr lang="en-US" smtClean="0"/>
-              <a:t>26</a:t>
+              <a:t>25</a:t>
             </a:fld>
             <a:endParaRPr lang="en-US"/>
           </a:p>
@@ -2088,7 +2085,7 @@
     </p:spTree>
     <p:extLst>
       <p:ext uri="{BB962C8B-B14F-4D97-AF65-F5344CB8AC3E}">
-        <p14:creationId xmlns:p14="http://schemas.microsoft.com/office/powerpoint/2010/main" val="4100133051"/>
+        <p14:creationId xmlns:p14="http://schemas.microsoft.com/office/powerpoint/2010/main" val="1212843785"/>
       </p:ext>
     </p:extLst>
   </p:cSld>
@@ -2145,7 +2142,7 @@
             <a:pPr algn="l"/>
             <a:r>
               <a:rPr lang="en-CA" dirty="0"/>
-              <a:t>y is probability that individual will choose plan h. The choice probabilities look different because there’s no outside option assuming insurance is mandatory/good.</a:t>
+              <a:t>S is probability that individual will choose care at hospital j. </a:t>
             </a:r>
           </a:p>
         </p:txBody>
@@ -2167,7 +2164,7 @@
           <a:p>
             <a:fld id="{4AF79E1B-2C51-4B9B-8EA4-26DE9E345AFF}" type="slidenum">
               <a:rPr lang="en-US" smtClean="0"/>
-              <a:t>27</a:t>
+              <a:t>26</a:t>
             </a:fld>
             <a:endParaRPr lang="en-US"/>
           </a:p>
@@ -2176,7 +2173,7 @@
     </p:spTree>
     <p:extLst>
       <p:ext uri="{BB962C8B-B14F-4D97-AF65-F5344CB8AC3E}">
-        <p14:creationId xmlns:p14="http://schemas.microsoft.com/office/powerpoint/2010/main" val="4081549940"/>
+        <p14:creationId xmlns:p14="http://schemas.microsoft.com/office/powerpoint/2010/main" val="4291650284"/>
       </p:ext>
     </p:extLst>
   </p:cSld>
@@ -2233,7 +2230,15 @@
             <a:pPr algn="l"/>
             <a:r>
               <a:rPr lang="en-CA" dirty="0"/>
-              <a:t>y is probability that individual will choose plan h. The choice probabilities look different because there’s no outside option assuming insurance is mandatory/good.</a:t>
+              <a:t>We could complicate this a little bit more – what is the </a:t>
+            </a:r>
+            <a:r>
+              <a:rPr lang="en-CA" dirty="0" err="1"/>
+              <a:t>tradeoff</a:t>
+            </a:r>
+            <a:r>
+              <a:rPr lang="en-CA" dirty="0"/>
+              <a:t> of doing this? Note we have new structural parameters gamma and alpha , but can also handle more complexity. When should/shouldn’t we do this? </a:t>
             </a:r>
           </a:p>
         </p:txBody>
@@ -2255,7 +2260,7 @@
           <a:p>
             <a:fld id="{4AF79E1B-2C51-4B9B-8EA4-26DE9E345AFF}" type="slidenum">
               <a:rPr lang="en-US" smtClean="0"/>
-              <a:t>28</a:t>
+              <a:t>27</a:t>
             </a:fld>
             <a:endParaRPr lang="en-US"/>
           </a:p>
@@ -2264,7 +2269,7 @@
     </p:spTree>
     <p:extLst>
       <p:ext uri="{BB962C8B-B14F-4D97-AF65-F5344CB8AC3E}">
-        <p14:creationId xmlns:p14="http://schemas.microsoft.com/office/powerpoint/2010/main" val="328573622"/>
+        <p14:creationId xmlns:p14="http://schemas.microsoft.com/office/powerpoint/2010/main" val="4100133051"/>
       </p:ext>
     </p:extLst>
   </p:cSld>
@@ -2343,7 +2348,7 @@
           <a:p>
             <a:fld id="{4AF79E1B-2C51-4B9B-8EA4-26DE9E345AFF}" type="slidenum">
               <a:rPr lang="en-US" smtClean="0"/>
-              <a:t>29</a:t>
+              <a:t>28</a:t>
             </a:fld>
             <a:endParaRPr lang="en-US"/>
           </a:p>
@@ -2352,7 +2357,7 @@
     </p:spTree>
     <p:extLst>
       <p:ext uri="{BB962C8B-B14F-4D97-AF65-F5344CB8AC3E}">
-        <p14:creationId xmlns:p14="http://schemas.microsoft.com/office/powerpoint/2010/main" val="3401812978"/>
+        <p14:creationId xmlns:p14="http://schemas.microsoft.com/office/powerpoint/2010/main" val="4081549940"/>
       </p:ext>
     </p:extLst>
   </p:cSld>
@@ -2409,39 +2414,8 @@
             <a:pPr algn="l"/>
             <a:r>
               <a:rPr lang="en-CA" dirty="0"/>
-              <a:t>What must be satisfied in equilibrium? What does this mean? Are we sure that an equilibrium exists? No! It’s not a trivial thing given how complicated the model has become. In this case, </a:t>
+              <a:t>y is probability that individual will choose plan h. The choice probabilities look different because there’s no outside option assuming insurance is mandatory/good.</a:t>
             </a:r>
-            <a:r>
-              <a:rPr lang="en-US" sz="1800" b="0" i="0" u="none" strike="noStrike" baseline="0" dirty="0">
-                <a:solidFill>
-                  <a:srgbClr val="0000FF"/>
-                </a:solidFill>
-                <a:latin typeface="AdvBm"/>
-              </a:rPr>
-              <a:t>Caplin and Nalebuff (1991) </a:t>
-            </a:r>
-            <a:r>
-              <a:rPr lang="en-US" sz="1800" b="0" i="0" u="none" strike="noStrike" baseline="0" dirty="0">
-                <a:solidFill>
-                  <a:srgbClr val="000000"/>
-                </a:solidFill>
-                <a:latin typeface="AdvBm"/>
-              </a:rPr>
-              <a:t>prove that there is a unique equilibrium in the premium setting game given the set of health plan hospital networks. The premiums and thus the profits of all the health plans will depend upon the structure of all the competing plans’ hospital networks, their costs, and the</a:t>
-            </a:r>
-          </a:p>
-          <a:p>
-            <a:pPr algn="l"/>
-            <a:r>
-              <a:rPr lang="en-US" sz="1800" b="0" i="0" u="none" strike="noStrike" baseline="0" dirty="0">
-                <a:solidFill>
-                  <a:srgbClr val="000000"/>
-                </a:solidFill>
-                <a:latin typeface="AdvBm"/>
-              </a:rPr>
-              <a:t>distribution of patients across geography and incomes. </a:t>
-            </a:r>
-            <a:endParaRPr lang="en-CA" dirty="0"/>
           </a:p>
         </p:txBody>
       </p:sp>
@@ -2462,7 +2436,7 @@
           <a:p>
             <a:fld id="{4AF79E1B-2C51-4B9B-8EA4-26DE9E345AFF}" type="slidenum">
               <a:rPr lang="en-US" smtClean="0"/>
-              <a:t>30</a:t>
+              <a:t>29</a:t>
             </a:fld>
             <a:endParaRPr lang="en-US"/>
           </a:p>
@@ -2471,7 +2445,7 @@
     </p:spTree>
     <p:extLst>
       <p:ext uri="{BB962C8B-B14F-4D97-AF65-F5344CB8AC3E}">
-        <p14:creationId xmlns:p14="http://schemas.microsoft.com/office/powerpoint/2010/main" val="3456648478"/>
+        <p14:creationId xmlns:p14="http://schemas.microsoft.com/office/powerpoint/2010/main" val="328573622"/>
       </p:ext>
     </p:extLst>
   </p:cSld>
@@ -2526,40 +2500,6 @@
           <a:lstStyle/>
           <a:p>
             <a:pPr algn="l"/>
-            <a:r>
-              <a:rPr lang="en-CA" dirty="0"/>
-              <a:t>What must be satisfied in equilibrium? What does this mean? Are we sure that an equilibrium exists? No! It’s not a trivial thing given how complicated the model has become. In this case, </a:t>
-            </a:r>
-            <a:r>
-              <a:rPr lang="en-US" sz="1800" b="0" i="0" u="none" strike="noStrike" baseline="0" dirty="0">
-                <a:solidFill>
-                  <a:srgbClr val="0000FF"/>
-                </a:solidFill>
-                <a:latin typeface="AdvBm"/>
-              </a:rPr>
-              <a:t>Caplin and Nalebuff (1991) </a:t>
-            </a:r>
-            <a:r>
-              <a:rPr lang="en-US" sz="1800" b="0" i="0" u="none" strike="noStrike" baseline="0" dirty="0">
-                <a:solidFill>
-                  <a:srgbClr val="000000"/>
-                </a:solidFill>
-                <a:latin typeface="AdvBm"/>
-              </a:rPr>
-              <a:t>prove that there is a unique equilibrium in the premium setting game given the set of health plan hospital networks. The premiums and thus the profits of all the health plans will depend upon the structure of all the competing plans’ hospital networks, their costs, and the</a:t>
-            </a:r>
-          </a:p>
-          <a:p>
-            <a:pPr algn="l"/>
-            <a:r>
-              <a:rPr lang="en-US" sz="1800" b="0" i="0" u="none" strike="noStrike" baseline="0" dirty="0">
-                <a:solidFill>
-                  <a:srgbClr val="000000"/>
-                </a:solidFill>
-                <a:latin typeface="AdvBm"/>
-              </a:rPr>
-              <a:t>distribution of patients across geography and incomes. </a:t>
-            </a:r>
             <a:endParaRPr lang="en-CA" dirty="0"/>
           </a:p>
         </p:txBody>
@@ -2581,7 +2521,7 @@
           <a:p>
             <a:fld id="{4AF79E1B-2C51-4B9B-8EA4-26DE9E345AFF}" type="slidenum">
               <a:rPr lang="en-US" smtClean="0"/>
-              <a:t>31</a:t>
+              <a:t>30</a:t>
             </a:fld>
             <a:endParaRPr lang="en-US"/>
           </a:p>
@@ -2590,7 +2530,7 @@
     </p:spTree>
     <p:extLst>
       <p:ext uri="{BB962C8B-B14F-4D97-AF65-F5344CB8AC3E}">
-        <p14:creationId xmlns:p14="http://schemas.microsoft.com/office/powerpoint/2010/main" val="3567956182"/>
+        <p14:creationId xmlns:p14="http://schemas.microsoft.com/office/powerpoint/2010/main" val="3401812978"/>
       </p:ext>
     </p:extLst>
   </p:cSld>
@@ -2646,7 +2586,7 @@
           <a:p>
             <a:r>
               <a:rPr lang="en-CA" dirty="0"/>
-              <a:t>In US, markets are becoming more consolidated over time – in Canada, there’s no real sense of competition in the same sense</a:t>
+              <a:t>Need an IV (or some other, more complex model) to think about tracing these out separately. Structural modeling is taking a stand on all of these things and using data to identify them separately</a:t>
             </a:r>
           </a:p>
         </p:txBody>
@@ -2668,7 +2608,7 @@
           <a:p>
             <a:fld id="{4AF79E1B-2C51-4B9B-8EA4-26DE9E345AFF}" type="slidenum">
               <a:rPr lang="en-US" smtClean="0"/>
-              <a:t>5</a:t>
+              <a:t>4</a:t>
             </a:fld>
             <a:endParaRPr lang="en-US"/>
           </a:p>
@@ -2677,7 +2617,7 @@
     </p:spTree>
     <p:extLst>
       <p:ext uri="{BB962C8B-B14F-4D97-AF65-F5344CB8AC3E}">
-        <p14:creationId xmlns:p14="http://schemas.microsoft.com/office/powerpoint/2010/main" val="1351592228"/>
+        <p14:creationId xmlns:p14="http://schemas.microsoft.com/office/powerpoint/2010/main" val="149729829"/>
       </p:ext>
     </p:extLst>
   </p:cSld>
@@ -2734,8 +2674,34 @@
             <a:pPr algn="l"/>
             <a:r>
               <a:rPr lang="en-CA" dirty="0"/>
-              <a:t>These weights are roughly DRG weights for risk adjustment</a:t>
+              <a:t>* What must be satisfied in equilibrium? What does this mean? </a:t>
             </a:r>
+          </a:p>
+          <a:p>
+            <a:pPr algn="l"/>
+            <a:r>
+              <a:rPr lang="en-CA" dirty="0"/>
+              <a:t>* Are we sure that an equilibrium exists? No! It’s not a trivial thing given how complicated the model has become. In this case, </a:t>
+            </a:r>
+            <a:r>
+              <a:rPr lang="en-US" sz="1800" b="0" i="0" u="none" strike="noStrike" baseline="0" dirty="0">
+                <a:solidFill>
+                  <a:srgbClr val="0000FF"/>
+                </a:solidFill>
+                <a:latin typeface="AdvBm"/>
+              </a:rPr>
+              <a:t>Caplin and Nalebuff (1991) </a:t>
+            </a:r>
+            <a:r>
+              <a:rPr lang="en-US" sz="1800" b="0" i="0" u="none" strike="noStrike" baseline="0" dirty="0">
+                <a:solidFill>
+                  <a:srgbClr val="000000"/>
+                </a:solidFill>
+                <a:latin typeface="AdvBm"/>
+              </a:rPr>
+              <a:t>prove that there is a unique equilibrium in the premium setting game given the set of health plan hospital networks. The premiums and thus the profits of all the health plans will depend upon the structure of all the competing plans’ hospital networks, their costs, and the distribution of patients across geography and incomes. </a:t>
+            </a:r>
+            <a:endParaRPr lang="en-CA" dirty="0"/>
           </a:p>
         </p:txBody>
       </p:sp>
@@ -2756,7 +2722,7 @@
           <a:p>
             <a:fld id="{4AF79E1B-2C51-4B9B-8EA4-26DE9E345AFF}" type="slidenum">
               <a:rPr lang="en-US" smtClean="0"/>
-              <a:t>32</a:t>
+              <a:t>31</a:t>
             </a:fld>
             <a:endParaRPr lang="en-US"/>
           </a:p>
@@ -2765,7 +2731,7 @@
     </p:spTree>
     <p:extLst>
       <p:ext uri="{BB962C8B-B14F-4D97-AF65-F5344CB8AC3E}">
-        <p14:creationId xmlns:p14="http://schemas.microsoft.com/office/powerpoint/2010/main" val="962222441"/>
+        <p14:creationId xmlns:p14="http://schemas.microsoft.com/office/powerpoint/2010/main" val="3456648478"/>
       </p:ext>
     </p:extLst>
   </p:cSld>
@@ -2820,7 +2786,10 @@
           <a:lstStyle/>
           <a:p>
             <a:pPr algn="l"/>
-            <a:endParaRPr lang="en-CA" dirty="0"/>
+            <a:r>
+              <a:rPr lang="en-CA" dirty="0"/>
+              <a:t>Why do it this way? Two reasons: (1) simpler, and (2) these weights are roughly DRG weights for risk adjustment</a:t>
+            </a:r>
           </a:p>
         </p:txBody>
       </p:sp>
@@ -2841,7 +2810,7 @@
           <a:p>
             <a:fld id="{4AF79E1B-2C51-4B9B-8EA4-26DE9E345AFF}" type="slidenum">
               <a:rPr lang="en-US" smtClean="0"/>
-              <a:t>33</a:t>
+              <a:t>32</a:t>
             </a:fld>
             <a:endParaRPr lang="en-US"/>
           </a:p>
@@ -2850,7 +2819,7 @@
     </p:spTree>
     <p:extLst>
       <p:ext uri="{BB962C8B-B14F-4D97-AF65-F5344CB8AC3E}">
-        <p14:creationId xmlns:p14="http://schemas.microsoft.com/office/powerpoint/2010/main" val="3435576861"/>
+        <p14:creationId xmlns:p14="http://schemas.microsoft.com/office/powerpoint/2010/main" val="962222441"/>
       </p:ext>
     </p:extLst>
   </p:cSld>
@@ -2905,10 +2874,7 @@
           <a:lstStyle/>
           <a:p>
             <a:pPr algn="l"/>
-            <a:r>
-              <a:rPr lang="en-CA" dirty="0"/>
-              <a:t>Disagreement is helpful for one party (loss in value of excluding hospital j from network). Recall that q are patient flows. K is the sum of how prices change depending on which other networks the hospital h is in? </a:t>
-            </a:r>
+            <a:endParaRPr lang="en-CA" dirty="0"/>
           </a:p>
         </p:txBody>
       </p:sp>
@@ -2929,7 +2895,7 @@
           <a:p>
             <a:fld id="{4AF79E1B-2C51-4B9B-8EA4-26DE9E345AFF}" type="slidenum">
               <a:rPr lang="en-US" smtClean="0"/>
-              <a:t>34</a:t>
+              <a:t>33</a:t>
             </a:fld>
             <a:endParaRPr lang="en-US"/>
           </a:p>
@@ -2938,7 +2904,7 @@
     </p:spTree>
     <p:extLst>
       <p:ext uri="{BB962C8B-B14F-4D97-AF65-F5344CB8AC3E}">
-        <p14:creationId xmlns:p14="http://schemas.microsoft.com/office/powerpoint/2010/main" val="2206047463"/>
+        <p14:creationId xmlns:p14="http://schemas.microsoft.com/office/powerpoint/2010/main" val="3435576861"/>
       </p:ext>
     </p:extLst>
   </p:cSld>
@@ -2995,7 +2961,7 @@
             <a:pPr algn="l"/>
             <a:r>
               <a:rPr lang="en-CA" dirty="0"/>
-              <a:t>Beta is relative bargaining power of hospital relative to insurer </a:t>
+              <a:t>Disagreement is helpful for one party (loss in value of excluding hospital j from network). Recall that q are patient flows. </a:t>
             </a:r>
           </a:p>
         </p:txBody>
@@ -3017,7 +2983,7 @@
           <a:p>
             <a:fld id="{4AF79E1B-2C51-4B9B-8EA4-26DE9E345AFF}" type="slidenum">
               <a:rPr lang="en-US" smtClean="0"/>
-              <a:t>35</a:t>
+              <a:t>34</a:t>
             </a:fld>
             <a:endParaRPr lang="en-US"/>
           </a:p>
@@ -3026,7 +2992,7 @@
     </p:spTree>
     <p:extLst>
       <p:ext uri="{BB962C8B-B14F-4D97-AF65-F5344CB8AC3E}">
-        <p14:creationId xmlns:p14="http://schemas.microsoft.com/office/powerpoint/2010/main" val="209344789"/>
+        <p14:creationId xmlns:p14="http://schemas.microsoft.com/office/powerpoint/2010/main" val="2206047463"/>
       </p:ext>
     </p:extLst>
   </p:cSld>
@@ -3083,7 +3049,7 @@
             <a:pPr algn="l"/>
             <a:r>
               <a:rPr lang="en-CA" dirty="0"/>
-              <a:t>Let’s talk about comparative statics: </a:t>
+              <a:t>Beta is relative bargaining power of hospital relative to insurer </a:t>
             </a:r>
           </a:p>
         </p:txBody>
@@ -3105,7 +3071,7 @@
           <a:p>
             <a:fld id="{4AF79E1B-2C51-4B9B-8EA4-26DE9E345AFF}" type="slidenum">
               <a:rPr lang="en-US" smtClean="0"/>
-              <a:t>36</a:t>
+              <a:t>35</a:t>
             </a:fld>
             <a:endParaRPr lang="en-US"/>
           </a:p>
@@ -3114,7 +3080,7 @@
     </p:spTree>
     <p:extLst>
       <p:ext uri="{BB962C8B-B14F-4D97-AF65-F5344CB8AC3E}">
-        <p14:creationId xmlns:p14="http://schemas.microsoft.com/office/powerpoint/2010/main" val="969365211"/>
+        <p14:creationId xmlns:p14="http://schemas.microsoft.com/office/powerpoint/2010/main" val="209344789"/>
       </p:ext>
     </p:extLst>
   </p:cSld>
@@ -3193,7 +3159,7 @@
           <a:p>
             <a:fld id="{4AF79E1B-2C51-4B9B-8EA4-26DE9E345AFF}" type="slidenum">
               <a:rPr lang="en-US" smtClean="0"/>
-              <a:t>37</a:t>
+              <a:t>36</a:t>
             </a:fld>
             <a:endParaRPr lang="en-US"/>
           </a:p>
@@ -3202,7 +3168,7 @@
     </p:spTree>
     <p:extLst>
       <p:ext uri="{BB962C8B-B14F-4D97-AF65-F5344CB8AC3E}">
-        <p14:creationId xmlns:p14="http://schemas.microsoft.com/office/powerpoint/2010/main" val="122084346"/>
+        <p14:creationId xmlns:p14="http://schemas.microsoft.com/office/powerpoint/2010/main" val="969365211"/>
       </p:ext>
     </p:extLst>
   </p:cSld>
@@ -3281,7 +3247,7 @@
           <a:p>
             <a:fld id="{4AF79E1B-2C51-4B9B-8EA4-26DE9E345AFF}" type="slidenum">
               <a:rPr lang="en-US" smtClean="0"/>
-              <a:t>38</a:t>
+              <a:t>37</a:t>
             </a:fld>
             <a:endParaRPr lang="en-US"/>
           </a:p>
@@ -3290,7 +3256,7 @@
     </p:spTree>
     <p:extLst>
       <p:ext uri="{BB962C8B-B14F-4D97-AF65-F5344CB8AC3E}">
-        <p14:creationId xmlns:p14="http://schemas.microsoft.com/office/powerpoint/2010/main" val="334279037"/>
+        <p14:creationId xmlns:p14="http://schemas.microsoft.com/office/powerpoint/2010/main" val="122084346"/>
       </p:ext>
     </p:extLst>
   </p:cSld>
@@ -3347,7 +3313,7 @@
             <a:pPr algn="l"/>
             <a:r>
               <a:rPr lang="en-CA" dirty="0"/>
-              <a:t>Let’s talk about comparative statics: </a:t>
+              <a:t>Generally requires (1) simulating shocks for all random variables in the model; (2) iterating over guesses of theta; until (3) some kind of convergence. Different models have different techniques. </a:t>
             </a:r>
           </a:p>
         </p:txBody>
@@ -3369,7 +3335,7 @@
           <a:p>
             <a:fld id="{4AF79E1B-2C51-4B9B-8EA4-26DE9E345AFF}" type="slidenum">
               <a:rPr lang="en-US" smtClean="0"/>
-              <a:t>39</a:t>
+              <a:t>38</a:t>
             </a:fld>
             <a:endParaRPr lang="en-US"/>
           </a:p>
@@ -3457,7 +3423,7 @@
           <a:p>
             <a:fld id="{4AF79E1B-2C51-4B9B-8EA4-26DE9E345AFF}" type="slidenum">
               <a:rPr lang="en-US" smtClean="0"/>
-              <a:t>40</a:t>
+              <a:t>39</a:t>
             </a:fld>
             <a:endParaRPr lang="en-US"/>
           </a:p>
@@ -3466,7 +3432,7 @@
     </p:spTree>
     <p:extLst>
       <p:ext uri="{BB962C8B-B14F-4D97-AF65-F5344CB8AC3E}">
-        <p14:creationId xmlns:p14="http://schemas.microsoft.com/office/powerpoint/2010/main" val="4134785948"/>
+        <p14:creationId xmlns:p14="http://schemas.microsoft.com/office/powerpoint/2010/main" val="334279037"/>
       </p:ext>
     </p:extLst>
   </p:cSld>
@@ -3520,6 +3486,7 @@
           <a:bodyPr/>
           <a:lstStyle/>
           <a:p>
+            <a:pPr algn="l"/>
             <a:endParaRPr lang="en-CA" dirty="0"/>
           </a:p>
         </p:txBody>
@@ -3541,7 +3508,7 @@
           <a:p>
             <a:fld id="{4AF79E1B-2C51-4B9B-8EA4-26DE9E345AFF}" type="slidenum">
               <a:rPr lang="en-US" smtClean="0"/>
-              <a:t>41</a:t>
+              <a:t>40</a:t>
             </a:fld>
             <a:endParaRPr lang="en-US"/>
           </a:p>
@@ -3550,7 +3517,7 @@
     </p:spTree>
     <p:extLst>
       <p:ext uri="{BB962C8B-B14F-4D97-AF65-F5344CB8AC3E}">
-        <p14:creationId xmlns:p14="http://schemas.microsoft.com/office/powerpoint/2010/main" val="591619401"/>
+        <p14:creationId xmlns:p14="http://schemas.microsoft.com/office/powerpoint/2010/main" val="4134785948"/>
       </p:ext>
     </p:extLst>
   </p:cSld>
@@ -3606,7 +3573,7 @@
           <a:p>
             <a:r>
               <a:rPr lang="en-CA" dirty="0"/>
-              <a:t>Even where competition isn’t as well-defined, you can see trends in consolidation over time in terms of informal markets (where people actually go for care). MDs still respond to these incentives no matter the bigger picture! </a:t>
+              <a:t>Focus on provider entry/exit models</a:t>
             </a:r>
           </a:p>
         </p:txBody>
@@ -3628,7 +3595,7 @@
           <a:p>
             <a:fld id="{4AF79E1B-2C51-4B9B-8EA4-26DE9E345AFF}" type="slidenum">
               <a:rPr lang="en-US" smtClean="0"/>
-              <a:t>6</a:t>
+              <a:t>5</a:t>
             </a:fld>
             <a:endParaRPr lang="en-US"/>
           </a:p>
@@ -3637,7 +3604,91 @@
     </p:spTree>
     <p:extLst>
       <p:ext uri="{BB962C8B-B14F-4D97-AF65-F5344CB8AC3E}">
-        <p14:creationId xmlns:p14="http://schemas.microsoft.com/office/powerpoint/2010/main" val="218927756"/>
+        <p14:creationId xmlns:p14="http://schemas.microsoft.com/office/powerpoint/2010/main" val="1527946518"/>
+      </p:ext>
+    </p:extLst>
+  </p:cSld>
+  <p:clrMapOvr>
+    <a:masterClrMapping/>
+  </p:clrMapOvr>
+</p:notes>
+</file>
+
+<file path=ppt/notesSlides/notesSlide40.xml><?xml version="1.0" encoding="utf-8"?>
+<p:notes xmlns:a="http://schemas.openxmlformats.org/drawingml/2006/main" xmlns:r="http://schemas.openxmlformats.org/officeDocument/2006/relationships" xmlns:p="http://schemas.openxmlformats.org/presentationml/2006/main">
+  <p:cSld>
+    <p:spTree>
+      <p:nvGrpSpPr>
+        <p:cNvPr id="1" name=""/>
+        <p:cNvGrpSpPr/>
+        <p:nvPr/>
+      </p:nvGrpSpPr>
+      <p:grpSpPr>
+        <a:xfrm>
+          <a:off x="0" y="0"/>
+          <a:ext cx="0" cy="0"/>
+          <a:chOff x="0" y="0"/>
+          <a:chExt cx="0" cy="0"/>
+        </a:xfrm>
+      </p:grpSpPr>
+      <p:sp>
+        <p:nvSpPr>
+          <p:cNvPr id="2" name="Slide Image Placeholder 1"/>
+          <p:cNvSpPr>
+            <a:spLocks noGrp="1" noRot="1" noChangeAspect="1"/>
+          </p:cNvSpPr>
+          <p:nvPr>
+            <p:ph type="sldImg"/>
+          </p:nvPr>
+        </p:nvSpPr>
+        <p:spPr/>
+      </p:sp>
+      <p:sp>
+        <p:nvSpPr>
+          <p:cNvPr id="3" name="Notes Placeholder 2"/>
+          <p:cNvSpPr>
+            <a:spLocks noGrp="1"/>
+          </p:cNvSpPr>
+          <p:nvPr>
+            <p:ph type="body" idx="1"/>
+          </p:nvPr>
+        </p:nvSpPr>
+        <p:spPr/>
+        <p:txBody>
+          <a:bodyPr/>
+          <a:lstStyle/>
+          <a:p>
+            <a:endParaRPr lang="en-CA" dirty="0"/>
+          </a:p>
+        </p:txBody>
+      </p:sp>
+      <p:sp>
+        <p:nvSpPr>
+          <p:cNvPr id="4" name="Slide Number Placeholder 3"/>
+          <p:cNvSpPr>
+            <a:spLocks noGrp="1"/>
+          </p:cNvSpPr>
+          <p:nvPr>
+            <p:ph type="sldNum" sz="quarter" idx="5"/>
+          </p:nvPr>
+        </p:nvSpPr>
+        <p:spPr/>
+        <p:txBody>
+          <a:bodyPr/>
+          <a:lstStyle/>
+          <a:p>
+            <a:fld id="{4AF79E1B-2C51-4B9B-8EA4-26DE9E345AFF}" type="slidenum">
+              <a:rPr lang="en-US" smtClean="0"/>
+              <a:t>41</a:t>
+            </a:fld>
+            <a:endParaRPr lang="en-US"/>
+          </a:p>
+        </p:txBody>
+      </p:sp>
+    </p:spTree>
+    <p:extLst>
+      <p:ext uri="{BB962C8B-B14F-4D97-AF65-F5344CB8AC3E}">
+        <p14:creationId xmlns:p14="http://schemas.microsoft.com/office/powerpoint/2010/main" val="591619401"/>
       </p:ext>
     </p:extLst>
   </p:cSld>
@@ -3691,175 +3742,29 @@
           <a:bodyPr/>
           <a:lstStyle/>
           <a:p>
-            <a:pPr algn="l"/>
+            <a:pPr marL="0" marR="0" lvl="0" indent="0" algn="l" defTabSz="914400" rtl="0" eaLnBrk="1" fontAlgn="auto" latinLnBrk="0" hangingPunct="1">
+              <a:lnSpc>
+                <a:spcPct val="100000"/>
+              </a:lnSpc>
+              <a:spcBef>
+                <a:spcPts val="0"/>
+              </a:spcBef>
+              <a:spcAft>
+                <a:spcPts val="0"/>
+              </a:spcAft>
+              <a:buClrTx/>
+              <a:buSzTx/>
+              <a:buFontTx/>
+              <a:buNone/>
+              <a:tabLst/>
+              <a:defRPr/>
+            </a:pPr>
             <a:r>
-              <a:rPr lang="en-US" sz="1800" b="0" i="0" u="none" strike="noStrike" baseline="0" dirty="0">
-                <a:solidFill>
-                  <a:srgbClr val="0000FF"/>
-                </a:solidFill>
-                <a:latin typeface="AdvBm"/>
-              </a:rPr>
-              <a:t>Figure 9.4 </a:t>
+              <a:rPr lang="en-CA" dirty="0"/>
+              <a:t>In US, markets are becoming more consolidated over time – in Canada, there’s no real sense of competition in the same sense. Even where competition isn’t as well-defined, you can see trends in consolidation over time in terms of informal markets (where people actually go for care). MDs still respond to these incentives no matter the bigger picture! </a:t>
             </a:r>
-            <a:r>
-              <a:rPr lang="en-US" sz="1800" b="0" i="0" u="none" strike="noStrike" baseline="0" dirty="0">
-                <a:solidFill>
-                  <a:srgbClr val="000000"/>
-                </a:solidFill>
-                <a:latin typeface="AdvBm"/>
-              </a:rPr>
-              <a:t>shows the distribution of an alternative measure of market structure,</a:t>
-            </a:r>
-          </a:p>
-          <a:p>
-            <a:pPr algn="l"/>
-            <a:r>
-              <a:rPr lang="en-US" sz="1800" b="0" i="0" u="none" strike="noStrike" baseline="0" dirty="0">
-                <a:solidFill>
-                  <a:srgbClr val="000000"/>
-                </a:solidFill>
-                <a:latin typeface="AdvBm"/>
-              </a:rPr>
-              <a:t>LOCI (for Logit Competition Index),</a:t>
-            </a:r>
-            <a:r>
-              <a:rPr lang="en-US" sz="1800" b="0" i="0" u="none" strike="noStrike" baseline="0" dirty="0">
-                <a:solidFill>
-                  <a:srgbClr val="0000FF"/>
-                </a:solidFill>
-                <a:latin typeface="AdvBm"/>
-              </a:rPr>
-              <a:t>9 </a:t>
-            </a:r>
-            <a:r>
-              <a:rPr lang="en-US" sz="1800" b="0" i="0" u="none" strike="noStrike" baseline="0" dirty="0">
-                <a:solidFill>
-                  <a:srgbClr val="000000"/>
-                </a:solidFill>
-                <a:latin typeface="AdvBm"/>
-              </a:rPr>
-              <a:t>for the Netherlands in 2010. LOCI is a measure</a:t>
-            </a:r>
-          </a:p>
-          <a:p>
-            <a:pPr algn="l"/>
-            <a:r>
-              <a:rPr lang="en-US" sz="1800" b="0" i="0" u="none" strike="noStrike" baseline="0" dirty="0">
-                <a:solidFill>
-                  <a:srgbClr val="000000"/>
-                </a:solidFill>
-                <a:latin typeface="AdvBm"/>
-              </a:rPr>
-              <a:t>of how much competition a firm faces in a differentiated products market. It varies</a:t>
-            </a:r>
-          </a:p>
-          <a:p>
-            <a:pPr algn="l"/>
-            <a:r>
-              <a:rPr lang="en-US" sz="1800" b="0" i="0" u="none" strike="noStrike" baseline="0" dirty="0">
-                <a:solidFill>
-                  <a:srgbClr val="000000"/>
-                </a:solidFill>
-                <a:latin typeface="AdvBm"/>
-              </a:rPr>
-              <a:t>between zero and one, where zero is pure monopoly and one is perfect</a:t>
-            </a:r>
-          </a:p>
-          <a:p>
-            <a:pPr algn="l"/>
-            <a:r>
-              <a:rPr lang="en-US" sz="1800" b="0" i="0" u="none" strike="noStrike" baseline="0" dirty="0">
-                <a:solidFill>
-                  <a:srgbClr val="000000"/>
-                </a:solidFill>
-                <a:latin typeface="AdvBm"/>
-              </a:rPr>
-              <a:t>competition. The graph shows the cumulative distribution of hospitals in the</a:t>
-            </a:r>
-          </a:p>
-          <a:p>
-            <a:pPr algn="l"/>
-            <a:r>
-              <a:rPr lang="en-US" sz="1800" b="0" i="0" u="none" strike="noStrike" baseline="0" dirty="0">
-                <a:solidFill>
-                  <a:srgbClr val="000000"/>
-                </a:solidFill>
-                <a:latin typeface="AdvBm"/>
-              </a:rPr>
-              <a:t>Netherlands by their values of the inverse of LOCI. As can be seen, approximately 20</a:t>
-            </a:r>
-          </a:p>
-          <a:p>
-            <a:pPr algn="l"/>
-            <a:r>
-              <a:rPr lang="en-US" sz="1800" b="0" i="0" u="none" strike="noStrike" baseline="0" dirty="0">
-                <a:solidFill>
-                  <a:srgbClr val="000000"/>
-                </a:solidFill>
-                <a:latin typeface="AdvBm"/>
-              </a:rPr>
-              <a:t>percent of hospitals have values of inverse LOCI of 2 or below. A value of 2 implies</a:t>
-            </a:r>
-          </a:p>
-          <a:p>
-            <a:pPr algn="l"/>
-            <a:r>
-              <a:rPr lang="en-US" sz="1800" b="0" i="0" u="none" strike="noStrike" baseline="0" dirty="0">
-                <a:solidFill>
-                  <a:srgbClr val="000000"/>
-                </a:solidFill>
-                <a:latin typeface="AdvBm"/>
-              </a:rPr>
-              <a:t>the market is not very competitive—for example, a hospital in a duopoly that equally</a:t>
-            </a:r>
-          </a:p>
-          <a:p>
-            <a:pPr algn="l"/>
-            <a:r>
-              <a:rPr lang="en-US" sz="1800" b="0" i="0" u="none" strike="noStrike" baseline="0" dirty="0">
-                <a:solidFill>
-                  <a:srgbClr val="000000"/>
-                </a:solidFill>
-                <a:latin typeface="AdvBm"/>
-              </a:rPr>
-              <a:t>split the market with its rival would have a LOCI value of 1/2, i.e. an inverse LOCI</a:t>
-            </a:r>
-          </a:p>
-          <a:p>
-            <a:pPr algn="l"/>
-            <a:r>
-              <a:rPr lang="en-US" sz="1800" b="0" i="0" u="none" strike="noStrike" baseline="0" dirty="0">
-                <a:solidFill>
-                  <a:srgbClr val="000000"/>
-                </a:solidFill>
-                <a:latin typeface="AdvBm"/>
-              </a:rPr>
-              <a:t>of 2. One half of all hospitals have inverse LOCI values of 3 or less. This implies that</a:t>
-            </a:r>
-          </a:p>
-          <a:p>
-            <a:pPr algn="l"/>
-            <a:r>
-              <a:rPr lang="en-US" sz="1800" b="0" i="0" u="none" strike="noStrike" baseline="0" dirty="0">
-                <a:solidFill>
-                  <a:srgbClr val="000000"/>
-                </a:solidFill>
-                <a:latin typeface="AdvBm"/>
-              </a:rPr>
-              <a:t>half of Dutch hospitals operate in markets where they face competition from the</a:t>
-            </a:r>
-          </a:p>
-          <a:p>
-            <a:pPr algn="l"/>
-            <a:r>
-              <a:rPr lang="en-US" sz="1800" b="0" i="0" u="none" strike="noStrike" baseline="0" dirty="0">
-                <a:solidFill>
-                  <a:srgbClr val="000000"/>
-                </a:solidFill>
-                <a:latin typeface="AdvBm"/>
-              </a:rPr>
-              <a:t>equivalent of a triopoly or less.</a:t>
-            </a:r>
+          </a:p>
+          <a:p>
             <a:endParaRPr lang="en-CA" dirty="0"/>
           </a:p>
         </p:txBody>
@@ -3881,7 +3786,7 @@
           <a:p>
             <a:fld id="{4AF79E1B-2C51-4B9B-8EA4-26DE9E345AFF}" type="slidenum">
               <a:rPr lang="en-US" smtClean="0"/>
-              <a:t>7</a:t>
+              <a:t>6</a:t>
             </a:fld>
             <a:endParaRPr lang="en-US"/>
           </a:p>
@@ -3890,7 +3795,7 @@
     </p:spTree>
     <p:extLst>
       <p:ext uri="{BB962C8B-B14F-4D97-AF65-F5344CB8AC3E}">
-        <p14:creationId xmlns:p14="http://schemas.microsoft.com/office/powerpoint/2010/main" val="2640783153"/>
+        <p14:creationId xmlns:p14="http://schemas.microsoft.com/office/powerpoint/2010/main" val="4283859371"/>
       </p:ext>
     </p:extLst>
   </p:cSld>
@@ -3946,56 +3851,31 @@
           <a:p>
             <a:pPr algn="l"/>
             <a:r>
-              <a:rPr lang="en-CA" dirty="0"/>
-              <a:t>Key example for Canada: p</a:t>
+              <a:rPr lang="en-US" sz="1800" b="0" i="0" u="none" strike="noStrike" baseline="0" dirty="0">
+                <a:solidFill>
+                  <a:srgbClr val="000000"/>
+                </a:solidFill>
+                <a:latin typeface="AdvBm"/>
+              </a:rPr>
+              <a:t>Inverse LOCI = Logit Competition Index, for the Netherlands in 2010. LOCI is a measure of how much competition a firm faces in a differentiated products market. It varies between zero and one, where zero is pure monopoly and one is perfect competition. ~20 percent of hospitals have values of inverse LOCI of 2 or below (e.g., </a:t>
             </a:r>
             <a:r>
               <a:rPr lang="en-US" sz="1800" b="0" i="0" u="none" strike="noStrike" baseline="0" dirty="0" err="1">
+                <a:solidFill>
+                  <a:srgbClr val="000000"/>
+                </a:solidFill>
                 <a:latin typeface="AdvBm"/>
               </a:rPr>
-              <a:t>ublic</a:t>
+              <a:t>duopoloy</a:t>
             </a:r>
             <a:r>
               <a:rPr lang="en-US" sz="1800" b="0" i="0" u="none" strike="noStrike" baseline="0" dirty="0">
+                <a:solidFill>
+                  <a:srgbClr val="000000"/>
+                </a:solidFill>
                 <a:latin typeface="AdvBm"/>
               </a:rPr>
-              <a:t> payments to providers. Hospitals and most physicians earn a large percentage</a:t>
-            </a:r>
-          </a:p>
-          <a:p>
-            <a:pPr algn="l"/>
-            <a:r>
-              <a:rPr lang="en-US" sz="1800" b="0" i="0" u="none" strike="noStrike" baseline="0" dirty="0">
-                <a:latin typeface="AdvBm"/>
-              </a:rPr>
-              <a:t>of their revenue from providing care to publicly insured patients (in some countries</a:t>
-            </a:r>
-          </a:p>
-          <a:p>
-            <a:pPr algn="l"/>
-            <a:r>
-              <a:rPr lang="en-US" sz="1800" b="0" i="0" u="none" strike="noStrike" baseline="0" dirty="0">
-                <a:latin typeface="AdvBm"/>
-              </a:rPr>
-              <a:t>all, or nearly all, of their revenues) and those reimbursements are administratively</a:t>
-            </a:r>
-          </a:p>
-          <a:p>
-            <a:pPr algn="l"/>
-            <a:r>
-              <a:rPr lang="en-US" sz="1800" b="0" i="0" u="none" strike="noStrike" baseline="0" dirty="0">
-                <a:latin typeface="AdvBm"/>
-              </a:rPr>
-              <a:t>determined. Changes in those payments affect the returns to these providers to</a:t>
-            </a:r>
-          </a:p>
-          <a:p>
-            <a:pPr algn="l"/>
-            <a:r>
-              <a:rPr lang="en-CA" sz="1800" b="0" i="0" u="none" strike="noStrike" baseline="0" dirty="0">
-                <a:latin typeface="AdvBm"/>
-              </a:rPr>
-              <a:t>enter, exit, invest, merge, and innovate</a:t>
+              <a:t> or less) . ~50% face competition from the equivalent of a triopoly or less.</a:t>
             </a:r>
             <a:endParaRPr lang="en-CA" dirty="0"/>
           </a:p>
@@ -4018,7 +3898,7 @@
           <a:p>
             <a:fld id="{4AF79E1B-2C51-4B9B-8EA4-26DE9E345AFF}" type="slidenum">
               <a:rPr lang="en-US" smtClean="0"/>
-              <a:t>8</a:t>
+              <a:t>7</a:t>
             </a:fld>
             <a:endParaRPr lang="en-US"/>
           </a:p>
@@ -4027,7 +3907,7 @@
     </p:spTree>
     <p:extLst>
       <p:ext uri="{BB962C8B-B14F-4D97-AF65-F5344CB8AC3E}">
-        <p14:creationId xmlns:p14="http://schemas.microsoft.com/office/powerpoint/2010/main" val="64676763"/>
+        <p14:creationId xmlns:p14="http://schemas.microsoft.com/office/powerpoint/2010/main" val="2640783153"/>
       </p:ext>
     </p:extLst>
   </p:cSld>
@@ -4083,106 +3963,14 @@
           <a:p>
             <a:pPr algn="l"/>
             <a:r>
-              <a:rPr lang="en-US" sz="1800" b="0" i="0" u="none" strike="noStrike" baseline="0" dirty="0">
-                <a:solidFill>
-                  <a:srgbClr val="000000"/>
-                </a:solidFill>
+              <a:rPr lang="en-CA" dirty="0"/>
+              <a:t>Key example for Canada: how do changes in public payment models affect decisions to </a:t>
+            </a:r>
+            <a:r>
+              <a:rPr lang="en-CA" sz="1800" b="0" i="0" u="none" strike="noStrike" baseline="0" dirty="0">
                 <a:latin typeface="AdvBm"/>
               </a:rPr>
-              <a:t>Dynamic in the sense that decisions today affect outcomes tomorrow. We present the outline of a simple model that is loosely based on the work of </a:t>
-            </a:r>
-            <a:r>
-              <a:rPr lang="en-US" sz="1800" b="0" i="0" u="none" strike="noStrike" baseline="0" dirty="0" err="1">
-                <a:solidFill>
-                  <a:srgbClr val="0000FF"/>
-                </a:solidFill>
-                <a:latin typeface="AdvBm"/>
-              </a:rPr>
-              <a:t>Gowrisankaran</a:t>
-            </a:r>
-            <a:r>
-              <a:rPr lang="en-US" sz="1800" b="0" i="0" u="none" strike="noStrike" baseline="0" dirty="0">
-                <a:solidFill>
-                  <a:srgbClr val="0000FF"/>
-                </a:solidFill>
-                <a:latin typeface="AdvBm"/>
-              </a:rPr>
-              <a:t> and Town (1997)</a:t>
-            </a:r>
-            <a:r>
-              <a:rPr lang="en-US" sz="1800" b="0" i="0" u="none" strike="noStrike" baseline="0" dirty="0">
-                <a:solidFill>
-                  <a:srgbClr val="000000"/>
-                </a:solidFill>
-                <a:latin typeface="AdvBm"/>
-              </a:rPr>
-              <a:t>, which in turn is heavily influenced by the work of</a:t>
-            </a:r>
-          </a:p>
-          <a:p>
-            <a:pPr algn="l"/>
-            <a:r>
-              <a:rPr lang="en-US" sz="1800" b="0" i="0" u="none" strike="noStrike" baseline="0" dirty="0">
-                <a:solidFill>
-                  <a:srgbClr val="0000FF"/>
-                </a:solidFill>
-                <a:latin typeface="AdvBm"/>
-              </a:rPr>
-              <a:t>Ericson and </a:t>
-            </a:r>
-            <a:r>
-              <a:rPr lang="en-US" sz="1800" b="0" i="0" u="none" strike="noStrike" baseline="0" dirty="0" err="1">
-                <a:solidFill>
-                  <a:srgbClr val="0000FF"/>
-                </a:solidFill>
-                <a:latin typeface="AdvBm"/>
-              </a:rPr>
-              <a:t>Pakes</a:t>
-            </a:r>
-            <a:r>
-              <a:rPr lang="en-US" sz="1800" b="0" i="0" u="none" strike="noStrike" baseline="0" dirty="0">
-                <a:solidFill>
-                  <a:srgbClr val="0000FF"/>
-                </a:solidFill>
-                <a:latin typeface="AdvBm"/>
-              </a:rPr>
-              <a:t> (1995) </a:t>
-            </a:r>
-            <a:r>
-              <a:rPr lang="en-US" sz="1800" b="0" i="0" u="none" strike="noStrike" baseline="0" dirty="0">
-                <a:solidFill>
-                  <a:srgbClr val="000000"/>
-                </a:solidFill>
-                <a:latin typeface="AdvBm"/>
-              </a:rPr>
-              <a:t>and </a:t>
-            </a:r>
-            <a:r>
-              <a:rPr lang="en-US" sz="1800" b="0" i="0" u="none" strike="noStrike" baseline="0" dirty="0" err="1">
-                <a:solidFill>
-                  <a:srgbClr val="0000FF"/>
-                </a:solidFill>
-                <a:latin typeface="AdvBm"/>
-              </a:rPr>
-              <a:t>Pakes</a:t>
-            </a:r>
-            <a:r>
-              <a:rPr lang="en-US" sz="1800" b="0" i="0" u="none" strike="noStrike" baseline="0" dirty="0">
-                <a:solidFill>
-                  <a:srgbClr val="0000FF"/>
-                </a:solidFill>
-                <a:latin typeface="AdvBm"/>
-              </a:rPr>
-              <a:t> and McGuire (1994)</a:t>
-            </a:r>
-            <a:r>
-              <a:rPr lang="en-US" sz="1800" b="0" i="0" u="none" strike="noStrike" baseline="0" dirty="0">
-                <a:solidFill>
-                  <a:srgbClr val="000000"/>
-                </a:solidFill>
-                <a:latin typeface="AdvBm"/>
-              </a:rPr>
-              <a:t>.</a:t>
+              <a:t>enter, exit, invest, merge, and innovate </a:t>
             </a:r>
             <a:endParaRPr lang="en-CA" dirty="0"/>
           </a:p>
@@ -4205,7 +3993,7 @@
           <a:p>
             <a:fld id="{4AF79E1B-2C51-4B9B-8EA4-26DE9E345AFF}" type="slidenum">
               <a:rPr lang="en-US" smtClean="0"/>
-              <a:t>9</a:t>
+              <a:t>8</a:t>
             </a:fld>
             <a:endParaRPr lang="en-US"/>
           </a:p>
@@ -4214,7 +4002,7 @@
     </p:spTree>
     <p:extLst>
       <p:ext uri="{BB962C8B-B14F-4D97-AF65-F5344CB8AC3E}">
-        <p14:creationId xmlns:p14="http://schemas.microsoft.com/office/powerpoint/2010/main" val="2819956450"/>
+        <p14:creationId xmlns:p14="http://schemas.microsoft.com/office/powerpoint/2010/main" val="64676763"/>
       </p:ext>
     </p:extLst>
   </p:cSld>
@@ -4276,16 +4064,25 @@
                 </a:solidFill>
                 <a:latin typeface="AdvBm"/>
               </a:rPr>
-              <a:t>Literature exists on how forward looking agents are, imperfections, etc. These models are flexible – can parameterize utility to think about a specific policy (e.g., penalty for no price transparency, changes to funding formulae, etc.). Also, can accommodate entry/exit by defining the </a:t>
+              <a:t>Dynamic in the sense that decisions today affect outcomes tomorrow. We present the outline of a simple model that is loosely based on the work of </a:t>
             </a:r>
             <a:r>
               <a:rPr lang="en-US" sz="1800" b="0" i="0" u="none" strike="noStrike" baseline="0" dirty="0" err="1">
                 <a:solidFill>
-                  <a:srgbClr val="000000"/>
+                  <a:srgbClr val="0000FF"/>
                 </a:solidFill>
                 <a:latin typeface="AdvBm"/>
               </a:rPr>
-              <a:t>shosks</a:t>
+              <a:t>Gowrisankaran</a:t>
+            </a:r>
+            <a:r>
+              <a:rPr lang="en-US" sz="1800" b="0" i="0" u="none" strike="noStrike" baseline="0" dirty="0">
+                <a:solidFill>
+                  <a:srgbClr val="0000FF"/>
+                </a:solidFill>
+                <a:latin typeface="AdvBm"/>
+              </a:rPr>
+              <a:t> and Town (1997)</a:t>
             </a:r>
             <a:r>
               <a:rPr lang="en-US" sz="1800" b="0" i="0" u="none" strike="noStrike" baseline="0" dirty="0">
@@ -4294,7 +4091,43 @@
                 </a:solidFill>
                 <a:latin typeface="AdvBm"/>
               </a:rPr>
-              <a:t>: entry is incorporated by allowing for a set of potential entrants who receive a random entry cost shock, while exit is incorporated by assigning hospitals a scrap value they receive if they exit. Then, hospitals will enter if the expected present discounted value of market participation exceeds the cost of entry, while exit occurs if the expected presented discounted value of continuing to participate in the market is less than the scrap value. </a:t>
+              <a:t>, which in turn is heavily influenced by the work of </a:t>
+            </a:r>
+            <a:r>
+              <a:rPr lang="en-US" sz="1800" b="0" i="0" u="none" strike="noStrike" baseline="0" dirty="0">
+                <a:solidFill>
+                  <a:srgbClr val="0000FF"/>
+                </a:solidFill>
+                <a:latin typeface="AdvBm"/>
+              </a:rPr>
+              <a:t>Ericson and Pakes (1995) </a:t>
+            </a:r>
+            <a:r>
+              <a:rPr lang="en-US" sz="1800" b="0" i="0" u="none" strike="noStrike" baseline="0" dirty="0">
+                <a:solidFill>
+                  <a:srgbClr val="000000"/>
+                </a:solidFill>
+                <a:latin typeface="AdvBm"/>
+              </a:rPr>
+              <a:t>and </a:t>
+            </a:r>
+            <a:r>
+              <a:rPr lang="en-US" sz="1800" b="0" i="0" u="none" strike="noStrike" baseline="0" dirty="0">
+                <a:solidFill>
+                  <a:srgbClr val="0000FF"/>
+                </a:solidFill>
+                <a:latin typeface="AdvBm"/>
+              </a:rPr>
+              <a:t>Pakes and McGuire (1994)</a:t>
+            </a:r>
+            <a:r>
+              <a:rPr lang="en-US" sz="1800" b="0" i="0" u="none" strike="noStrike" baseline="0" dirty="0">
+                <a:solidFill>
+                  <a:srgbClr val="000000"/>
+                </a:solidFill>
+                <a:latin typeface="AdvBm"/>
+              </a:rPr>
+              <a:t>.</a:t>
             </a:r>
             <a:endParaRPr lang="en-CA" dirty="0"/>
           </a:p>
@@ -4317,7 +4150,7 @@
           <a:p>
             <a:fld id="{4AF79E1B-2C51-4B9B-8EA4-26DE9E345AFF}" type="slidenum">
               <a:rPr lang="en-US" smtClean="0"/>
-              <a:t>10</a:t>
+              <a:t>9</a:t>
             </a:fld>
             <a:endParaRPr lang="en-US"/>
           </a:p>
@@ -4326,7 +4159,7 @@
     </p:spTree>
     <p:extLst>
       <p:ext uri="{BB962C8B-B14F-4D97-AF65-F5344CB8AC3E}">
-        <p14:creationId xmlns:p14="http://schemas.microsoft.com/office/powerpoint/2010/main" val="440380074"/>
+        <p14:creationId xmlns:p14="http://schemas.microsoft.com/office/powerpoint/2010/main" val="2819956450"/>
       </p:ext>
     </p:extLst>
   </p:cSld>
@@ -4429,7 +4262,7 @@
           <a:p>
             <a:fld id="{4AF79E1B-2C51-4B9B-8EA4-26DE9E345AFF}" type="slidenum">
               <a:rPr lang="en-US" smtClean="0"/>
-              <a:t>11</a:t>
+              <a:t>10</a:t>
             </a:fld>
             <a:endParaRPr lang="en-US"/>
           </a:p>
@@ -4438,7 +4271,7 @@
     </p:spTree>
     <p:extLst>
       <p:ext uri="{BB962C8B-B14F-4D97-AF65-F5344CB8AC3E}">
-        <p14:creationId xmlns:p14="http://schemas.microsoft.com/office/powerpoint/2010/main" val="2172570494"/>
+        <p14:creationId xmlns:p14="http://schemas.microsoft.com/office/powerpoint/2010/main" val="440380074"/>
       </p:ext>
     </p:extLst>
   </p:cSld>
@@ -4617,7 +4450,7 @@
             <a:fld id="{0972D05C-DCFB-4BB6-B49C-AC126BF3ED2C}" type="datetimeFigureOut">
               <a:rPr lang="en-US" smtClean="0"/>
               <a:pPr/>
-              <a:t>12/5/2022</a:t>
+              <a:t>2/14/2023</a:t>
             </a:fld>
             <a:endParaRPr lang="en-US"/>
           </a:p>
@@ -4847,7 +4680,7 @@
             <a:fld id="{0972D05C-DCFB-4BB6-B49C-AC126BF3ED2C}" type="datetimeFigureOut">
               <a:rPr lang="en-US" smtClean="0"/>
               <a:pPr/>
-              <a:t>12/5/2022</a:t>
+              <a:t>2/14/2023</a:t>
             </a:fld>
             <a:endParaRPr lang="en-US"/>
           </a:p>
@@ -5029,7 +4862,7 @@
             <a:fld id="{0972D05C-DCFB-4BB6-B49C-AC126BF3ED2C}" type="datetimeFigureOut">
               <a:rPr lang="en-US" smtClean="0"/>
               <a:pPr/>
-              <a:t>12/5/2022</a:t>
+              <a:t>2/14/2023</a:t>
             </a:fld>
             <a:endParaRPr lang="en-US"/>
           </a:p>
@@ -5201,7 +5034,7 @@
             <a:fld id="{0972D05C-DCFB-4BB6-B49C-AC126BF3ED2C}" type="datetimeFigureOut">
               <a:rPr lang="en-US" smtClean="0"/>
               <a:pPr/>
-              <a:t>12/5/2022</a:t>
+              <a:t>2/14/2023</a:t>
             </a:fld>
             <a:endParaRPr lang="en-US"/>
           </a:p>
@@ -5457,7 +5290,7 @@
             <a:fld id="{0972D05C-DCFB-4BB6-B49C-AC126BF3ED2C}" type="datetimeFigureOut">
               <a:rPr lang="en-US" smtClean="0"/>
               <a:pPr/>
-              <a:t>12/5/2022</a:t>
+              <a:t>2/14/2023</a:t>
             </a:fld>
             <a:endParaRPr lang="en-US"/>
           </a:p>
@@ -5785,7 +5618,7 @@
             <a:fld id="{0972D05C-DCFB-4BB6-B49C-AC126BF3ED2C}" type="datetimeFigureOut">
               <a:rPr lang="en-US" smtClean="0"/>
               <a:pPr/>
-              <a:t>12/5/2022</a:t>
+              <a:t>2/14/2023</a:t>
             </a:fld>
             <a:endParaRPr lang="en-US"/>
           </a:p>
@@ -6238,7 +6071,7 @@
             <a:fld id="{0972D05C-DCFB-4BB6-B49C-AC126BF3ED2C}" type="datetimeFigureOut">
               <a:rPr lang="en-US" smtClean="0"/>
               <a:pPr/>
-              <a:t>12/5/2022</a:t>
+              <a:t>2/14/2023</a:t>
             </a:fld>
             <a:endParaRPr lang="en-US"/>
           </a:p>
@@ -6358,7 +6191,7 @@
             <a:fld id="{0972D05C-DCFB-4BB6-B49C-AC126BF3ED2C}" type="datetimeFigureOut">
               <a:rPr lang="en-US" smtClean="0"/>
               <a:pPr/>
-              <a:t>12/5/2022</a:t>
+              <a:t>2/14/2023</a:t>
             </a:fld>
             <a:endParaRPr lang="en-US"/>
           </a:p>
@@ -6455,7 +6288,7 @@
             <a:fld id="{0972D05C-DCFB-4BB6-B49C-AC126BF3ED2C}" type="datetimeFigureOut">
               <a:rPr lang="en-US" smtClean="0"/>
               <a:pPr/>
-              <a:t>12/5/2022</a:t>
+              <a:t>2/14/2023</a:t>
             </a:fld>
             <a:endParaRPr lang="en-US"/>
           </a:p>
@@ -6744,7 +6577,7 @@
             <a:fld id="{0972D05C-DCFB-4BB6-B49C-AC126BF3ED2C}" type="datetimeFigureOut">
               <a:rPr lang="en-US" smtClean="0"/>
               <a:pPr/>
-              <a:t>12/5/2022</a:t>
+              <a:t>2/14/2023</a:t>
             </a:fld>
             <a:endParaRPr lang="en-US"/>
           </a:p>
@@ -7068,7 +6901,7 @@
             <a:fld id="{0972D05C-DCFB-4BB6-B49C-AC126BF3ED2C}" type="datetimeFigureOut">
               <a:rPr lang="en-US" smtClean="0"/>
               <a:pPr/>
-              <a:t>12/5/2022</a:t>
+              <a:t>2/14/2023</a:t>
             </a:fld>
             <a:endParaRPr lang="en-US"/>
           </a:p>
@@ -7323,7 +7156,7 @@
             <a:fld id="{0972D05C-DCFB-4BB6-B49C-AC126BF3ED2C}" type="datetimeFigureOut">
               <a:rPr lang="en-US" smtClean="0"/>
               <a:pPr/>
-              <a:t>12/5/2022</a:t>
+              <a:t>2/14/2023</a:t>
             </a:fld>
             <a:endParaRPr lang="en-US" dirty="0"/>
           </a:p>
@@ -7957,8 +7790,8 @@
           </a:p>
         </p:txBody>
       </p:sp>
-      <mc:AlternateContent xmlns:mc="http://schemas.openxmlformats.org/markup-compatibility/2006">
-        <mc:Choice xmlns:a14="http://schemas.microsoft.com/office/drawing/2010/main" Requires="a14">
+      <mc:AlternateContent xmlns:mc="http://schemas.openxmlformats.org/markup-compatibility/2006" xmlns:a14="http://schemas.microsoft.com/office/drawing/2010/main">
+        <mc:Choice Requires="a14">
           <p:sp>
             <p:nvSpPr>
               <p:cNvPr id="3" name="Content Placeholder 2"/>
@@ -8384,14 +8217,7 @@
                               <a:latin typeface="Cambria Math" panose="02040503050406030204" pitchFamily="18" charset="0"/>
                               <a:cs typeface="Times New Roman" panose="02020603050405020304" pitchFamily="18" charset="0"/>
                             </a:rPr>
-                            <m:t>+</m:t>
-                          </m:r>
-                          <m:r>
-                            <a:rPr lang="en-CA" sz="2400" b="0" i="1" smtClean="0">
-                              <a:latin typeface="Cambria Math" panose="02040503050406030204" pitchFamily="18" charset="0"/>
-                              <a:cs typeface="Times New Roman" panose="02020603050405020304" pitchFamily="18" charset="0"/>
-                            </a:rPr>
-                            <m:t>1</m:t>
+                            <m:t>+1</m:t>
                           </m:r>
                         </m:sub>
                       </m:sSub>
@@ -8529,7 +8355,7 @@
             </p:txBody>
           </p:sp>
         </mc:Choice>
-        <mc:Fallback>
+        <mc:Fallback xmlns="">
           <p:sp>
             <p:nvSpPr>
               <p:cNvPr id="3" name="Content Placeholder 2"/>
@@ -8632,8 +8458,8 @@
           </a:p>
         </p:txBody>
       </p:sp>
-      <mc:AlternateContent xmlns:mc="http://schemas.openxmlformats.org/markup-compatibility/2006">
-        <mc:Choice xmlns:a14="http://schemas.microsoft.com/office/drawing/2010/main" Requires="a14">
+      <mc:AlternateContent xmlns:mc="http://schemas.openxmlformats.org/markup-compatibility/2006" xmlns:a14="http://schemas.microsoft.com/office/drawing/2010/main">
+        <mc:Choice Requires="a14">
           <p:sp>
             <p:nvSpPr>
               <p:cNvPr id="3" name="Content Placeholder 2"/>
@@ -9059,14 +8885,7 @@
                               <a:latin typeface="Cambria Math" panose="02040503050406030204" pitchFamily="18" charset="0"/>
                               <a:cs typeface="Times New Roman" panose="02020603050405020304" pitchFamily="18" charset="0"/>
                             </a:rPr>
-                            <m:t>+</m:t>
-                          </m:r>
-                          <m:r>
-                            <a:rPr lang="en-CA" sz="2400" b="0" i="1" smtClean="0">
-                              <a:latin typeface="Cambria Math" panose="02040503050406030204" pitchFamily="18" charset="0"/>
-                              <a:cs typeface="Times New Roman" panose="02020603050405020304" pitchFamily="18" charset="0"/>
-                            </a:rPr>
-                            <m:t>1</m:t>
+                            <m:t>+1</m:t>
                           </m:r>
                         </m:sub>
                       </m:sSub>
@@ -9265,7 +9084,7 @@
             </p:txBody>
           </p:sp>
         </mc:Choice>
-        <mc:Fallback>
+        <mc:Fallback xmlns="">
           <p:sp>
             <p:nvSpPr>
               <p:cNvPr id="3" name="Content Placeholder 2"/>
@@ -9380,8 +9199,8 @@
           </a:p>
         </p:txBody>
       </p:sp>
-      <mc:AlternateContent xmlns:mc="http://schemas.openxmlformats.org/markup-compatibility/2006">
-        <mc:Choice xmlns:a14="http://schemas.microsoft.com/office/drawing/2010/main" Requires="a14">
+      <mc:AlternateContent xmlns:mc="http://schemas.openxmlformats.org/markup-compatibility/2006" xmlns:a14="http://schemas.microsoft.com/office/drawing/2010/main">
+        <mc:Choice Requires="a14">
           <p:sp>
             <p:nvSpPr>
               <p:cNvPr id="3" name="Content Placeholder 2"/>
@@ -9846,14 +9665,7 @@
                             <a:latin typeface="Cambria Math" panose="02040503050406030204" pitchFamily="18" charset="0"/>
                             <a:cs typeface="Times New Roman" panose="02020603050405020304" pitchFamily="18" charset="0"/>
                           </a:rPr>
-                          <m:t>+</m:t>
-                        </m:r>
-                        <m:r>
-                          <a:rPr lang="en-CA" sz="2400" b="0" i="1" smtClean="0">
-                            <a:latin typeface="Cambria Math" panose="02040503050406030204" pitchFamily="18" charset="0"/>
-                            <a:cs typeface="Times New Roman" panose="02020603050405020304" pitchFamily="18" charset="0"/>
-                          </a:rPr>
-                          <m:t>1</m:t>
+                          <m:t>+1</m:t>
                         </m:r>
                       </m:sub>
                     </m:sSub>
@@ -10096,7 +9908,7 @@
             </p:txBody>
           </p:sp>
         </mc:Choice>
-        <mc:Fallback>
+        <mc:Fallback xmlns="">
           <p:sp>
             <p:nvSpPr>
               <p:cNvPr id="3" name="Content Placeholder 2"/>
@@ -10687,8 +10499,8 @@
           </a:p>
         </p:txBody>
       </p:sp>
-      <mc:AlternateContent xmlns:mc="http://schemas.openxmlformats.org/markup-compatibility/2006">
-        <mc:Choice xmlns:a14="http://schemas.microsoft.com/office/drawing/2010/main" Requires="a14">
+      <mc:AlternateContent xmlns:mc="http://schemas.openxmlformats.org/markup-compatibility/2006" xmlns:a14="http://schemas.microsoft.com/office/drawing/2010/main">
+        <mc:Choice Requires="a14">
           <p:sp>
             <p:nvSpPr>
               <p:cNvPr id="3" name="Content Placeholder 2"/>
@@ -11663,7 +11475,7 @@
             </p:txBody>
           </p:sp>
         </mc:Choice>
-        <mc:Fallback>
+        <mc:Fallback xmlns="">
           <p:sp>
             <p:nvSpPr>
               <p:cNvPr id="3" name="Content Placeholder 2"/>
@@ -12456,7 +12268,7 @@
         <p:spPr>
           <a:xfrm>
             <a:off x="609600" y="272078"/>
-            <a:ext cx="8458200" cy="624840"/>
+            <a:ext cx="8915400" cy="624840"/>
           </a:xfrm>
         </p:spPr>
         <p:txBody>
@@ -12505,7 +12317,7 @@
         <p:spPr>
           <a:xfrm>
             <a:off x="876300" y="929575"/>
-            <a:ext cx="10439400" cy="5141388"/>
+            <a:ext cx="10439400" cy="2154348"/>
           </a:xfrm>
           <a:prstGeom prst="rect">
             <a:avLst/>
@@ -12759,19 +12571,450 @@
             </a:lvl9pPr>
           </a:lstStyle>
           <a:p>
+            <a:pPr marL="0" indent="0">
+              <a:buNone/>
+            </a:pPr>
+            <a:endParaRPr lang="en-US" sz="2400" dirty="0">
+              <a:cs typeface="Times New Roman" panose="02020603050405020304" pitchFamily="18" charset="0"/>
+            </a:endParaRPr>
+          </a:p>
+        </p:txBody>
+      </p:sp>
+      <p:sp>
+        <p:nvSpPr>
+          <p:cNvPr id="3" name="Title 1">
+            <a:extLst>
+              <a:ext uri="{FF2B5EF4-FFF2-40B4-BE49-F238E27FC236}">
+                <a16:creationId xmlns:a16="http://schemas.microsoft.com/office/drawing/2014/main" id="{8B00CFD6-47D4-A5ED-8B83-09DCEAB85E25}"/>
+              </a:ext>
+            </a:extLst>
+          </p:cNvPr>
+          <p:cNvSpPr txBox="1">
+            <a:spLocks/>
+          </p:cNvSpPr>
+          <p:nvPr/>
+        </p:nvSpPr>
+        <p:spPr>
+          <a:xfrm>
+            <a:off x="597074" y="3116580"/>
+            <a:ext cx="7269480" cy="624840"/>
+          </a:xfrm>
+          <a:prstGeom prst="rect">
+            <a:avLst/>
+          </a:prstGeom>
+        </p:spPr>
+        <p:txBody>
+          <a:bodyPr vert="horz" lIns="91440" tIns="45720" rIns="91440" bIns="45720" rtlCol="0" anchor="b">
+            <a:normAutofit fontScale="90000" lnSpcReduction="10000"/>
+          </a:bodyPr>
+          <a:lstStyle>
+            <a:lvl1pPr algn="l" defTabSz="914400" rtl="0" eaLnBrk="1" latinLnBrk="0" hangingPunct="1">
+              <a:lnSpc>
+                <a:spcPct val="90000"/>
+              </a:lnSpc>
+              <a:spcBef>
+                <a:spcPct val="0"/>
+              </a:spcBef>
+              <a:buNone/>
+              <a:defRPr sz="4400" kern="1200" spc="-50" baseline="0">
+                <a:solidFill>
+                  <a:schemeClr val="tx1"/>
+                </a:solidFill>
+                <a:latin typeface="Times New Roman" panose="02020603050405020304" pitchFamily="18" charset="0"/>
+                <a:ea typeface="+mj-ea"/>
+                <a:cs typeface="+mj-cs"/>
+              </a:defRPr>
+            </a:lvl1pPr>
+          </a:lstStyle>
+          <a:p>
             <a:r>
-              <a:rPr lang="en-US" sz="2400" dirty="0">
+              <a:rPr lang="en-US" dirty="0">
+                <a:solidFill>
+                  <a:schemeClr val="accent2">
+                    <a:lumMod val="75000"/>
+                  </a:schemeClr>
+                </a:solidFill>
                 <a:cs typeface="Times New Roman" panose="02020603050405020304" pitchFamily="18" charset="0"/>
               </a:rPr>
-              <a:t>Notes?</a:t>
+              <a:t>This time: Health Systems</a:t>
             </a:r>
           </a:p>
         </p:txBody>
       </p:sp>
+      <mc:AlternateContent xmlns:mc="http://schemas.openxmlformats.org/markup-compatibility/2006">
+        <mc:Choice xmlns:a14="http://schemas.microsoft.com/office/drawing/2010/main" Requires="a14">
+          <p:sp>
+            <p:nvSpPr>
+              <p:cNvPr id="4" name="Content Placeholder 2">
+                <a:extLst>
+                  <a:ext uri="{FF2B5EF4-FFF2-40B4-BE49-F238E27FC236}">
+                    <a16:creationId xmlns:a16="http://schemas.microsoft.com/office/drawing/2014/main" id="{503F776D-A7DB-4AED-9B16-D81631B561AC}"/>
+                  </a:ext>
+                </a:extLst>
+              </p:cNvPr>
+              <p:cNvSpPr txBox="1">
+                <a:spLocks/>
+              </p:cNvSpPr>
+              <p:nvPr/>
+            </p:nvSpPr>
+            <p:spPr>
+              <a:xfrm>
+                <a:off x="609600" y="3774077"/>
+                <a:ext cx="10439400" cy="1661225"/>
+              </a:xfrm>
+              <a:prstGeom prst="rect">
+                <a:avLst/>
+              </a:prstGeom>
+            </p:spPr>
+            <p:txBody>
+              <a:bodyPr vert="horz" lIns="91440" tIns="45720" rIns="91440" bIns="45720" rtlCol="0">
+                <a:noAutofit/>
+              </a:bodyPr>
+              <a:lstStyle>
+                <a:lvl1pPr marL="182880" indent="-182880" algn="l" defTabSz="914400" rtl="0" eaLnBrk="1" latinLnBrk="0" hangingPunct="1">
+                  <a:lnSpc>
+                    <a:spcPct val="95000"/>
+                  </a:lnSpc>
+                  <a:spcBef>
+                    <a:spcPts val="1400"/>
+                  </a:spcBef>
+                  <a:spcAft>
+                    <a:spcPts val="200"/>
+                  </a:spcAft>
+                  <a:buClr>
+                    <a:schemeClr val="accent1"/>
+                  </a:buClr>
+                  <a:buSzPct val="80000"/>
+                  <a:buFont typeface="Arial" pitchFamily="34" charset="0"/>
+                  <a:buChar char="•"/>
+                  <a:defRPr sz="1800" kern="1200" spc="10" baseline="0">
+                    <a:solidFill>
+                      <a:schemeClr val="tx1"/>
+                    </a:solidFill>
+                    <a:latin typeface="Times New Roman" panose="02020603050405020304" pitchFamily="18" charset="0"/>
+                    <a:ea typeface="+mn-ea"/>
+                    <a:cs typeface="+mn-cs"/>
+                  </a:defRPr>
+                </a:lvl1pPr>
+                <a:lvl2pPr marL="457200" indent="-182880" algn="l" defTabSz="914400" rtl="0" eaLnBrk="1" latinLnBrk="0" hangingPunct="1">
+                  <a:lnSpc>
+                    <a:spcPct val="90000"/>
+                  </a:lnSpc>
+                  <a:spcBef>
+                    <a:spcPts val="300"/>
+                  </a:spcBef>
+                  <a:spcAft>
+                    <a:spcPts val="300"/>
+                  </a:spcAft>
+                  <a:buClr>
+                    <a:schemeClr val="accent1"/>
+                  </a:buClr>
+                  <a:buFont typeface="Wingdings 2" pitchFamily="18" charset="2"/>
+                  <a:buChar char=""/>
+                  <a:defRPr sz="1600" kern="1200">
+                    <a:solidFill>
+                      <a:schemeClr val="tx1">
+                        <a:lumMod val="85000"/>
+                        <a:lumOff val="15000"/>
+                      </a:schemeClr>
+                    </a:solidFill>
+                    <a:latin typeface="Times New Roman" panose="02020603050405020304" pitchFamily="18" charset="0"/>
+                    <a:ea typeface="+mn-ea"/>
+                    <a:cs typeface="+mn-cs"/>
+                  </a:defRPr>
+                </a:lvl2pPr>
+                <a:lvl3pPr marL="731520" indent="-182880" algn="l" defTabSz="914400" rtl="0" eaLnBrk="1" latinLnBrk="0" hangingPunct="1">
+                  <a:lnSpc>
+                    <a:spcPct val="90000"/>
+                  </a:lnSpc>
+                  <a:spcBef>
+                    <a:spcPts val="300"/>
+                  </a:spcBef>
+                  <a:spcAft>
+                    <a:spcPts val="300"/>
+                  </a:spcAft>
+                  <a:buClr>
+                    <a:schemeClr val="accent1"/>
+                  </a:buClr>
+                  <a:buFont typeface="Wingdings 2" pitchFamily="18" charset="2"/>
+                  <a:buChar char=""/>
+                  <a:defRPr sz="1400" kern="1200">
+                    <a:solidFill>
+                      <a:schemeClr val="tx1">
+                        <a:lumMod val="85000"/>
+                        <a:lumOff val="15000"/>
+                      </a:schemeClr>
+                    </a:solidFill>
+                    <a:latin typeface="Times New Roman" panose="02020603050405020304" pitchFamily="18" charset="0"/>
+                    <a:ea typeface="+mn-ea"/>
+                    <a:cs typeface="+mn-cs"/>
+                  </a:defRPr>
+                </a:lvl3pPr>
+                <a:lvl4pPr marL="1005840" indent="-182880" algn="l" defTabSz="914400" rtl="0" eaLnBrk="1" latinLnBrk="0" hangingPunct="1">
+                  <a:lnSpc>
+                    <a:spcPct val="90000"/>
+                  </a:lnSpc>
+                  <a:spcBef>
+                    <a:spcPts val="300"/>
+                  </a:spcBef>
+                  <a:spcAft>
+                    <a:spcPts val="300"/>
+                  </a:spcAft>
+                  <a:buClr>
+                    <a:schemeClr val="accent1"/>
+                  </a:buClr>
+                  <a:buFont typeface="Wingdings 2" pitchFamily="18" charset="2"/>
+                  <a:buChar char=""/>
+                  <a:defRPr sz="1400" kern="1200">
+                    <a:solidFill>
+                      <a:schemeClr val="tx1">
+                        <a:lumMod val="85000"/>
+                        <a:lumOff val="15000"/>
+                      </a:schemeClr>
+                    </a:solidFill>
+                    <a:latin typeface="Times New Roman" panose="02020603050405020304" pitchFamily="18" charset="0"/>
+                    <a:ea typeface="+mn-ea"/>
+                    <a:cs typeface="+mn-cs"/>
+                  </a:defRPr>
+                </a:lvl4pPr>
+                <a:lvl5pPr marL="1280160" indent="-182880" algn="l" defTabSz="914400" rtl="0" eaLnBrk="1" latinLnBrk="0" hangingPunct="1">
+                  <a:lnSpc>
+                    <a:spcPct val="90000"/>
+                  </a:lnSpc>
+                  <a:spcBef>
+                    <a:spcPts val="300"/>
+                  </a:spcBef>
+                  <a:spcAft>
+                    <a:spcPts val="300"/>
+                  </a:spcAft>
+                  <a:buClr>
+                    <a:schemeClr val="accent1"/>
+                  </a:buClr>
+                  <a:buFont typeface="Wingdings 2" pitchFamily="18" charset="2"/>
+                  <a:buChar char=""/>
+                  <a:defRPr sz="1400" kern="1200">
+                    <a:solidFill>
+                      <a:schemeClr val="tx1">
+                        <a:lumMod val="85000"/>
+                        <a:lumOff val="15000"/>
+                      </a:schemeClr>
+                    </a:solidFill>
+                    <a:latin typeface="Times New Roman" panose="02020603050405020304" pitchFamily="18" charset="0"/>
+                    <a:ea typeface="+mn-ea"/>
+                    <a:cs typeface="+mn-cs"/>
+                  </a:defRPr>
+                </a:lvl5pPr>
+                <a:lvl6pPr marL="1600000" indent="-228600" algn="l" defTabSz="914400" rtl="0" eaLnBrk="1" latinLnBrk="0" hangingPunct="1">
+                  <a:lnSpc>
+                    <a:spcPct val="90000"/>
+                  </a:lnSpc>
+                  <a:spcBef>
+                    <a:spcPts val="300"/>
+                  </a:spcBef>
+                  <a:spcAft>
+                    <a:spcPts val="300"/>
+                  </a:spcAft>
+                  <a:buClr>
+                    <a:schemeClr val="accent1"/>
+                  </a:buClr>
+                  <a:buFont typeface="Wingdings 2" pitchFamily="18" charset="2"/>
+                  <a:buChar char=""/>
+                  <a:defRPr sz="1400" kern="1200">
+                    <a:solidFill>
+                      <a:schemeClr val="tx1">
+                        <a:lumMod val="85000"/>
+                        <a:lumOff val="15000"/>
+                      </a:schemeClr>
+                    </a:solidFill>
+                    <a:latin typeface="+mn-lt"/>
+                    <a:ea typeface="+mn-ea"/>
+                    <a:cs typeface="+mn-cs"/>
+                  </a:defRPr>
+                </a:lvl6pPr>
+                <a:lvl7pPr marL="1900000" indent="-228600" algn="l" defTabSz="914400" rtl="0" eaLnBrk="1" latinLnBrk="0" hangingPunct="1">
+                  <a:lnSpc>
+                    <a:spcPct val="90000"/>
+                  </a:lnSpc>
+                  <a:spcBef>
+                    <a:spcPts val="300"/>
+                  </a:spcBef>
+                  <a:spcAft>
+                    <a:spcPts val="300"/>
+                  </a:spcAft>
+                  <a:buClr>
+                    <a:schemeClr val="accent1"/>
+                  </a:buClr>
+                  <a:buFont typeface="Wingdings 2" pitchFamily="18" charset="2"/>
+                  <a:buChar char=""/>
+                  <a:defRPr sz="1400" kern="1200">
+                    <a:solidFill>
+                      <a:schemeClr val="tx1">
+                        <a:lumMod val="85000"/>
+                        <a:lumOff val="15000"/>
+                      </a:schemeClr>
+                    </a:solidFill>
+                    <a:latin typeface="+mn-lt"/>
+                    <a:ea typeface="+mn-ea"/>
+                    <a:cs typeface="+mn-cs"/>
+                  </a:defRPr>
+                </a:lvl7pPr>
+                <a:lvl8pPr marL="2200000" indent="-228600" algn="l" defTabSz="914400" rtl="0" eaLnBrk="1" latinLnBrk="0" hangingPunct="1">
+                  <a:lnSpc>
+                    <a:spcPct val="90000"/>
+                  </a:lnSpc>
+                  <a:spcBef>
+                    <a:spcPts val="300"/>
+                  </a:spcBef>
+                  <a:spcAft>
+                    <a:spcPts val="300"/>
+                  </a:spcAft>
+                  <a:buClr>
+                    <a:schemeClr val="accent1"/>
+                  </a:buClr>
+                  <a:buFont typeface="Wingdings 2" pitchFamily="18" charset="2"/>
+                  <a:buChar char=""/>
+                  <a:defRPr sz="1400" kern="1200">
+                    <a:solidFill>
+                      <a:schemeClr val="tx1">
+                        <a:lumMod val="85000"/>
+                        <a:lumOff val="15000"/>
+                      </a:schemeClr>
+                    </a:solidFill>
+                    <a:latin typeface="+mn-lt"/>
+                    <a:ea typeface="+mn-ea"/>
+                    <a:cs typeface="+mn-cs"/>
+                  </a:defRPr>
+                </a:lvl8pPr>
+                <a:lvl9pPr marL="2500000" indent="-228600" algn="l" defTabSz="914400" rtl="0" eaLnBrk="1" latinLnBrk="0" hangingPunct="1">
+                  <a:lnSpc>
+                    <a:spcPct val="90000"/>
+                  </a:lnSpc>
+                  <a:spcBef>
+                    <a:spcPts val="300"/>
+                  </a:spcBef>
+                  <a:spcAft>
+                    <a:spcPts val="300"/>
+                  </a:spcAft>
+                  <a:buClr>
+                    <a:schemeClr val="accent1"/>
+                  </a:buClr>
+                  <a:buFont typeface="Wingdings 2" pitchFamily="18" charset="2"/>
+                  <a:buChar char=""/>
+                  <a:defRPr sz="1400" kern="1200">
+                    <a:solidFill>
+                      <a:schemeClr val="tx1">
+                        <a:lumMod val="85000"/>
+                        <a:lumOff val="15000"/>
+                      </a:schemeClr>
+                    </a:solidFill>
+                    <a:latin typeface="+mn-lt"/>
+                    <a:ea typeface="+mn-ea"/>
+                    <a:cs typeface="+mn-cs"/>
+                  </a:defRPr>
+                </a:lvl9pPr>
+              </a:lstStyle>
+              <a:p>
+                <a:r>
+                  <a:rPr lang="en-US" sz="2400" dirty="0">
+                    <a:cs typeface="Times New Roman" panose="02020603050405020304" pitchFamily="18" charset="0"/>
+                  </a:rPr>
+                  <a:t>Bringing supply + demand together </a:t>
+                </a:r>
+                <a14:m>
+                  <m:oMath xmlns:m="http://schemas.openxmlformats.org/officeDocument/2006/math">
+                    <m:r>
+                      <a:rPr lang="en-US" sz="2400" b="0" i="1" smtClean="0">
+                        <a:latin typeface="Cambria Math" panose="02040503050406030204" pitchFamily="18" charset="0"/>
+                        <a:cs typeface="Times New Roman" panose="02020603050405020304" pitchFamily="18" charset="0"/>
+                      </a:rPr>
+                      <m:t>⇒</m:t>
+                    </m:r>
+                  </m:oMath>
+                </a14:m>
+                <a:r>
+                  <a:rPr lang="en-US" sz="2400" dirty="0">
+                    <a:cs typeface="Times New Roman" panose="02020603050405020304" pitchFamily="18" charset="0"/>
+                  </a:rPr>
+                  <a:t> </a:t>
+                </a:r>
+                <a:r>
+                  <a:rPr lang="en-US" sz="2400" b="1" dirty="0">
+                    <a:cs typeface="Times New Roman" panose="02020603050405020304" pitchFamily="18" charset="0"/>
+                  </a:rPr>
+                  <a:t>competitive equilibria!</a:t>
+                </a:r>
+                <a:endParaRPr lang="en-US" sz="2400" dirty="0">
+                  <a:cs typeface="Times New Roman" panose="02020603050405020304" pitchFamily="18" charset="0"/>
+                </a:endParaRPr>
+              </a:p>
+              <a:p>
+                <a:r>
+                  <a:rPr lang="en-US" sz="2400" dirty="0">
+                    <a:cs typeface="Times New Roman" panose="02020603050405020304" pitchFamily="18" charset="0"/>
+                  </a:rPr>
+                  <a:t>Focus on competition and markets</a:t>
+                </a:r>
+              </a:p>
+              <a:p>
+                <a:r>
+                  <a:rPr lang="en-US" sz="2400" dirty="0">
+                    <a:cs typeface="Times New Roman" panose="02020603050405020304" pitchFamily="18" charset="0"/>
+                  </a:rPr>
+                  <a:t>Structural estimation! </a:t>
+                </a:r>
+              </a:p>
+            </p:txBody>
+          </p:sp>
+        </mc:Choice>
+        <mc:Fallback>
+          <p:sp>
+            <p:nvSpPr>
+              <p:cNvPr id="4" name="Content Placeholder 2">
+                <a:extLst>
+                  <a:ext uri="{FF2B5EF4-FFF2-40B4-BE49-F238E27FC236}">
+                    <a16:creationId xmlns:a16="http://schemas.microsoft.com/office/drawing/2014/main" id="{503F776D-A7DB-4AED-9B16-D81631B561AC}"/>
+                  </a:ext>
+                </a:extLst>
+              </p:cNvPr>
+              <p:cNvSpPr txBox="1">
+                <a:spLocks noRot="1" noChangeAspect="1" noMove="1" noResize="1" noEditPoints="1" noAdjustHandles="1" noChangeArrowheads="1" noChangeShapeType="1" noTextEdit="1"/>
+              </p:cNvSpPr>
+              <p:nvPr/>
+            </p:nvSpPr>
+            <p:spPr>
+              <a:xfrm>
+                <a:off x="609600" y="3774077"/>
+                <a:ext cx="10439400" cy="1661225"/>
+              </a:xfrm>
+              <a:prstGeom prst="rect">
+                <a:avLst/>
+              </a:prstGeom>
+              <a:blipFill>
+                <a:blip r:embed="rId2"/>
+                <a:stretch>
+                  <a:fillRect l="-409" t="-4029" b="-1099"/>
+                </a:stretch>
+              </a:blipFill>
+            </p:spPr>
+            <p:txBody>
+              <a:bodyPr/>
+              <a:lstStyle/>
+              <a:p>
+                <a:r>
+                  <a:rPr lang="en-US">
+                    <a:noFill/>
+                  </a:rPr>
+                  <a:t> </a:t>
+                </a:r>
+              </a:p>
+            </p:txBody>
+          </p:sp>
+        </mc:Fallback>
+      </mc:AlternateContent>
     </p:spTree>
     <p:extLst>
       <p:ext uri="{BB962C8B-B14F-4D97-AF65-F5344CB8AC3E}">
-        <p14:creationId xmlns:p14="http://schemas.microsoft.com/office/powerpoint/2010/main" val="3746653845"/>
+        <p14:creationId xmlns:p14="http://schemas.microsoft.com/office/powerpoint/2010/main" val="565854197"/>
       </p:ext>
     </p:extLst>
   </p:cSld>
@@ -13010,6 +13253,440 @@
               <a:rPr lang="en-US" sz="3600" dirty="0">
                 <a:cs typeface="Times New Roman" panose="02020603050405020304" pitchFamily="18" charset="0"/>
               </a:rPr>
+              <a:t>A Simple Bargaining Model: Equilibrium </a:t>
+            </a:r>
+            <a:endParaRPr lang="en-US" sz="3600" dirty="0">
+              <a:latin typeface="Times New Roman" panose="02020603050405020304" pitchFamily="18" charset="0"/>
+              <a:cs typeface="Times New Roman" panose="02020603050405020304" pitchFamily="18" charset="0"/>
+            </a:endParaRPr>
+          </a:p>
+        </p:txBody>
+      </p:sp>
+      <p:sp>
+        <p:nvSpPr>
+          <p:cNvPr id="4" name="TextBox 3">
+            <a:extLst>
+              <a:ext uri="{FF2B5EF4-FFF2-40B4-BE49-F238E27FC236}">
+                <a16:creationId xmlns:a16="http://schemas.microsoft.com/office/drawing/2014/main" id="{E04A98D8-C1A9-4683-2502-7E282CD2CF8C}"/>
+              </a:ext>
+            </a:extLst>
+          </p:cNvPr>
+          <p:cNvSpPr txBox="1"/>
+          <p:nvPr/>
+        </p:nvSpPr>
+        <p:spPr>
+          <a:xfrm>
+            <a:off x="3429000" y="1298326"/>
+            <a:ext cx="1295400" cy="369332"/>
+          </a:xfrm>
+          <a:prstGeom prst="rect">
+            <a:avLst/>
+          </a:prstGeom>
+          <a:solidFill>
+            <a:schemeClr val="accent2"/>
+          </a:solidFill>
+        </p:spPr>
+        <p:txBody>
+          <a:bodyPr wrap="square" rtlCol="0">
+            <a:spAutoFit/>
+          </a:bodyPr>
+          <a:lstStyle/>
+          <a:p>
+            <a:r>
+              <a:rPr lang="en-CA" dirty="0">
+                <a:solidFill>
+                  <a:schemeClr val="bg1"/>
+                </a:solidFill>
+              </a:rPr>
+              <a:t>Hospitals</a:t>
+            </a:r>
+          </a:p>
+        </p:txBody>
+      </p:sp>
+      <p:sp>
+        <p:nvSpPr>
+          <p:cNvPr id="5" name="TextBox 4">
+            <a:extLst>
+              <a:ext uri="{FF2B5EF4-FFF2-40B4-BE49-F238E27FC236}">
+                <a16:creationId xmlns:a16="http://schemas.microsoft.com/office/drawing/2014/main" id="{0E86AB8D-85DE-1E88-2971-279E1CC861DF}"/>
+              </a:ext>
+            </a:extLst>
+          </p:cNvPr>
+          <p:cNvSpPr txBox="1"/>
+          <p:nvPr/>
+        </p:nvSpPr>
+        <p:spPr>
+          <a:xfrm>
+            <a:off x="8001000" y="3429000"/>
+            <a:ext cx="1295400" cy="369332"/>
+          </a:xfrm>
+          <a:prstGeom prst="rect">
+            <a:avLst/>
+          </a:prstGeom>
+          <a:solidFill>
+            <a:schemeClr val="accent3">
+              <a:lumMod val="75000"/>
+            </a:schemeClr>
+          </a:solidFill>
+        </p:spPr>
+        <p:txBody>
+          <a:bodyPr wrap="square" rtlCol="0">
+            <a:spAutoFit/>
+          </a:bodyPr>
+          <a:lstStyle/>
+          <a:p>
+            <a:r>
+              <a:rPr lang="en-CA" dirty="0">
+                <a:solidFill>
+                  <a:schemeClr val="bg1"/>
+                </a:solidFill>
+              </a:rPr>
+              <a:t>Insurers</a:t>
+            </a:r>
+          </a:p>
+        </p:txBody>
+      </p:sp>
+      <p:sp>
+        <p:nvSpPr>
+          <p:cNvPr id="6" name="TextBox 5">
+            <a:extLst>
+              <a:ext uri="{FF2B5EF4-FFF2-40B4-BE49-F238E27FC236}">
+                <a16:creationId xmlns:a16="http://schemas.microsoft.com/office/drawing/2014/main" id="{6F698F23-D540-EC63-2E7C-3AF79616B16C}"/>
+              </a:ext>
+            </a:extLst>
+          </p:cNvPr>
+          <p:cNvSpPr txBox="1"/>
+          <p:nvPr/>
+        </p:nvSpPr>
+        <p:spPr>
+          <a:xfrm>
+            <a:off x="1828800" y="5486400"/>
+            <a:ext cx="1295400" cy="369332"/>
+          </a:xfrm>
+          <a:prstGeom prst="rect">
+            <a:avLst/>
+          </a:prstGeom>
+          <a:solidFill>
+            <a:schemeClr val="accent5">
+              <a:lumMod val="60000"/>
+              <a:lumOff val="40000"/>
+            </a:schemeClr>
+          </a:solidFill>
+        </p:spPr>
+        <p:txBody>
+          <a:bodyPr wrap="square" rtlCol="0">
+            <a:spAutoFit/>
+          </a:bodyPr>
+          <a:lstStyle/>
+          <a:p>
+            <a:r>
+              <a:rPr lang="en-CA" dirty="0">
+                <a:solidFill>
+                  <a:schemeClr val="bg1"/>
+                </a:solidFill>
+              </a:rPr>
+              <a:t>Patients</a:t>
+            </a:r>
+          </a:p>
+        </p:txBody>
+      </p:sp>
+      <p:cxnSp>
+        <p:nvCxnSpPr>
+          <p:cNvPr id="8" name="Straight Arrow Connector 7">
+            <a:extLst>
+              <a:ext uri="{FF2B5EF4-FFF2-40B4-BE49-F238E27FC236}">
+                <a16:creationId xmlns:a16="http://schemas.microsoft.com/office/drawing/2014/main" id="{14F71629-A660-DE3D-53B1-3FEEEBA69A9E}"/>
+              </a:ext>
+            </a:extLst>
+          </p:cNvPr>
+          <p:cNvCxnSpPr>
+            <a:cxnSpLocks/>
+            <a:stCxn id="4" idx="2"/>
+            <a:endCxn id="6" idx="0"/>
+          </p:cNvCxnSpPr>
+          <p:nvPr/>
+        </p:nvCxnSpPr>
+        <p:spPr>
+          <a:xfrm flipH="1">
+            <a:off x="2476500" y="1667658"/>
+            <a:ext cx="1600200" cy="3818742"/>
+          </a:xfrm>
+          <a:prstGeom prst="straightConnector1">
+            <a:avLst/>
+          </a:prstGeom>
+          <a:ln>
+            <a:headEnd type="triangle"/>
+            <a:tailEnd type="triangle"/>
+          </a:ln>
+        </p:spPr>
+        <p:style>
+          <a:lnRef idx="1">
+            <a:schemeClr val="accent1"/>
+          </a:lnRef>
+          <a:fillRef idx="0">
+            <a:schemeClr val="accent1"/>
+          </a:fillRef>
+          <a:effectRef idx="0">
+            <a:schemeClr val="accent1"/>
+          </a:effectRef>
+          <a:fontRef idx="minor">
+            <a:schemeClr val="tx1"/>
+          </a:fontRef>
+        </p:style>
+      </p:cxnSp>
+      <p:cxnSp>
+        <p:nvCxnSpPr>
+          <p:cNvPr id="10" name="Straight Arrow Connector 9">
+            <a:extLst>
+              <a:ext uri="{FF2B5EF4-FFF2-40B4-BE49-F238E27FC236}">
+                <a16:creationId xmlns:a16="http://schemas.microsoft.com/office/drawing/2014/main" id="{65148E0E-C63F-288B-4006-8688C2CFAD4E}"/>
+              </a:ext>
+            </a:extLst>
+          </p:cNvPr>
+          <p:cNvCxnSpPr>
+            <a:cxnSpLocks/>
+            <a:stCxn id="4" idx="2"/>
+            <a:endCxn id="5" idx="0"/>
+          </p:cNvCxnSpPr>
+          <p:nvPr/>
+        </p:nvCxnSpPr>
+        <p:spPr>
+          <a:xfrm>
+            <a:off x="4076700" y="1667658"/>
+            <a:ext cx="4572000" cy="1761342"/>
+          </a:xfrm>
+          <a:prstGeom prst="straightConnector1">
+            <a:avLst/>
+          </a:prstGeom>
+          <a:ln>
+            <a:headEnd type="triangle"/>
+            <a:tailEnd type="triangle"/>
+          </a:ln>
+        </p:spPr>
+        <p:style>
+          <a:lnRef idx="1">
+            <a:schemeClr val="accent1"/>
+          </a:lnRef>
+          <a:fillRef idx="0">
+            <a:schemeClr val="accent1"/>
+          </a:fillRef>
+          <a:effectRef idx="0">
+            <a:schemeClr val="accent1"/>
+          </a:effectRef>
+          <a:fontRef idx="minor">
+            <a:schemeClr val="tx1"/>
+          </a:fontRef>
+        </p:style>
+      </p:cxnSp>
+      <p:cxnSp>
+        <p:nvCxnSpPr>
+          <p:cNvPr id="12" name="Straight Arrow Connector 11">
+            <a:extLst>
+              <a:ext uri="{FF2B5EF4-FFF2-40B4-BE49-F238E27FC236}">
+                <a16:creationId xmlns:a16="http://schemas.microsoft.com/office/drawing/2014/main" id="{58AF0E0C-FE7D-176E-4C49-05272E4A5F98}"/>
+              </a:ext>
+            </a:extLst>
+          </p:cNvPr>
+          <p:cNvCxnSpPr>
+            <a:cxnSpLocks/>
+            <a:stCxn id="5" idx="2"/>
+            <a:endCxn id="6" idx="0"/>
+          </p:cNvCxnSpPr>
+          <p:nvPr/>
+        </p:nvCxnSpPr>
+        <p:spPr>
+          <a:xfrm flipH="1">
+            <a:off x="2476500" y="3798332"/>
+            <a:ext cx="6172200" cy="1688068"/>
+          </a:xfrm>
+          <a:prstGeom prst="straightConnector1">
+            <a:avLst/>
+          </a:prstGeom>
+          <a:ln>
+            <a:headEnd type="triangle"/>
+            <a:tailEnd type="triangle"/>
+          </a:ln>
+        </p:spPr>
+        <p:style>
+          <a:lnRef idx="1">
+            <a:schemeClr val="accent1"/>
+          </a:lnRef>
+          <a:fillRef idx="0">
+            <a:schemeClr val="accent1"/>
+          </a:fillRef>
+          <a:effectRef idx="0">
+            <a:schemeClr val="accent1"/>
+          </a:effectRef>
+          <a:fontRef idx="minor">
+            <a:schemeClr val="tx1"/>
+          </a:fontRef>
+        </p:style>
+      </p:cxnSp>
+      <p:sp>
+        <p:nvSpPr>
+          <p:cNvPr id="22" name="TextBox 21">
+            <a:extLst>
+              <a:ext uri="{FF2B5EF4-FFF2-40B4-BE49-F238E27FC236}">
+                <a16:creationId xmlns:a16="http://schemas.microsoft.com/office/drawing/2014/main" id="{DFE454D5-BCA2-42F0-30FC-1A64369034CC}"/>
+              </a:ext>
+            </a:extLst>
+          </p:cNvPr>
+          <p:cNvSpPr txBox="1"/>
+          <p:nvPr/>
+        </p:nvSpPr>
+        <p:spPr>
+          <a:xfrm>
+            <a:off x="5943600" y="4724400"/>
+            <a:ext cx="3344185" cy="369332"/>
+          </a:xfrm>
+          <a:prstGeom prst="rect">
+            <a:avLst/>
+          </a:prstGeom>
+          <a:noFill/>
+        </p:spPr>
+        <p:txBody>
+          <a:bodyPr wrap="none" rtlCol="0">
+            <a:spAutoFit/>
+          </a:bodyPr>
+          <a:lstStyle/>
+          <a:p>
+            <a:r>
+              <a:rPr lang="en-CA" dirty="0"/>
+              <a:t>What plans do patients pick? </a:t>
+            </a:r>
+          </a:p>
+        </p:txBody>
+      </p:sp>
+      <p:sp>
+        <p:nvSpPr>
+          <p:cNvPr id="24" name="TextBox 23">
+            <a:extLst>
+              <a:ext uri="{FF2B5EF4-FFF2-40B4-BE49-F238E27FC236}">
+                <a16:creationId xmlns:a16="http://schemas.microsoft.com/office/drawing/2014/main" id="{238B810B-89C9-7757-DFAD-B78183D167A3}"/>
+              </a:ext>
+            </a:extLst>
+          </p:cNvPr>
+          <p:cNvSpPr txBox="1"/>
+          <p:nvPr/>
+        </p:nvSpPr>
+        <p:spPr>
+          <a:xfrm>
+            <a:off x="5829300" y="1793626"/>
+            <a:ext cx="4339650" cy="369332"/>
+          </a:xfrm>
+          <a:prstGeom prst="rect">
+            <a:avLst/>
+          </a:prstGeom>
+          <a:noFill/>
+        </p:spPr>
+        <p:txBody>
+          <a:bodyPr wrap="none" rtlCol="0">
+            <a:spAutoFit/>
+          </a:bodyPr>
+          <a:lstStyle/>
+          <a:p>
+            <a:r>
+              <a:rPr lang="en-CA" b="1" dirty="0"/>
+              <a:t>Main interest: </a:t>
+            </a:r>
+            <a:r>
+              <a:rPr lang="en-CA" dirty="0"/>
+              <a:t>bargaining + contracts</a:t>
+            </a:r>
+          </a:p>
+        </p:txBody>
+      </p:sp>
+      <p:sp>
+        <p:nvSpPr>
+          <p:cNvPr id="25" name="TextBox 24">
+            <a:extLst>
+              <a:ext uri="{FF2B5EF4-FFF2-40B4-BE49-F238E27FC236}">
+                <a16:creationId xmlns:a16="http://schemas.microsoft.com/office/drawing/2014/main" id="{E1C083E5-064D-ED54-8145-D913A450C6F5}"/>
+              </a:ext>
+            </a:extLst>
+          </p:cNvPr>
+          <p:cNvSpPr txBox="1"/>
+          <p:nvPr/>
+        </p:nvSpPr>
+        <p:spPr>
+          <a:xfrm>
+            <a:off x="88580" y="2818793"/>
+            <a:ext cx="3480440" cy="369332"/>
+          </a:xfrm>
+          <a:prstGeom prst="rect">
+            <a:avLst/>
+          </a:prstGeom>
+          <a:noFill/>
+        </p:spPr>
+        <p:txBody>
+          <a:bodyPr wrap="none" rtlCol="0">
+            <a:spAutoFit/>
+          </a:bodyPr>
+          <a:lstStyle/>
+          <a:p>
+            <a:r>
+              <a:rPr lang="en-CA" dirty="0"/>
+              <a:t>Where do patients go for care? </a:t>
+            </a:r>
+          </a:p>
+        </p:txBody>
+      </p:sp>
+    </p:spTree>
+    <p:extLst>
+      <p:ext uri="{BB962C8B-B14F-4D97-AF65-F5344CB8AC3E}">
+        <p14:creationId xmlns:p14="http://schemas.microsoft.com/office/powerpoint/2010/main" val="485071970"/>
+      </p:ext>
+    </p:extLst>
+  </p:cSld>
+  <p:clrMapOvr>
+    <a:masterClrMapping/>
+  </p:clrMapOvr>
+</p:sld>
+</file>
+
+<file path=ppt/slides/slide22.xml><?xml version="1.0" encoding="utf-8"?>
+<p:sld xmlns:a="http://schemas.openxmlformats.org/drawingml/2006/main" xmlns:r="http://schemas.openxmlformats.org/officeDocument/2006/relationships" xmlns:p="http://schemas.openxmlformats.org/presentationml/2006/main">
+  <p:cSld>
+    <p:spTree>
+      <p:nvGrpSpPr>
+        <p:cNvPr id="1" name=""/>
+        <p:cNvGrpSpPr/>
+        <p:nvPr/>
+      </p:nvGrpSpPr>
+      <p:grpSpPr>
+        <a:xfrm>
+          <a:off x="0" y="0"/>
+          <a:ext cx="0" cy="0"/>
+          <a:chOff x="0" y="0"/>
+          <a:chExt cx="0" cy="0"/>
+        </a:xfrm>
+      </p:grpSpPr>
+      <p:sp>
+        <p:nvSpPr>
+          <p:cNvPr id="2" name="Title 1"/>
+          <p:cNvSpPr>
+            <a:spLocks noGrp="1"/>
+          </p:cNvSpPr>
+          <p:nvPr>
+            <p:ph type="title"/>
+          </p:nvPr>
+        </p:nvSpPr>
+        <p:spPr>
+          <a:xfrm>
+            <a:off x="609600" y="272077"/>
+            <a:ext cx="10439400" cy="624840"/>
+          </a:xfrm>
+        </p:spPr>
+        <p:txBody>
+          <a:bodyPr>
+            <a:noAutofit/>
+          </a:bodyPr>
+          <a:lstStyle/>
+          <a:p>
+            <a:r>
+              <a:rPr lang="en-US" sz="3600" dirty="0">
+                <a:cs typeface="Times New Roman" panose="02020603050405020304" pitchFamily="18" charset="0"/>
+              </a:rPr>
               <a:t>A Simple Bargaining Model </a:t>
             </a:r>
             <a:endParaRPr lang="en-US" sz="3600" dirty="0">
@@ -13019,8 +13696,8 @@
           </a:p>
         </p:txBody>
       </p:sp>
-      <mc:AlternateContent xmlns:mc="http://schemas.openxmlformats.org/markup-compatibility/2006">
-        <mc:Choice xmlns:a14="http://schemas.microsoft.com/office/drawing/2010/main" Requires="a14">
+      <mc:AlternateContent xmlns:mc="http://schemas.openxmlformats.org/markup-compatibility/2006" xmlns:a14="http://schemas.microsoft.com/office/drawing/2010/main">
+        <mc:Choice Requires="a14">
           <p:sp>
             <p:nvSpPr>
               <p:cNvPr id="3" name="Content Placeholder 2"/>
@@ -13348,7 +14025,7 @@
             </p:txBody>
           </p:sp>
         </mc:Choice>
-        <mc:Fallback>
+        <mc:Fallback xmlns="">
           <p:sp>
             <p:nvSpPr>
               <p:cNvPr id="3" name="Content Placeholder 2"/>
@@ -13399,7 +14076,7 @@
 </p:sld>
 </file>
 
-<file path=ppt/slides/slide22.xml><?xml version="1.0" encoding="utf-8"?>
+<file path=ppt/slides/slide23.xml><?xml version="1.0" encoding="utf-8"?>
 <p:sld xmlns:a="http://schemas.openxmlformats.org/drawingml/2006/main" xmlns:r="http://schemas.openxmlformats.org/officeDocument/2006/relationships" xmlns:p="http://schemas.openxmlformats.org/presentationml/2006/main">
   <p:cSld>
     <p:spTree>
@@ -13451,8 +14128,8 @@
           </a:p>
         </p:txBody>
       </p:sp>
-      <mc:AlternateContent xmlns:mc="http://schemas.openxmlformats.org/markup-compatibility/2006">
-        <mc:Choice xmlns:a14="http://schemas.microsoft.com/office/drawing/2010/main" Requires="a14">
+      <mc:AlternateContent xmlns:mc="http://schemas.openxmlformats.org/markup-compatibility/2006" xmlns:a14="http://schemas.microsoft.com/office/drawing/2010/main">
+        <mc:Choice Requires="a14">
           <p:sp>
             <p:nvSpPr>
               <p:cNvPr id="3" name="Content Placeholder 2"/>
@@ -14147,7 +14824,7 @@
             </p:txBody>
           </p:sp>
         </mc:Choice>
-        <mc:Fallback>
+        <mc:Fallback xmlns="">
           <p:sp>
             <p:nvSpPr>
               <p:cNvPr id="3" name="Content Placeholder 2"/>
@@ -14185,444 +14862,55 @@
           </p:sp>
         </mc:Fallback>
       </mc:AlternateContent>
-    </p:spTree>
-    <p:extLst>
-      <p:ext uri="{BB962C8B-B14F-4D97-AF65-F5344CB8AC3E}">
-        <p14:creationId xmlns:p14="http://schemas.microsoft.com/office/powerpoint/2010/main" val="832784751"/>
-      </p:ext>
-    </p:extLst>
-  </p:cSld>
-  <p:clrMapOvr>
-    <a:masterClrMapping/>
-  </p:clrMapOvr>
-</p:sld>
-</file>
-
-<file path=ppt/slides/slide23.xml><?xml version="1.0" encoding="utf-8"?>
-<p:sld xmlns:a="http://schemas.openxmlformats.org/drawingml/2006/main" xmlns:r="http://schemas.openxmlformats.org/officeDocument/2006/relationships" xmlns:p="http://schemas.openxmlformats.org/presentationml/2006/main">
-  <p:cSld>
-    <p:spTree>
-      <p:nvGrpSpPr>
-        <p:cNvPr id="1" name=""/>
-        <p:cNvGrpSpPr/>
-        <p:nvPr/>
-      </p:nvGrpSpPr>
-      <p:grpSpPr>
-        <a:xfrm>
-          <a:off x="0" y="0"/>
-          <a:ext cx="0" cy="0"/>
-          <a:chOff x="0" y="0"/>
-          <a:chExt cx="0" cy="0"/>
-        </a:xfrm>
-      </p:grpSpPr>
       <p:sp>
         <p:nvSpPr>
-          <p:cNvPr id="2" name="Title 1"/>
-          <p:cNvSpPr>
-            <a:spLocks noGrp="1"/>
-          </p:cNvSpPr>
-          <p:nvPr>
-            <p:ph type="title"/>
-          </p:nvPr>
-        </p:nvSpPr>
-        <p:spPr>
-          <a:xfrm>
-            <a:off x="609600" y="272077"/>
-            <a:ext cx="10439400" cy="624840"/>
-          </a:xfrm>
-        </p:spPr>
-        <p:txBody>
-          <a:bodyPr>
-            <a:noAutofit/>
-          </a:bodyPr>
-          <a:lstStyle/>
-          <a:p>
-            <a:r>
-              <a:rPr lang="en-US" sz="3600" dirty="0">
-                <a:cs typeface="Times New Roman" panose="02020603050405020304" pitchFamily="18" charset="0"/>
-              </a:rPr>
-              <a:t>A Simple Bargaining Model: Equilibrium </a:t>
-            </a:r>
-            <a:endParaRPr lang="en-US" sz="3600" dirty="0">
-              <a:latin typeface="Times New Roman" panose="02020603050405020304" pitchFamily="18" charset="0"/>
-              <a:cs typeface="Times New Roman" panose="02020603050405020304" pitchFamily="18" charset="0"/>
-            </a:endParaRPr>
-          </a:p>
-        </p:txBody>
-      </p:sp>
-      <p:sp>
-        <p:nvSpPr>
-          <p:cNvPr id="4" name="TextBox 3">
+          <p:cNvPr id="4" name="AutoShape 2" descr="Extreme Value Distribution - 1.70.0">
             <a:extLst>
               <a:ext uri="{FF2B5EF4-FFF2-40B4-BE49-F238E27FC236}">
-                <a16:creationId xmlns:a16="http://schemas.microsoft.com/office/drawing/2014/main" id="{E04A98D8-C1A9-4683-2502-7E282CD2CF8C}"/>
+                <a16:creationId xmlns:a16="http://schemas.microsoft.com/office/drawing/2014/main" id="{5417D63C-E78A-A243-D3F8-885F7A8D9EA9}"/>
               </a:ext>
             </a:extLst>
           </p:cNvPr>
-          <p:cNvSpPr txBox="1"/>
+          <p:cNvSpPr>
+            <a:spLocks noChangeAspect="1" noChangeArrowheads="1"/>
+          </p:cNvSpPr>
           <p:nvPr/>
         </p:nvSpPr>
-        <p:spPr>
+        <p:spPr bwMode="auto">
           <a:xfrm>
-            <a:off x="3429000" y="1298326"/>
-            <a:ext cx="1295400" cy="369332"/>
-          </a:xfrm>
-          <a:prstGeom prst="rect">
-            <a:avLst/>
-          </a:prstGeom>
-          <a:solidFill>
-            <a:schemeClr val="accent2"/>
-          </a:solidFill>
-        </p:spPr>
-        <p:txBody>
-          <a:bodyPr wrap="square" rtlCol="0">
-            <a:spAutoFit/>
-          </a:bodyPr>
-          <a:lstStyle/>
-          <a:p>
-            <a:r>
-              <a:rPr lang="en-CA" dirty="0">
-                <a:solidFill>
-                  <a:schemeClr val="bg1"/>
-                </a:solidFill>
-              </a:rPr>
-              <a:t>Hospitals</a:t>
-            </a:r>
-          </a:p>
-        </p:txBody>
-      </p:sp>
-      <p:sp>
-        <p:nvSpPr>
-          <p:cNvPr id="5" name="TextBox 4">
-            <a:extLst>
-              <a:ext uri="{FF2B5EF4-FFF2-40B4-BE49-F238E27FC236}">
-                <a16:creationId xmlns:a16="http://schemas.microsoft.com/office/drawing/2014/main" id="{0E86AB8D-85DE-1E88-2971-279E1CC861DF}"/>
-              </a:ext>
-            </a:extLst>
-          </p:cNvPr>
-          <p:cNvSpPr txBox="1"/>
-          <p:nvPr/>
-        </p:nvSpPr>
-        <p:spPr>
-          <a:xfrm>
-            <a:off x="8001000" y="3429000"/>
-            <a:ext cx="1295400" cy="369332"/>
-          </a:xfrm>
-          <a:prstGeom prst="rect">
-            <a:avLst/>
-          </a:prstGeom>
-          <a:solidFill>
-            <a:schemeClr val="accent3">
-              <a:lumMod val="75000"/>
-            </a:schemeClr>
-          </a:solidFill>
-        </p:spPr>
-        <p:txBody>
-          <a:bodyPr wrap="square" rtlCol="0">
-            <a:spAutoFit/>
-          </a:bodyPr>
-          <a:lstStyle/>
-          <a:p>
-            <a:r>
-              <a:rPr lang="en-CA" dirty="0">
-                <a:solidFill>
-                  <a:schemeClr val="bg1"/>
-                </a:solidFill>
-              </a:rPr>
-              <a:t>Insurers</a:t>
-            </a:r>
-          </a:p>
-        </p:txBody>
-      </p:sp>
-      <p:sp>
-        <p:nvSpPr>
-          <p:cNvPr id="6" name="TextBox 5">
-            <a:extLst>
-              <a:ext uri="{FF2B5EF4-FFF2-40B4-BE49-F238E27FC236}">
-                <a16:creationId xmlns:a16="http://schemas.microsoft.com/office/drawing/2014/main" id="{6F698F23-D540-EC63-2E7C-3AF79616B16C}"/>
-              </a:ext>
-            </a:extLst>
-          </p:cNvPr>
-          <p:cNvSpPr txBox="1"/>
-          <p:nvPr/>
-        </p:nvSpPr>
-        <p:spPr>
-          <a:xfrm>
-            <a:off x="1828800" y="5486400"/>
-            <a:ext cx="1295400" cy="369332"/>
-          </a:xfrm>
-          <a:prstGeom prst="rect">
-            <a:avLst/>
-          </a:prstGeom>
-          <a:solidFill>
-            <a:schemeClr val="accent5">
-              <a:lumMod val="60000"/>
-              <a:lumOff val="40000"/>
-            </a:schemeClr>
-          </a:solidFill>
-        </p:spPr>
-        <p:txBody>
-          <a:bodyPr wrap="square" rtlCol="0">
-            <a:spAutoFit/>
-          </a:bodyPr>
-          <a:lstStyle/>
-          <a:p>
-            <a:r>
-              <a:rPr lang="en-CA" dirty="0">
-                <a:solidFill>
-                  <a:schemeClr val="bg1"/>
-                </a:solidFill>
-              </a:rPr>
-              <a:t>Patients</a:t>
-            </a:r>
-          </a:p>
-        </p:txBody>
-      </p:sp>
-      <p:cxnSp>
-        <p:nvCxnSpPr>
-          <p:cNvPr id="8" name="Straight Arrow Connector 7">
-            <a:extLst>
-              <a:ext uri="{FF2B5EF4-FFF2-40B4-BE49-F238E27FC236}">
-                <a16:creationId xmlns:a16="http://schemas.microsoft.com/office/drawing/2014/main" id="{14F71629-A660-DE3D-53B1-3FEEEBA69A9E}"/>
-              </a:ext>
-            </a:extLst>
-          </p:cNvPr>
-          <p:cNvCxnSpPr>
-            <a:cxnSpLocks/>
-            <a:stCxn id="4" idx="2"/>
-            <a:endCxn id="6" idx="0"/>
-          </p:cNvCxnSpPr>
-          <p:nvPr/>
-        </p:nvCxnSpPr>
-        <p:spPr>
-          <a:xfrm flipH="1">
-            <a:off x="2476500" y="1667658"/>
-            <a:ext cx="1600200" cy="3818742"/>
-          </a:xfrm>
-          <a:prstGeom prst="straightConnector1">
-            <a:avLst/>
-          </a:prstGeom>
-          <a:ln>
-            <a:headEnd type="triangle"/>
-            <a:tailEnd type="triangle"/>
-          </a:ln>
-        </p:spPr>
-        <p:style>
-          <a:lnRef idx="1">
-            <a:schemeClr val="accent1"/>
-          </a:lnRef>
-          <a:fillRef idx="0">
-            <a:schemeClr val="accent1"/>
-          </a:fillRef>
-          <a:effectRef idx="0">
-            <a:schemeClr val="accent1"/>
-          </a:effectRef>
-          <a:fontRef idx="minor">
-            <a:schemeClr val="tx1"/>
-          </a:fontRef>
-        </p:style>
-      </p:cxnSp>
-      <p:cxnSp>
-        <p:nvCxnSpPr>
-          <p:cNvPr id="10" name="Straight Arrow Connector 9">
-            <a:extLst>
-              <a:ext uri="{FF2B5EF4-FFF2-40B4-BE49-F238E27FC236}">
-                <a16:creationId xmlns:a16="http://schemas.microsoft.com/office/drawing/2014/main" id="{65148E0E-C63F-288B-4006-8688C2CFAD4E}"/>
-              </a:ext>
-            </a:extLst>
-          </p:cNvPr>
-          <p:cNvCxnSpPr>
-            <a:cxnSpLocks/>
-            <a:stCxn id="4" idx="2"/>
-            <a:endCxn id="5" idx="0"/>
-          </p:cNvCxnSpPr>
-          <p:nvPr/>
-        </p:nvCxnSpPr>
-        <p:spPr>
-          <a:xfrm>
-            <a:off x="4076700" y="1667658"/>
-            <a:ext cx="4572000" cy="1761342"/>
-          </a:xfrm>
-          <a:prstGeom prst="straightConnector1">
-            <a:avLst/>
-          </a:prstGeom>
-          <a:ln>
-            <a:headEnd type="triangle"/>
-            <a:tailEnd type="triangle"/>
-          </a:ln>
-        </p:spPr>
-        <p:style>
-          <a:lnRef idx="1">
-            <a:schemeClr val="accent1"/>
-          </a:lnRef>
-          <a:fillRef idx="0">
-            <a:schemeClr val="accent1"/>
-          </a:fillRef>
-          <a:effectRef idx="0">
-            <a:schemeClr val="accent1"/>
-          </a:effectRef>
-          <a:fontRef idx="minor">
-            <a:schemeClr val="tx1"/>
-          </a:fontRef>
-        </p:style>
-      </p:cxnSp>
-      <p:cxnSp>
-        <p:nvCxnSpPr>
-          <p:cNvPr id="12" name="Straight Arrow Connector 11">
-            <a:extLst>
-              <a:ext uri="{FF2B5EF4-FFF2-40B4-BE49-F238E27FC236}">
-                <a16:creationId xmlns:a16="http://schemas.microsoft.com/office/drawing/2014/main" id="{58AF0E0C-FE7D-176E-4C49-05272E4A5F98}"/>
-              </a:ext>
-            </a:extLst>
-          </p:cNvPr>
-          <p:cNvCxnSpPr>
-            <a:cxnSpLocks/>
-            <a:stCxn id="5" idx="2"/>
-            <a:endCxn id="6" idx="0"/>
-          </p:cNvCxnSpPr>
-          <p:nvPr/>
-        </p:nvCxnSpPr>
-        <p:spPr>
-          <a:xfrm flipH="1">
-            <a:off x="2476500" y="3798332"/>
-            <a:ext cx="6172200" cy="1688068"/>
-          </a:xfrm>
-          <a:prstGeom prst="straightConnector1">
-            <a:avLst/>
-          </a:prstGeom>
-          <a:ln>
-            <a:headEnd type="triangle"/>
-            <a:tailEnd type="triangle"/>
-          </a:ln>
-        </p:spPr>
-        <p:style>
-          <a:lnRef idx="1">
-            <a:schemeClr val="accent1"/>
-          </a:lnRef>
-          <a:fillRef idx="0">
-            <a:schemeClr val="accent1"/>
-          </a:fillRef>
-          <a:effectRef idx="0">
-            <a:schemeClr val="accent1"/>
-          </a:effectRef>
-          <a:fontRef idx="minor">
-            <a:schemeClr val="tx1"/>
-          </a:fontRef>
-        </p:style>
-      </p:cxnSp>
-      <p:sp>
-        <p:nvSpPr>
-          <p:cNvPr id="22" name="TextBox 21">
-            <a:extLst>
-              <a:ext uri="{FF2B5EF4-FFF2-40B4-BE49-F238E27FC236}">
-                <a16:creationId xmlns:a16="http://schemas.microsoft.com/office/drawing/2014/main" id="{DFE454D5-BCA2-42F0-30FC-1A64369034CC}"/>
-              </a:ext>
-            </a:extLst>
-          </p:cNvPr>
-          <p:cNvSpPr txBox="1"/>
-          <p:nvPr/>
-        </p:nvSpPr>
-        <p:spPr>
-          <a:xfrm>
-            <a:off x="5943600" y="4724400"/>
-            <a:ext cx="3344185" cy="369332"/>
+            <a:off x="5943600" y="3276600"/>
+            <a:ext cx="304800" cy="304800"/>
           </a:xfrm>
           <a:prstGeom prst="rect">
             <a:avLst/>
           </a:prstGeom>
           <a:noFill/>
+          <a:extLst>
+            <a:ext uri="{909E8E84-426E-40DD-AFC4-6F175D3DCCD1}">
+              <a14:hiddenFill xmlns:a14="http://schemas.microsoft.com/office/drawing/2010/main">
+                <a:solidFill>
+                  <a:srgbClr val="FFFFFF"/>
+                </a:solidFill>
+              </a14:hiddenFill>
+            </a:ext>
+          </a:extLst>
         </p:spPr>
         <p:txBody>
-          <a:bodyPr wrap="none" rtlCol="0">
-            <a:spAutoFit/>
+          <a:bodyPr vert="horz" wrap="square" lIns="91440" tIns="45720" rIns="91440" bIns="45720" numCol="1" anchor="t" anchorCtr="0" compatLnSpc="1">
+            <a:prstTxWarp prst="textNoShape">
+              <a:avLst/>
+            </a:prstTxWarp>
           </a:bodyPr>
           <a:lstStyle/>
           <a:p>
-            <a:r>
-              <a:rPr lang="en-CA" dirty="0"/>
-              <a:t>What plans do patients pick? </a:t>
-            </a:r>
-          </a:p>
-        </p:txBody>
-      </p:sp>
-      <p:sp>
-        <p:nvSpPr>
-          <p:cNvPr id="24" name="TextBox 23">
-            <a:extLst>
-              <a:ext uri="{FF2B5EF4-FFF2-40B4-BE49-F238E27FC236}">
-                <a16:creationId xmlns:a16="http://schemas.microsoft.com/office/drawing/2014/main" id="{238B810B-89C9-7757-DFAD-B78183D167A3}"/>
-              </a:ext>
-            </a:extLst>
-          </p:cNvPr>
-          <p:cNvSpPr txBox="1"/>
-          <p:nvPr/>
-        </p:nvSpPr>
-        <p:spPr>
-          <a:xfrm>
-            <a:off x="5829300" y="1793626"/>
-            <a:ext cx="4339650" cy="369332"/>
-          </a:xfrm>
-          <a:prstGeom prst="rect">
-            <a:avLst/>
-          </a:prstGeom>
-          <a:noFill/>
-        </p:spPr>
-        <p:txBody>
-          <a:bodyPr wrap="none" rtlCol="0">
-            <a:spAutoFit/>
-          </a:bodyPr>
-          <a:lstStyle/>
-          <a:p>
-            <a:r>
-              <a:rPr lang="en-CA" b="1" dirty="0"/>
-              <a:t>Main interest: </a:t>
-            </a:r>
-            <a:r>
-              <a:rPr lang="en-CA" dirty="0"/>
-              <a:t>bargaining + contracts</a:t>
-            </a:r>
-          </a:p>
-        </p:txBody>
-      </p:sp>
-      <p:sp>
-        <p:nvSpPr>
-          <p:cNvPr id="25" name="TextBox 24">
-            <a:extLst>
-              <a:ext uri="{FF2B5EF4-FFF2-40B4-BE49-F238E27FC236}">
-                <a16:creationId xmlns:a16="http://schemas.microsoft.com/office/drawing/2014/main" id="{E1C083E5-064D-ED54-8145-D913A450C6F5}"/>
-              </a:ext>
-            </a:extLst>
-          </p:cNvPr>
-          <p:cNvSpPr txBox="1"/>
-          <p:nvPr/>
-        </p:nvSpPr>
-        <p:spPr>
-          <a:xfrm>
-            <a:off x="88580" y="2818793"/>
-            <a:ext cx="3480440" cy="369332"/>
-          </a:xfrm>
-          <a:prstGeom prst="rect">
-            <a:avLst/>
-          </a:prstGeom>
-          <a:noFill/>
-        </p:spPr>
-        <p:txBody>
-          <a:bodyPr wrap="none" rtlCol="0">
-            <a:spAutoFit/>
-          </a:bodyPr>
-          <a:lstStyle/>
-          <a:p>
-            <a:r>
-              <a:rPr lang="en-CA" dirty="0"/>
-              <a:t>Where do patients go for care? </a:t>
-            </a:r>
+            <a:endParaRPr lang="en-US"/>
           </a:p>
         </p:txBody>
       </p:sp>
     </p:spTree>
     <p:extLst>
       <p:ext uri="{BB962C8B-B14F-4D97-AF65-F5344CB8AC3E}">
-        <p14:creationId xmlns:p14="http://schemas.microsoft.com/office/powerpoint/2010/main" val="485071970"/>
+        <p14:creationId xmlns:p14="http://schemas.microsoft.com/office/powerpoint/2010/main" val="832784751"/>
       </p:ext>
     </p:extLst>
   </p:cSld>
@@ -14673,6 +14961,483 @@
           <a:p>
             <a:r>
               <a:rPr lang="en-US" sz="3600" dirty="0">
+                <a:cs typeface="Times New Roman" panose="02020603050405020304" pitchFamily="18" charset="0"/>
+              </a:rPr>
+              <a:t>Type 1 Extreme Value </a:t>
+            </a:r>
+            <a:endParaRPr lang="en-US" sz="3600" dirty="0">
+              <a:latin typeface="Times New Roman" panose="02020603050405020304" pitchFamily="18" charset="0"/>
+              <a:cs typeface="Times New Roman" panose="02020603050405020304" pitchFamily="18" charset="0"/>
+            </a:endParaRPr>
+          </a:p>
+        </p:txBody>
+      </p:sp>
+      <mc:AlternateContent xmlns:mc="http://schemas.openxmlformats.org/markup-compatibility/2006">
+        <mc:Choice xmlns:a14="http://schemas.microsoft.com/office/drawing/2010/main" Requires="a14">
+          <p:sp>
+            <p:nvSpPr>
+              <p:cNvPr id="3" name="Content Placeholder 2"/>
+              <p:cNvSpPr>
+                <a:spLocks noGrp="1"/>
+              </p:cNvSpPr>
+              <p:nvPr>
+                <p:ph idx="1"/>
+              </p:nvPr>
+            </p:nvSpPr>
+            <p:spPr>
+              <a:xfrm>
+                <a:off x="609601" y="1066801"/>
+                <a:ext cx="10439400" cy="5141388"/>
+              </a:xfrm>
+            </p:spPr>
+            <p:txBody>
+              <a:bodyPr>
+                <a:noAutofit/>
+              </a:bodyPr>
+              <a:lstStyle/>
+              <a:p>
+                <a:pPr marL="0" indent="0">
+                  <a:buNone/>
+                </a:pPr>
+                <a14:m>
+                  <m:oMathPara xmlns:m="http://schemas.openxmlformats.org/officeDocument/2006/math">
+                    <m:oMathParaPr>
+                      <m:jc m:val="centerGroup"/>
+                    </m:oMathParaPr>
+                    <m:oMath xmlns:m="http://schemas.openxmlformats.org/officeDocument/2006/math">
+                      <m:r>
+                        <a:rPr lang="en-US" sz="2400" b="0" i="1" smtClean="0">
+                          <a:latin typeface="Cambria Math" panose="02040503050406030204" pitchFamily="18" charset="0"/>
+                          <a:cs typeface="Times New Roman" panose="02020603050405020304" pitchFamily="18" charset="0"/>
+                        </a:rPr>
+                        <m:t>𝑓</m:t>
+                      </m:r>
+                      <m:d>
+                        <m:dPr>
+                          <m:ctrlPr>
+                            <a:rPr lang="en-US" sz="2400" b="0" i="1" smtClean="0">
+                              <a:latin typeface="Cambria Math" panose="02040503050406030204" pitchFamily="18" charset="0"/>
+                              <a:cs typeface="Times New Roman" panose="02020603050405020304" pitchFamily="18" charset="0"/>
+                            </a:rPr>
+                          </m:ctrlPr>
+                        </m:dPr>
+                        <m:e>
+                          <m:sSub>
+                            <m:sSubPr>
+                              <m:ctrlPr>
+                                <a:rPr lang="en-US" sz="2400" b="0" i="1" smtClean="0">
+                                  <a:latin typeface="Cambria Math" panose="02040503050406030204" pitchFamily="18" charset="0"/>
+                                  <a:cs typeface="Times New Roman" panose="02020603050405020304" pitchFamily="18" charset="0"/>
+                                </a:rPr>
+                              </m:ctrlPr>
+                            </m:sSubPr>
+                            <m:e>
+                              <m:r>
+                                <a:rPr lang="en-US" sz="2400" b="0" i="1" smtClean="0">
+                                  <a:latin typeface="Cambria Math" panose="02040503050406030204" pitchFamily="18" charset="0"/>
+                                  <a:cs typeface="Times New Roman" panose="02020603050405020304" pitchFamily="18" charset="0"/>
+                                </a:rPr>
+                                <m:t>𝜀</m:t>
+                              </m:r>
+                            </m:e>
+                            <m:sub>
+                              <m:r>
+                                <a:rPr lang="en-US" sz="2400" b="0" i="1" smtClean="0">
+                                  <a:latin typeface="Cambria Math" panose="02040503050406030204" pitchFamily="18" charset="0"/>
+                                  <a:cs typeface="Times New Roman" panose="02020603050405020304" pitchFamily="18" charset="0"/>
+                                </a:rPr>
+                                <m:t>𝑛𝑗</m:t>
+                              </m:r>
+                            </m:sub>
+                          </m:sSub>
+                        </m:e>
+                      </m:d>
+                      <m:r>
+                        <a:rPr lang="en-US" sz="2400" b="0" i="1" smtClean="0">
+                          <a:latin typeface="Cambria Math" panose="02040503050406030204" pitchFamily="18" charset="0"/>
+                          <a:cs typeface="Times New Roman" panose="02020603050405020304" pitchFamily="18" charset="0"/>
+                        </a:rPr>
+                        <m:t>=</m:t>
+                      </m:r>
+                      <m:sSup>
+                        <m:sSupPr>
+                          <m:ctrlPr>
+                            <a:rPr lang="en-US" sz="2400" b="0" i="1" smtClean="0">
+                              <a:latin typeface="Cambria Math" panose="02040503050406030204" pitchFamily="18" charset="0"/>
+                              <a:cs typeface="Times New Roman" panose="02020603050405020304" pitchFamily="18" charset="0"/>
+                            </a:rPr>
+                          </m:ctrlPr>
+                        </m:sSupPr>
+                        <m:e>
+                          <m:r>
+                            <a:rPr lang="en-US" sz="2400" b="0" i="1" smtClean="0">
+                              <a:latin typeface="Cambria Math" panose="02040503050406030204" pitchFamily="18" charset="0"/>
+                              <a:cs typeface="Times New Roman" panose="02020603050405020304" pitchFamily="18" charset="0"/>
+                            </a:rPr>
+                            <m:t>𝑒</m:t>
+                          </m:r>
+                        </m:e>
+                        <m:sup>
+                          <m:r>
+                            <a:rPr lang="en-US" sz="2400" b="0" i="1" smtClean="0">
+                              <a:latin typeface="Cambria Math" panose="02040503050406030204" pitchFamily="18" charset="0"/>
+                              <a:cs typeface="Times New Roman" panose="02020603050405020304" pitchFamily="18" charset="0"/>
+                            </a:rPr>
+                            <m:t>−</m:t>
+                          </m:r>
+                          <m:sSub>
+                            <m:sSubPr>
+                              <m:ctrlPr>
+                                <a:rPr lang="en-US" sz="2400" b="0" i="1" smtClean="0">
+                                  <a:latin typeface="Cambria Math" panose="02040503050406030204" pitchFamily="18" charset="0"/>
+                                  <a:cs typeface="Times New Roman" panose="02020603050405020304" pitchFamily="18" charset="0"/>
+                                </a:rPr>
+                              </m:ctrlPr>
+                            </m:sSubPr>
+                            <m:e>
+                              <m:r>
+                                <a:rPr lang="en-US" sz="2400" b="0" i="1" smtClean="0">
+                                  <a:latin typeface="Cambria Math" panose="02040503050406030204" pitchFamily="18" charset="0"/>
+                                  <a:cs typeface="Times New Roman" panose="02020603050405020304" pitchFamily="18" charset="0"/>
+                                </a:rPr>
+                                <m:t>𝜀</m:t>
+                              </m:r>
+                            </m:e>
+                            <m:sub>
+                              <m:r>
+                                <a:rPr lang="en-US" sz="2400" b="0" i="1" smtClean="0">
+                                  <a:latin typeface="Cambria Math" panose="02040503050406030204" pitchFamily="18" charset="0"/>
+                                  <a:cs typeface="Times New Roman" panose="02020603050405020304" pitchFamily="18" charset="0"/>
+                                </a:rPr>
+                                <m:t>𝑛𝑗</m:t>
+                              </m:r>
+                            </m:sub>
+                          </m:sSub>
+                        </m:sup>
+                      </m:sSup>
+                      <m:sSup>
+                        <m:sSupPr>
+                          <m:ctrlPr>
+                            <a:rPr lang="en-US" sz="2400" b="0" i="1" smtClean="0">
+                              <a:latin typeface="Cambria Math" panose="02040503050406030204" pitchFamily="18" charset="0"/>
+                              <a:cs typeface="Times New Roman" panose="02020603050405020304" pitchFamily="18" charset="0"/>
+                            </a:rPr>
+                          </m:ctrlPr>
+                        </m:sSupPr>
+                        <m:e>
+                          <m:r>
+                            <a:rPr lang="en-US" sz="2400" b="0" i="1" smtClean="0">
+                              <a:latin typeface="Cambria Math" panose="02040503050406030204" pitchFamily="18" charset="0"/>
+                              <a:cs typeface="Times New Roman" panose="02020603050405020304" pitchFamily="18" charset="0"/>
+                            </a:rPr>
+                            <m:t>𝑒</m:t>
+                          </m:r>
+                        </m:e>
+                        <m:sup>
+                          <m:r>
+                            <a:rPr lang="en-US" sz="2400" b="0" i="1" smtClean="0">
+                              <a:latin typeface="Cambria Math" panose="02040503050406030204" pitchFamily="18" charset="0"/>
+                              <a:cs typeface="Times New Roman" panose="02020603050405020304" pitchFamily="18" charset="0"/>
+                            </a:rPr>
+                            <m:t>−</m:t>
+                          </m:r>
+                          <m:sSup>
+                            <m:sSupPr>
+                              <m:ctrlPr>
+                                <a:rPr lang="en-US" sz="2400" i="1">
+                                  <a:latin typeface="Cambria Math" panose="02040503050406030204" pitchFamily="18" charset="0"/>
+                                  <a:cs typeface="Times New Roman" panose="02020603050405020304" pitchFamily="18" charset="0"/>
+                                </a:rPr>
+                              </m:ctrlPr>
+                            </m:sSupPr>
+                            <m:e>
+                              <m:r>
+                                <a:rPr lang="en-US" sz="2400" i="1">
+                                  <a:latin typeface="Cambria Math" panose="02040503050406030204" pitchFamily="18" charset="0"/>
+                                  <a:cs typeface="Times New Roman" panose="02020603050405020304" pitchFamily="18" charset="0"/>
+                                </a:rPr>
+                                <m:t>𝑒</m:t>
+                              </m:r>
+                            </m:e>
+                            <m:sup>
+                              <m:r>
+                                <a:rPr lang="en-US" sz="2400" i="1">
+                                  <a:latin typeface="Cambria Math" panose="02040503050406030204" pitchFamily="18" charset="0"/>
+                                  <a:cs typeface="Times New Roman" panose="02020603050405020304" pitchFamily="18" charset="0"/>
+                                </a:rPr>
+                                <m:t>−</m:t>
+                              </m:r>
+                              <m:sSub>
+                                <m:sSubPr>
+                                  <m:ctrlPr>
+                                    <a:rPr lang="en-US" sz="2400" i="1">
+                                      <a:latin typeface="Cambria Math" panose="02040503050406030204" pitchFamily="18" charset="0"/>
+                                      <a:cs typeface="Times New Roman" panose="02020603050405020304" pitchFamily="18" charset="0"/>
+                                    </a:rPr>
+                                  </m:ctrlPr>
+                                </m:sSubPr>
+                                <m:e>
+                                  <m:r>
+                                    <a:rPr lang="en-US" sz="2400" i="1">
+                                      <a:latin typeface="Cambria Math" panose="02040503050406030204" pitchFamily="18" charset="0"/>
+                                      <a:cs typeface="Times New Roman" panose="02020603050405020304" pitchFamily="18" charset="0"/>
+                                    </a:rPr>
+                                    <m:t>𝜀</m:t>
+                                  </m:r>
+                                </m:e>
+                                <m:sub>
+                                  <m:r>
+                                    <a:rPr lang="en-US" sz="2400" i="1">
+                                      <a:latin typeface="Cambria Math" panose="02040503050406030204" pitchFamily="18" charset="0"/>
+                                      <a:cs typeface="Times New Roman" panose="02020603050405020304" pitchFamily="18" charset="0"/>
+                                    </a:rPr>
+                                    <m:t>𝑛𝑗</m:t>
+                                  </m:r>
+                                </m:sub>
+                              </m:sSub>
+                            </m:sup>
+                          </m:sSup>
+                        </m:sup>
+                      </m:sSup>
+                    </m:oMath>
+                  </m:oMathPara>
+                </a14:m>
+                <a:endParaRPr lang="en-US" sz="2400" dirty="0">
+                  <a:cs typeface="Times New Roman" panose="02020603050405020304" pitchFamily="18" charset="0"/>
+                </a:endParaRPr>
+              </a:p>
+            </p:txBody>
+          </p:sp>
+        </mc:Choice>
+        <mc:Fallback>
+          <p:sp>
+            <p:nvSpPr>
+              <p:cNvPr id="3" name="Content Placeholder 2"/>
+              <p:cNvSpPr>
+                <a:spLocks noGrp="1" noRot="1" noChangeAspect="1" noMove="1" noResize="1" noEditPoints="1" noAdjustHandles="1" noChangeArrowheads="1" noChangeShapeType="1" noTextEdit="1"/>
+              </p:cNvSpPr>
+              <p:nvPr>
+                <p:ph idx="1"/>
+              </p:nvPr>
+            </p:nvSpPr>
+            <p:spPr>
+              <a:xfrm>
+                <a:off x="609601" y="1066801"/>
+                <a:ext cx="10439400" cy="5141388"/>
+              </a:xfrm>
+              <a:blipFill>
+                <a:blip r:embed="rId3"/>
+                <a:stretch>
+                  <a:fillRect/>
+                </a:stretch>
+              </a:blipFill>
+            </p:spPr>
+            <p:txBody>
+              <a:bodyPr/>
+              <a:lstStyle/>
+              <a:p>
+                <a:r>
+                  <a:rPr lang="en-US">
+                    <a:noFill/>
+                  </a:rPr>
+                  <a:t> </a:t>
+                </a:r>
+              </a:p>
+            </p:txBody>
+          </p:sp>
+        </mc:Fallback>
+      </mc:AlternateContent>
+      <p:sp>
+        <p:nvSpPr>
+          <p:cNvPr id="4" name="AutoShape 2" descr="Extreme Value Distribution - 1.70.0">
+            <a:extLst>
+              <a:ext uri="{FF2B5EF4-FFF2-40B4-BE49-F238E27FC236}">
+                <a16:creationId xmlns:a16="http://schemas.microsoft.com/office/drawing/2014/main" id="{5417D63C-E78A-A243-D3F8-885F7A8D9EA9}"/>
+              </a:ext>
+            </a:extLst>
+          </p:cNvPr>
+          <p:cNvSpPr>
+            <a:spLocks noChangeAspect="1" noChangeArrowheads="1"/>
+          </p:cNvSpPr>
+          <p:nvPr/>
+        </p:nvSpPr>
+        <p:spPr bwMode="auto">
+          <a:xfrm>
+            <a:off x="5943600" y="3276600"/>
+            <a:ext cx="304800" cy="304800"/>
+          </a:xfrm>
+          <a:prstGeom prst="rect">
+            <a:avLst/>
+          </a:prstGeom>
+          <a:noFill/>
+          <a:extLst>
+            <a:ext uri="{909E8E84-426E-40DD-AFC4-6F175D3DCCD1}">
+              <a14:hiddenFill xmlns:a14="http://schemas.microsoft.com/office/drawing/2010/main">
+                <a:solidFill>
+                  <a:srgbClr val="FFFFFF"/>
+                </a:solidFill>
+              </a14:hiddenFill>
+            </a:ext>
+          </a:extLst>
+        </p:spPr>
+        <p:txBody>
+          <a:bodyPr vert="horz" wrap="square" lIns="91440" tIns="45720" rIns="91440" bIns="45720" numCol="1" anchor="t" anchorCtr="0" compatLnSpc="1">
+            <a:prstTxWarp prst="textNoShape">
+              <a:avLst/>
+            </a:prstTxWarp>
+          </a:bodyPr>
+          <a:lstStyle/>
+          <a:p>
+            <a:endParaRPr lang="en-US"/>
+          </a:p>
+        </p:txBody>
+      </p:sp>
+      <p:sp>
+        <p:nvSpPr>
+          <p:cNvPr id="5" name="AutoShape 2" descr="Extreme Value Distribution - 1.70.0">
+            <a:extLst>
+              <a:ext uri="{FF2B5EF4-FFF2-40B4-BE49-F238E27FC236}">
+                <a16:creationId xmlns:a16="http://schemas.microsoft.com/office/drawing/2014/main" id="{AA2C50B9-9831-471D-E4D7-68C47A45A6DF}"/>
+              </a:ext>
+            </a:extLst>
+          </p:cNvPr>
+          <p:cNvSpPr>
+            <a:spLocks noChangeAspect="1" noChangeArrowheads="1"/>
+          </p:cNvSpPr>
+          <p:nvPr/>
+        </p:nvSpPr>
+        <p:spPr bwMode="auto">
+          <a:xfrm>
+            <a:off x="6096000" y="3429000"/>
+            <a:ext cx="9144000" cy="9144000"/>
+          </a:xfrm>
+          <a:prstGeom prst="rect">
+            <a:avLst/>
+          </a:prstGeom>
+          <a:noFill/>
+          <a:extLst>
+            <a:ext uri="{909E8E84-426E-40DD-AFC4-6F175D3DCCD1}">
+              <a14:hiddenFill xmlns:a14="http://schemas.microsoft.com/office/drawing/2010/main">
+                <a:solidFill>
+                  <a:srgbClr val="FFFFFF"/>
+                </a:solidFill>
+              </a14:hiddenFill>
+            </a:ext>
+          </a:extLst>
+        </p:spPr>
+        <p:txBody>
+          <a:bodyPr vert="horz" wrap="square" lIns="91440" tIns="45720" rIns="91440" bIns="45720" numCol="1" anchor="t" anchorCtr="0" compatLnSpc="1">
+            <a:prstTxWarp prst="textNoShape">
+              <a:avLst/>
+            </a:prstTxWarp>
+          </a:bodyPr>
+          <a:lstStyle/>
+          <a:p>
+            <a:endParaRPr lang="en-US"/>
+          </a:p>
+        </p:txBody>
+      </p:sp>
+      <p:pic>
+        <p:nvPicPr>
+          <p:cNvPr id="5124" name="Picture 4" descr="1.3.6.6.16. Extreme Value Type I Distribution">
+            <a:extLst>
+              <a:ext uri="{FF2B5EF4-FFF2-40B4-BE49-F238E27FC236}">
+                <a16:creationId xmlns:a16="http://schemas.microsoft.com/office/drawing/2014/main" id="{C961BB78-1707-4425-50AC-42E0BB6E9839}"/>
+              </a:ext>
+            </a:extLst>
+          </p:cNvPr>
+          <p:cNvPicPr>
+            <a:picLocks noChangeAspect="1" noChangeArrowheads="1"/>
+          </p:cNvPicPr>
+          <p:nvPr/>
+        </p:nvPicPr>
+        <p:blipFill>
+          <a:blip r:embed="rId4">
+            <a:extLst>
+              <a:ext uri="{28A0092B-C50C-407E-A947-70E740481C1C}">
+                <a14:useLocalDpi xmlns:a14="http://schemas.microsoft.com/office/drawing/2010/main" val="0"/>
+              </a:ext>
+            </a:extLst>
+          </a:blip>
+          <a:srcRect/>
+          <a:stretch>
+            <a:fillRect/>
+          </a:stretch>
+        </p:blipFill>
+        <p:spPr bwMode="auto">
+          <a:xfrm>
+            <a:off x="609600" y="1676400"/>
+            <a:ext cx="7447859" cy="5486400"/>
+          </a:xfrm>
+          <a:prstGeom prst="rect">
+            <a:avLst/>
+          </a:prstGeom>
+          <a:noFill/>
+          <a:extLst>
+            <a:ext uri="{909E8E84-426E-40DD-AFC4-6F175D3DCCD1}">
+              <a14:hiddenFill xmlns:a14="http://schemas.microsoft.com/office/drawing/2010/main">
+                <a:solidFill>
+                  <a:srgbClr val="FFFFFF"/>
+                </a:solidFill>
+              </a14:hiddenFill>
+            </a:ext>
+          </a:extLst>
+        </p:spPr>
+      </p:pic>
+    </p:spTree>
+    <p:extLst>
+      <p:ext uri="{BB962C8B-B14F-4D97-AF65-F5344CB8AC3E}">
+        <p14:creationId xmlns:p14="http://schemas.microsoft.com/office/powerpoint/2010/main" val="583923271"/>
+      </p:ext>
+    </p:extLst>
+  </p:cSld>
+  <p:clrMapOvr>
+    <a:masterClrMapping/>
+  </p:clrMapOvr>
+</p:sld>
+</file>
+
+<file path=ppt/slides/slide25.xml><?xml version="1.0" encoding="utf-8"?>
+<p:sld xmlns:a="http://schemas.openxmlformats.org/drawingml/2006/main" xmlns:r="http://schemas.openxmlformats.org/officeDocument/2006/relationships" xmlns:p="http://schemas.openxmlformats.org/presentationml/2006/main">
+  <p:cSld>
+    <p:spTree>
+      <p:nvGrpSpPr>
+        <p:cNvPr id="1" name=""/>
+        <p:cNvGrpSpPr/>
+        <p:nvPr/>
+      </p:nvGrpSpPr>
+      <p:grpSpPr>
+        <a:xfrm>
+          <a:off x="0" y="0"/>
+          <a:ext cx="0" cy="0"/>
+          <a:chOff x="0" y="0"/>
+          <a:chExt cx="0" cy="0"/>
+        </a:xfrm>
+      </p:grpSpPr>
+      <p:sp>
+        <p:nvSpPr>
+          <p:cNvPr id="2" name="Title 1"/>
+          <p:cNvSpPr>
+            <a:spLocks noGrp="1"/>
+          </p:cNvSpPr>
+          <p:nvPr>
+            <p:ph type="title"/>
+          </p:nvPr>
+        </p:nvSpPr>
+        <p:spPr>
+          <a:xfrm>
+            <a:off x="609600" y="272077"/>
+            <a:ext cx="10439400" cy="624840"/>
+          </a:xfrm>
+        </p:spPr>
+        <p:txBody>
+          <a:bodyPr>
+            <a:noAutofit/>
+          </a:bodyPr>
+          <a:lstStyle/>
+          <a:p>
+            <a:r>
+              <a:rPr lang="en-US" sz="3600" dirty="0">
                 <a:latin typeface="Times New Roman" panose="02020603050405020304" pitchFamily="18" charset="0"/>
                 <a:cs typeface="Times New Roman" panose="02020603050405020304" pitchFamily="18" charset="0"/>
               </a:rPr>
@@ -14691,8 +15456,8 @@
           </a:p>
         </p:txBody>
       </p:sp>
-      <mc:AlternateContent xmlns:mc="http://schemas.openxmlformats.org/markup-compatibility/2006">
-        <mc:Choice xmlns:a14="http://schemas.microsoft.com/office/drawing/2010/main" Requires="a14">
+      <mc:AlternateContent xmlns:mc="http://schemas.openxmlformats.org/markup-compatibility/2006" xmlns:a14="http://schemas.microsoft.com/office/drawing/2010/main">
+        <mc:Choice Requires="a14">
           <p:sp>
             <p:nvSpPr>
               <p:cNvPr id="3" name="Content Placeholder 2"/>
@@ -14796,7 +15561,7 @@
                       <m:f>
                         <m:fPr>
                           <m:ctrlPr>
-                            <a:rPr lang="en-CA" sz="2400" b="0" i="0" smtClean="0">
+                            <a:rPr lang="en-CA" sz="2400" b="0" i="1" smtClean="0">
                               <a:latin typeface="Cambria Math" panose="02040503050406030204" pitchFamily="18" charset="0"/>
                               <a:cs typeface="Times New Roman" panose="02020603050405020304" pitchFamily="18" charset="0"/>
                             </a:rPr>
@@ -14816,7 +15581,7 @@
                           <m:d>
                             <m:dPr>
                               <m:ctrlPr>
-                                <a:rPr lang="en-CA" sz="2400" b="0" i="0" smtClean="0">
+                                <a:rPr lang="en-CA" sz="2400" b="0" i="1" smtClean="0">
                                   <a:latin typeface="Cambria Math" panose="02040503050406030204" pitchFamily="18" charset="0"/>
                                   <a:cs typeface="Times New Roman" panose="02020603050405020304" pitchFamily="18" charset="0"/>
                                 </a:rPr>
@@ -15113,7 +15878,7 @@
                           <m:d>
                             <m:dPr>
                               <m:ctrlPr>
-                                <a:rPr lang="en-CA" sz="2400" b="0" i="0" smtClean="0">
+                                <a:rPr lang="en-CA" sz="2400" b="0" i="1" smtClean="0">
                                   <a:latin typeface="Cambria Math" panose="02040503050406030204" pitchFamily="18" charset="0"/>
                                   <a:cs typeface="Times New Roman" panose="02020603050405020304" pitchFamily="18" charset="0"/>
                                 </a:rPr>
@@ -15396,7 +16161,7 @@
             </p:txBody>
           </p:sp>
         </mc:Choice>
-        <mc:Fallback>
+        <mc:Fallback xmlns="">
           <p:sp>
             <p:nvSpPr>
               <p:cNvPr id="3" name="Content Placeholder 2"/>
@@ -15447,7 +16212,7 @@
 </p:sld>
 </file>
 
-<file path=ppt/slides/slide25.xml><?xml version="1.0" encoding="utf-8"?>
+<file path=ppt/slides/slide26.xml><?xml version="1.0" encoding="utf-8"?>
 <p:sld xmlns:a="http://schemas.openxmlformats.org/drawingml/2006/main" xmlns:r="http://schemas.openxmlformats.org/officeDocument/2006/relationships" xmlns:p="http://schemas.openxmlformats.org/presentationml/2006/main">
   <p:cSld>
     <p:spTree>
@@ -15611,7 +16376,7 @@
                       <m:f>
                         <m:fPr>
                           <m:ctrlPr>
-                            <a:rPr lang="en-CA" sz="2400" b="0" i="0" smtClean="0">
+                            <a:rPr lang="en-CA" sz="2400" b="0" i="1" smtClean="0">
                               <a:latin typeface="Cambria Math" panose="02040503050406030204" pitchFamily="18" charset="0"/>
                               <a:cs typeface="Times New Roman" panose="02020603050405020304" pitchFamily="18" charset="0"/>
                             </a:rPr>
@@ -15631,7 +16396,7 @@
                           <m:d>
                             <m:dPr>
                               <m:ctrlPr>
-                                <a:rPr lang="en-CA" sz="2400" b="0" i="0" smtClean="0">
+                                <a:rPr lang="en-CA" sz="2400" b="0" i="1" smtClean="0">
                                   <a:latin typeface="Cambria Math" panose="02040503050406030204" pitchFamily="18" charset="0"/>
                                   <a:cs typeface="Times New Roman" panose="02020603050405020304" pitchFamily="18" charset="0"/>
                                 </a:rPr>
@@ -15928,7 +16693,7 @@
                           <m:d>
                             <m:dPr>
                               <m:ctrlPr>
-                                <a:rPr lang="en-CA" sz="2400" b="0" i="0" smtClean="0">
+                                <a:rPr lang="en-CA" sz="2400" b="0" i="1" smtClean="0">
                                   <a:latin typeface="Cambria Math" panose="02040503050406030204" pitchFamily="18" charset="0"/>
                                   <a:cs typeface="Times New Roman" panose="02020603050405020304" pitchFamily="18" charset="0"/>
                                 </a:rPr>
@@ -16690,6 +17455,146 @@
                   <a:cs typeface="Times New Roman" panose="02020603050405020304" pitchFamily="18" charset="0"/>
                 </a:endParaRPr>
               </a:p>
+              <a:p>
+                <a:r>
+                  <a:rPr lang="en-US" sz="2400" dirty="0">
+                    <a:cs typeface="Times New Roman" panose="02020603050405020304" pitchFamily="18" charset="0"/>
+                  </a:rPr>
+                  <a:t>Notice that </a:t>
+                </a:r>
+                <a14:m>
+                  <m:oMath xmlns:m="http://schemas.openxmlformats.org/officeDocument/2006/math">
+                    <m:r>
+                      <a:rPr lang="en-US" sz="2400" b="0" i="1" smtClean="0">
+                        <a:latin typeface="Cambria Math" panose="02040503050406030204" pitchFamily="18" charset="0"/>
+                        <a:cs typeface="Times New Roman" panose="02020603050405020304" pitchFamily="18" charset="0"/>
+                      </a:rPr>
+                      <m:t>𝑊</m:t>
+                    </m:r>
+                  </m:oMath>
+                </a14:m>
+                <a:r>
+                  <a:rPr lang="en-US" sz="2400" dirty="0">
+                    <a:cs typeface="Times New Roman" panose="02020603050405020304" pitchFamily="18" charset="0"/>
+                  </a:rPr>
+                  <a:t> changes with </a:t>
+                </a:r>
+                <a14:m>
+                  <m:oMath xmlns:m="http://schemas.openxmlformats.org/officeDocument/2006/math">
+                    <m:r>
+                      <a:rPr lang="en-US" sz="2400" b="0" i="1" smtClean="0">
+                        <a:latin typeface="Cambria Math" panose="02040503050406030204" pitchFamily="18" charset="0"/>
+                        <a:cs typeface="Times New Roman" panose="02020603050405020304" pitchFamily="18" charset="0"/>
+                      </a:rPr>
+                      <m:t>𝜃</m:t>
+                    </m:r>
+                  </m:oMath>
+                </a14:m>
+                <a:endParaRPr lang="en-US" sz="2400" dirty="0">
+                  <a:cs typeface="Times New Roman" panose="02020603050405020304" pitchFamily="18" charset="0"/>
+                </a:endParaRPr>
+              </a:p>
+              <a:p>
+                <a:r>
+                  <a:rPr lang="en-US" sz="2400" dirty="0">
+                    <a:cs typeface="Times New Roman" panose="02020603050405020304" pitchFamily="18" charset="0"/>
+                  </a:rPr>
+                  <a:t>Patients pick </a:t>
+                </a:r>
+                <a14:m>
+                  <m:oMath xmlns:m="http://schemas.openxmlformats.org/officeDocument/2006/math">
+                    <m:sSub>
+                      <m:sSubPr>
+                        <m:ctrlPr>
+                          <a:rPr lang="en-US" sz="2400" b="0" i="1" smtClean="0">
+                            <a:latin typeface="Cambria Math" panose="02040503050406030204" pitchFamily="18" charset="0"/>
+                            <a:cs typeface="Times New Roman" panose="02020603050405020304" pitchFamily="18" charset="0"/>
+                          </a:rPr>
+                        </m:ctrlPr>
+                      </m:sSubPr>
+                      <m:e>
+                        <m:r>
+                          <a:rPr lang="en-US" sz="2400" b="0" i="1" smtClean="0">
+                            <a:latin typeface="Cambria Math" panose="02040503050406030204" pitchFamily="18" charset="0"/>
+                            <a:cs typeface="Times New Roman" panose="02020603050405020304" pitchFamily="18" charset="0"/>
+                          </a:rPr>
+                          <m:t>𝐽</m:t>
+                        </m:r>
+                      </m:e>
+                      <m:sub>
+                        <m:r>
+                          <a:rPr lang="en-US" sz="2400" b="0" i="1" smtClean="0">
+                            <a:latin typeface="Cambria Math" panose="02040503050406030204" pitchFamily="18" charset="0"/>
+                            <a:cs typeface="Times New Roman" panose="02020603050405020304" pitchFamily="18" charset="0"/>
+                          </a:rPr>
+                          <m:t>h</m:t>
+                        </m:r>
+                      </m:sub>
+                    </m:sSub>
+                  </m:oMath>
+                </a14:m>
+                <a:r>
+                  <a:rPr lang="en-US" sz="2400" dirty="0">
+                    <a:cs typeface="Times New Roman" panose="02020603050405020304" pitchFamily="18" charset="0"/>
+                  </a:rPr>
+                  <a:t> that gives the highest </a:t>
+                </a:r>
+                <a14:m>
+                  <m:oMath xmlns:m="http://schemas.openxmlformats.org/officeDocument/2006/math">
+                    <m:sSub>
+                      <m:sSubPr>
+                        <m:ctrlPr>
+                          <a:rPr lang="en-US" sz="2400" b="0" i="1" smtClean="0">
+                            <a:latin typeface="Cambria Math" panose="02040503050406030204" pitchFamily="18" charset="0"/>
+                            <a:cs typeface="Times New Roman" panose="02020603050405020304" pitchFamily="18" charset="0"/>
+                          </a:rPr>
+                        </m:ctrlPr>
+                      </m:sSubPr>
+                      <m:e>
+                        <m:r>
+                          <a:rPr lang="en-US" sz="2400" b="0" i="1" smtClean="0">
+                            <a:latin typeface="Cambria Math" panose="02040503050406030204" pitchFamily="18" charset="0"/>
+                            <a:cs typeface="Times New Roman" panose="02020603050405020304" pitchFamily="18" charset="0"/>
+                          </a:rPr>
+                          <m:t>𝑊</m:t>
+                        </m:r>
+                      </m:e>
+                      <m:sub>
+                        <m:r>
+                          <a:rPr lang="en-US" sz="2400" b="0" i="1" smtClean="0">
+                            <a:latin typeface="Cambria Math" panose="02040503050406030204" pitchFamily="18" charset="0"/>
+                            <a:cs typeface="Times New Roman" panose="02020603050405020304" pitchFamily="18" charset="0"/>
+                          </a:rPr>
+                          <m:t>𝑖</m:t>
+                        </m:r>
+                      </m:sub>
+                    </m:sSub>
+                  </m:oMath>
+                </a14:m>
+                <a:r>
+                  <a:rPr lang="en-US" sz="2400" dirty="0">
+                    <a:cs typeface="Times New Roman" panose="02020603050405020304" pitchFamily="18" charset="0"/>
+                  </a:rPr>
+                  <a:t>, based on values of </a:t>
+                </a:r>
+                <a14:m>
+                  <m:oMath xmlns:m="http://schemas.openxmlformats.org/officeDocument/2006/math">
+                    <m:r>
+                      <a:rPr lang="en-US" sz="2400" b="0" i="1" smtClean="0">
+                        <a:latin typeface="Cambria Math" panose="02040503050406030204" pitchFamily="18" charset="0"/>
+                        <a:cs typeface="Times New Roman" panose="02020603050405020304" pitchFamily="18" charset="0"/>
+                      </a:rPr>
+                      <m:t>𝜃</m:t>
+                    </m:r>
+                  </m:oMath>
+                </a14:m>
+                <a:r>
+                  <a:rPr lang="en-US" sz="2400" dirty="0">
+                    <a:cs typeface="Times New Roman" panose="02020603050405020304" pitchFamily="18" charset="0"/>
+                  </a:rPr>
+                  <a:t>. </a:t>
+                </a:r>
+              </a:p>
             </p:txBody>
           </p:sp>
         </mc:Choice>
@@ -16721,7 +17626,7 @@
               <a:lstStyle/>
               <a:p>
                 <a:r>
-                  <a:rPr lang="en-CA">
+                  <a:rPr lang="en-US">
                     <a:noFill/>
                   </a:rPr>
                   <a:t> </a:t>
@@ -16744,7 +17649,7 @@
 </p:sld>
 </file>
 
-<file path=ppt/slides/slide26.xml><?xml version="1.0" encoding="utf-8"?>
+<file path=ppt/slides/slide27.xml><?xml version="1.0" encoding="utf-8"?>
 <p:sld xmlns:a="http://schemas.openxmlformats.org/drawingml/2006/main" xmlns:r="http://schemas.openxmlformats.org/officeDocument/2006/relationships" xmlns:p="http://schemas.openxmlformats.org/presentationml/2006/main">
   <p:cSld>
     <p:spTree>
@@ -16788,7 +17693,7 @@
                 <a:latin typeface="Times New Roman" panose="02020603050405020304" pitchFamily="18" charset="0"/>
                 <a:cs typeface="Times New Roman" panose="02020603050405020304" pitchFamily="18" charset="0"/>
               </a:rPr>
-              <a:t>Patient-</a:t>
+              <a:t>Side note: Patient-</a:t>
             </a:r>
             <a:r>
               <a:rPr lang="en-US" sz="3600" b="1" dirty="0">
@@ -16817,8 +17722,8 @@
           </a:p>
         </p:txBody>
       </p:sp>
-      <mc:AlternateContent xmlns:mc="http://schemas.openxmlformats.org/markup-compatibility/2006">
-        <mc:Choice xmlns:a14="http://schemas.microsoft.com/office/drawing/2010/main" Requires="a14">
+      <mc:AlternateContent xmlns:mc="http://schemas.openxmlformats.org/markup-compatibility/2006" xmlns:a14="http://schemas.microsoft.com/office/drawing/2010/main">
+        <mc:Choice Requires="a14">
           <p:sp>
             <p:nvSpPr>
               <p:cNvPr id="3" name="Content Placeholder 2"/>
@@ -17257,14 +18162,7 @@
                               <a:latin typeface="Cambria Math" panose="02040503050406030204" pitchFamily="18" charset="0"/>
                               <a:cs typeface="Times New Roman" panose="02020603050405020304" pitchFamily="18" charset="0"/>
                             </a:rPr>
-                            <m:t>𝑖</m:t>
-                          </m:r>
-                          <m:r>
-                            <a:rPr lang="en-CA" sz="2400" b="0" i="1" smtClean="0">
-                              <a:latin typeface="Cambria Math" panose="02040503050406030204" pitchFamily="18" charset="0"/>
-                              <a:cs typeface="Times New Roman" panose="02020603050405020304" pitchFamily="18" charset="0"/>
-                            </a:rPr>
-                            <m:t>h</m:t>
+                            <m:t>𝑖h</m:t>
                           </m:r>
                         </m:sub>
                       </m:sSub>
@@ -17348,7 +18246,7 @@
             </p:txBody>
           </p:sp>
         </mc:Choice>
-        <mc:Fallback>
+        <mc:Fallback xmlns="">
           <p:sp>
             <p:nvSpPr>
               <p:cNvPr id="3" name="Content Placeholder 2"/>
@@ -17399,7 +18297,7 @@
 </p:sld>
 </file>
 
-<file path=ppt/slides/slide27.xml><?xml version="1.0" encoding="utf-8"?>
+<file path=ppt/slides/slide28.xml><?xml version="1.0" encoding="utf-8"?>
 <p:sld xmlns:a="http://schemas.openxmlformats.org/drawingml/2006/main" xmlns:r="http://schemas.openxmlformats.org/officeDocument/2006/relationships" xmlns:p="http://schemas.openxmlformats.org/presentationml/2006/main">
   <p:cSld>
     <p:spTree>
@@ -17443,7 +18341,7 @@
                 <a:latin typeface="Times New Roman" panose="02020603050405020304" pitchFamily="18" charset="0"/>
                 <a:cs typeface="Times New Roman" panose="02020603050405020304" pitchFamily="18" charset="0"/>
               </a:rPr>
-              <a:t>Patient-</a:t>
+              <a:t>Side note: Patient-</a:t>
             </a:r>
             <a:r>
               <a:rPr lang="en-US" sz="3600" b="1" dirty="0">
@@ -17912,14 +18810,7 @@
                               <a:latin typeface="Cambria Math" panose="02040503050406030204" pitchFamily="18" charset="0"/>
                               <a:cs typeface="Times New Roman" panose="02020603050405020304" pitchFamily="18" charset="0"/>
                             </a:rPr>
-                            <m:t>𝑖</m:t>
-                          </m:r>
-                          <m:r>
-                            <a:rPr lang="en-CA" sz="2400" b="0" i="1" smtClean="0">
-                              <a:latin typeface="Cambria Math" panose="02040503050406030204" pitchFamily="18" charset="0"/>
-                              <a:cs typeface="Times New Roman" panose="02020603050405020304" pitchFamily="18" charset="0"/>
-                            </a:rPr>
-                            <m:t>h</m:t>
+                            <m:t>𝑖h</m:t>
                           </m:r>
                         </m:sub>
                       </m:sSub>
@@ -17973,7 +18864,15 @@
                   <a:rPr lang="en-US" sz="2400" dirty="0">
                     <a:cs typeface="Times New Roman" panose="02020603050405020304" pitchFamily="18" charset="0"/>
                   </a:rPr>
-                  <a:t> Fixed effect (what does this capture)? </a:t>
+                  <a:t> </a:t>
+                </a:r>
+              </a:p>
+              <a:p>
+                <a:r>
+                  <a:rPr lang="en-US" sz="2400" dirty="0">
+                    <a:cs typeface="Times New Roman" panose="02020603050405020304" pitchFamily="18" charset="0"/>
+                  </a:rPr>
+                  <a:t>Fixed effect (what does this capture)? </a:t>
                 </a:r>
               </a:p>
               <a:p>
@@ -18043,14 +18942,7 @@
                               <a:latin typeface="Cambria Math" panose="02040503050406030204" pitchFamily="18" charset="0"/>
                               <a:cs typeface="Times New Roman" panose="02020603050405020304" pitchFamily="18" charset="0"/>
                             </a:rPr>
-                            <m:t>𝑖</m:t>
-                          </m:r>
-                          <m:r>
-                            <a:rPr lang="en-CA" sz="2400" b="0" i="1" smtClean="0">
-                              <a:latin typeface="Cambria Math" panose="02040503050406030204" pitchFamily="18" charset="0"/>
-                              <a:cs typeface="Times New Roman" panose="02020603050405020304" pitchFamily="18" charset="0"/>
-                            </a:rPr>
-                            <m:t>h</m:t>
+                            <m:t>𝑖h</m:t>
                           </m:r>
                         </m:sub>
                       </m:sSub>
@@ -18278,14 +19170,7 @@
                                           <a:latin typeface="Cambria Math" panose="02040503050406030204" pitchFamily="18" charset="0"/>
                                           <a:cs typeface="Times New Roman" panose="02020603050405020304" pitchFamily="18" charset="0"/>
                                         </a:rPr>
-                                        <m:t>𝑖</m:t>
-                                      </m:r>
-                                      <m:r>
-                                        <a:rPr lang="en-CA" sz="2400" b="0" i="1" smtClean="0">
-                                          <a:latin typeface="Cambria Math" panose="02040503050406030204" pitchFamily="18" charset="0"/>
-                                          <a:cs typeface="Times New Roman" panose="02020603050405020304" pitchFamily="18" charset="0"/>
-                                        </a:rPr>
-                                        <m:t>h</m:t>
+                                        <m:t>𝑖h</m:t>
                                       </m:r>
                                     </m:sub>
                                   </m:sSub>
@@ -18469,7 +19354,7 @@
               <a:lstStyle/>
               <a:p>
                 <a:r>
-                  <a:rPr lang="en-CA">
+                  <a:rPr lang="en-US">
                     <a:noFill/>
                   </a:rPr>
                   <a:t> </a:t>
@@ -18492,7 +19377,7 @@
 </p:sld>
 </file>
 
-<file path=ppt/slides/slide28.xml><?xml version="1.0" encoding="utf-8"?>
+<file path=ppt/slides/slide29.xml><?xml version="1.0" encoding="utf-8"?>
 <p:sld xmlns:a="http://schemas.openxmlformats.org/drawingml/2006/main" xmlns:r="http://schemas.openxmlformats.org/officeDocument/2006/relationships" xmlns:p="http://schemas.openxmlformats.org/presentationml/2006/main">
   <p:cSld>
     <p:spTree>
@@ -18536,7 +19421,7 @@
                 <a:latin typeface="Times New Roman" panose="02020603050405020304" pitchFamily="18" charset="0"/>
                 <a:cs typeface="Times New Roman" panose="02020603050405020304" pitchFamily="18" charset="0"/>
               </a:rPr>
-              <a:t>Patient-</a:t>
+              <a:t>Side note: Patient-</a:t>
             </a:r>
             <a:r>
               <a:rPr lang="en-US" sz="3600" b="1" dirty="0">
@@ -19059,7 +19944,15 @@
                   <a:rPr lang="en-US" sz="2400" dirty="0">
                     <a:cs typeface="Times New Roman" panose="02020603050405020304" pitchFamily="18" charset="0"/>
                   </a:rPr>
-                  <a:t> Fixed effect (what does this capture)? </a:t>
+                  <a:t> </a:t>
+                </a:r>
+              </a:p>
+              <a:p>
+                <a:r>
+                  <a:rPr lang="en-US" sz="2400" dirty="0">
+                    <a:cs typeface="Times New Roman" panose="02020603050405020304" pitchFamily="18" charset="0"/>
+                  </a:rPr>
+                  <a:t>Fixed effect (what does this capture)? </a:t>
                 </a:r>
               </a:p>
               <a:p>
@@ -19597,7 +20490,7 @@
               <a:lstStyle/>
               <a:p>
                 <a:r>
-                  <a:rPr lang="en-CA">
+                  <a:rPr lang="en-US">
                     <a:noFill/>
                   </a:rPr>
                   <a:t> </a:t>
@@ -19620,7 +20513,7 @@
 </p:sld>
 </file>
 
-<file path=ppt/slides/slide29.xml><?xml version="1.0" encoding="utf-8"?>
+<file path=ppt/slides/slide3.xml><?xml version="1.0" encoding="utf-8"?>
 <p:sld xmlns:a="http://schemas.openxmlformats.org/drawingml/2006/main" xmlns:r="http://schemas.openxmlformats.org/officeDocument/2006/relationships" xmlns:p="http://schemas.openxmlformats.org/presentationml/2006/main">
   <p:cSld>
     <p:spTree>
@@ -19660,28 +20553,361 @@
           <a:lstStyle/>
           <a:p>
             <a:r>
+              <a:rPr lang="en-US" sz="3600">
+                <a:cs typeface="Times New Roman" panose="02020603050405020304" pitchFamily="18" charset="0"/>
+              </a:rPr>
+              <a:t>What do we mean by a competitive equilibrium?</a:t>
+            </a:r>
+            <a:endParaRPr lang="en-US" sz="3600" dirty="0">
+              <a:latin typeface="Times New Roman" panose="02020603050405020304" pitchFamily="18" charset="0"/>
+              <a:cs typeface="Times New Roman" panose="02020603050405020304" pitchFamily="18" charset="0"/>
+            </a:endParaRPr>
+          </a:p>
+        </p:txBody>
+      </p:sp>
+      <p:sp>
+        <p:nvSpPr>
+          <p:cNvPr id="3" name="Content Placeholder 2"/>
+          <p:cNvSpPr>
+            <a:spLocks noGrp="1"/>
+          </p:cNvSpPr>
+          <p:nvPr>
+            <p:ph idx="1"/>
+          </p:nvPr>
+        </p:nvSpPr>
+        <p:spPr>
+          <a:xfrm>
+            <a:off x="609601" y="1066801"/>
+            <a:ext cx="10439400" cy="5141388"/>
+          </a:xfrm>
+        </p:spPr>
+        <p:txBody>
+          <a:bodyPr>
+            <a:noAutofit/>
+          </a:bodyPr>
+          <a:lstStyle/>
+          <a:p>
+            <a:r>
+              <a:rPr lang="en-US" sz="2400" dirty="0">
+                <a:cs typeface="Times New Roman" panose="02020603050405020304" pitchFamily="18" charset="0"/>
+              </a:rPr>
+              <a:t>Competitive equilibria balance </a:t>
+            </a:r>
+            <a:r>
+              <a:rPr lang="en-US" sz="2400" b="1" dirty="0">
+                <a:solidFill>
+                  <a:schemeClr val="accent2">
+                    <a:lumMod val="75000"/>
+                  </a:schemeClr>
+                </a:solidFill>
+                <a:cs typeface="Times New Roman" panose="02020603050405020304" pitchFamily="18" charset="0"/>
+              </a:rPr>
+              <a:t>supply forces </a:t>
+            </a:r>
+            <a:r>
+              <a:rPr lang="en-US" sz="2400" dirty="0">
+                <a:cs typeface="Times New Roman" panose="02020603050405020304" pitchFamily="18" charset="0"/>
+              </a:rPr>
+              <a:t>and </a:t>
+            </a:r>
+            <a:r>
+              <a:rPr lang="en-US" sz="2400" b="1" dirty="0">
+                <a:solidFill>
+                  <a:schemeClr val="accent3">
+                    <a:lumMod val="75000"/>
+                  </a:schemeClr>
+                </a:solidFill>
+                <a:cs typeface="Times New Roman" panose="02020603050405020304" pitchFamily="18" charset="0"/>
+              </a:rPr>
+              <a:t>demand forces</a:t>
+            </a:r>
+          </a:p>
+          <a:p>
+            <a:pPr marL="731520" lvl="1" indent="-457200">
+              <a:buAutoNum type="arabicPeriod"/>
+            </a:pPr>
+            <a:r>
+              <a:rPr lang="en-US" sz="2200" b="1" dirty="0">
+                <a:solidFill>
+                  <a:schemeClr val="accent3">
+                    <a:lumMod val="75000"/>
+                  </a:schemeClr>
+                </a:solidFill>
+                <a:cs typeface="Times New Roman" panose="02020603050405020304" pitchFamily="18" charset="0"/>
+              </a:rPr>
+              <a:t>Consumers maximize (constrained) utility </a:t>
+            </a:r>
+          </a:p>
+          <a:p>
+            <a:pPr marL="731520" lvl="1" indent="-457200">
+              <a:buAutoNum type="arabicPeriod"/>
+            </a:pPr>
+            <a:r>
+              <a:rPr lang="en-US" sz="2200" b="1" dirty="0">
+                <a:solidFill>
+                  <a:schemeClr val="accent2">
+                    <a:lumMod val="75000"/>
+                  </a:schemeClr>
+                </a:solidFill>
+                <a:cs typeface="Times New Roman" panose="02020603050405020304" pitchFamily="18" charset="0"/>
+              </a:rPr>
+              <a:t>Suppliers maximize (altruistic) profits</a:t>
+            </a:r>
+          </a:p>
+          <a:p>
+            <a:pPr marL="731520" lvl="1" indent="-457200">
+              <a:buAutoNum type="arabicPeriod"/>
+            </a:pPr>
+            <a:r>
+              <a:rPr lang="en-US" sz="2200" b="1" dirty="0">
+                <a:solidFill>
+                  <a:schemeClr val="tx1"/>
+                </a:solidFill>
+                <a:cs typeface="Times New Roman" panose="02020603050405020304" pitchFamily="18" charset="0"/>
+              </a:rPr>
+              <a:t>Markets clear (no excess demand or supply) </a:t>
+            </a:r>
+          </a:p>
+          <a:p>
+            <a:pPr marL="731520" lvl="1" indent="-457200">
+              <a:buAutoNum type="arabicPeriod"/>
+            </a:pPr>
+            <a:endParaRPr lang="en-US" sz="2200" b="1" dirty="0">
+              <a:solidFill>
+                <a:schemeClr val="tx1"/>
+              </a:solidFill>
+              <a:cs typeface="Times New Roman" panose="02020603050405020304" pitchFamily="18" charset="0"/>
+            </a:endParaRPr>
+          </a:p>
+          <a:p>
+            <a:pPr marL="274320" lvl="1" indent="0">
+              <a:buNone/>
+            </a:pPr>
+            <a:endParaRPr lang="en-US" sz="2200" dirty="0">
+              <a:solidFill>
+                <a:schemeClr val="tx1"/>
+              </a:solidFill>
+              <a:cs typeface="Times New Roman" panose="02020603050405020304" pitchFamily="18" charset="0"/>
+            </a:endParaRPr>
+          </a:p>
+          <a:p>
+            <a:pPr marL="274320" lvl="1" indent="0">
+              <a:buNone/>
+            </a:pPr>
+            <a:endParaRPr lang="en-US" sz="2200" dirty="0">
+              <a:solidFill>
+                <a:schemeClr val="tx1"/>
+              </a:solidFill>
+              <a:cs typeface="Times New Roman" panose="02020603050405020304" pitchFamily="18" charset="0"/>
+            </a:endParaRPr>
+          </a:p>
+          <a:p>
+            <a:pPr marL="274320" lvl="1" indent="0">
+              <a:buNone/>
+            </a:pPr>
+            <a:endParaRPr lang="en-US" sz="2200" dirty="0">
+              <a:solidFill>
+                <a:schemeClr val="tx1"/>
+              </a:solidFill>
+              <a:cs typeface="Times New Roman" panose="02020603050405020304" pitchFamily="18" charset="0"/>
+            </a:endParaRPr>
+          </a:p>
+          <a:p>
+            <a:pPr marL="274320" lvl="1" indent="0">
+              <a:buNone/>
+            </a:pPr>
+            <a:endParaRPr lang="en-US" sz="2200" dirty="0">
+              <a:solidFill>
+                <a:schemeClr val="tx1"/>
+              </a:solidFill>
+              <a:cs typeface="Times New Roman" panose="02020603050405020304" pitchFamily="18" charset="0"/>
+            </a:endParaRPr>
+          </a:p>
+          <a:p>
+            <a:pPr marL="274320" lvl="1" indent="0">
+              <a:buNone/>
+            </a:pPr>
+            <a:endParaRPr lang="en-US" sz="2200" dirty="0">
+              <a:solidFill>
+                <a:schemeClr val="tx1"/>
+              </a:solidFill>
+              <a:cs typeface="Times New Roman" panose="02020603050405020304" pitchFamily="18" charset="0"/>
+            </a:endParaRPr>
+          </a:p>
+          <a:p>
+            <a:pPr marL="274320" lvl="1" indent="0">
+              <a:buNone/>
+            </a:pPr>
+            <a:endParaRPr lang="en-US" sz="2200" dirty="0">
+              <a:solidFill>
+                <a:schemeClr val="tx1"/>
+              </a:solidFill>
+              <a:cs typeface="Times New Roman" panose="02020603050405020304" pitchFamily="18" charset="0"/>
+            </a:endParaRPr>
+          </a:p>
+          <a:p>
+            <a:pPr marL="274320" lvl="1" indent="0">
+              <a:buNone/>
+            </a:pPr>
+            <a:endParaRPr lang="en-US" sz="2200" dirty="0">
+              <a:solidFill>
+                <a:schemeClr val="tx1"/>
+              </a:solidFill>
+              <a:cs typeface="Times New Roman" panose="02020603050405020304" pitchFamily="18" charset="0"/>
+            </a:endParaRPr>
+          </a:p>
+          <a:p>
+            <a:pPr marL="274320" lvl="1" indent="0">
+              <a:buNone/>
+            </a:pPr>
+            <a:endParaRPr lang="en-US" sz="2200" dirty="0">
+              <a:solidFill>
+                <a:schemeClr val="tx1"/>
+              </a:solidFill>
+              <a:cs typeface="Times New Roman" panose="02020603050405020304" pitchFamily="18" charset="0"/>
+            </a:endParaRPr>
+          </a:p>
+          <a:p>
+            <a:pPr marL="274320" lvl="1" indent="0">
+              <a:buNone/>
+            </a:pPr>
+            <a:r>
+              <a:rPr lang="en-US" sz="2200" dirty="0">
+                <a:solidFill>
+                  <a:schemeClr val="tx1"/>
+                </a:solidFill>
+                <a:cs typeface="Times New Roman" panose="02020603050405020304" pitchFamily="18" charset="0"/>
+              </a:rPr>
+              <a:t>What does this look like in a healthcare setting? </a:t>
+            </a:r>
+          </a:p>
+        </p:txBody>
+      </p:sp>
+      <p:pic>
+        <p:nvPicPr>
+          <p:cNvPr id="1028" name="Picture 4" descr="a) Explain, using a diagram to illustrate your answer, how reducing output  below the competitive equilibrium reduces total welfare. (b) Given the  following demand and supply curve equations: Q_s = - |">
+            <a:extLst>
+              <a:ext uri="{FF2B5EF4-FFF2-40B4-BE49-F238E27FC236}">
+                <a16:creationId xmlns:a16="http://schemas.microsoft.com/office/drawing/2014/main" id="{7EB8E89A-8A8D-723B-8D9D-A34C71174235}"/>
+              </a:ext>
+            </a:extLst>
+          </p:cNvPr>
+          <p:cNvPicPr>
+            <a:picLocks noChangeAspect="1" noChangeArrowheads="1"/>
+          </p:cNvPicPr>
+          <p:nvPr/>
+        </p:nvPicPr>
+        <p:blipFill>
+          <a:blip r:embed="rId3">
+            <a:extLst>
+              <a:ext uri="{28A0092B-C50C-407E-A947-70E740481C1C}">
+                <a14:useLocalDpi xmlns:a14="http://schemas.microsoft.com/office/drawing/2010/main" val="0"/>
+              </a:ext>
+            </a:extLst>
+          </a:blip>
+          <a:srcRect/>
+          <a:stretch>
+            <a:fillRect/>
+          </a:stretch>
+        </p:blipFill>
+        <p:spPr bwMode="auto">
+          <a:xfrm>
+            <a:off x="838200" y="2743200"/>
+            <a:ext cx="3962400" cy="3371850"/>
+          </a:xfrm>
+          <a:prstGeom prst="rect">
+            <a:avLst/>
+          </a:prstGeom>
+          <a:noFill/>
+          <a:extLst>
+            <a:ext uri="{909E8E84-426E-40DD-AFC4-6F175D3DCCD1}">
+              <a14:hiddenFill xmlns:a14="http://schemas.microsoft.com/office/drawing/2010/main">
+                <a:solidFill>
+                  <a:srgbClr val="FFFFFF"/>
+                </a:solidFill>
+              </a14:hiddenFill>
+            </a:ext>
+          </a:extLst>
+        </p:spPr>
+      </p:pic>
+    </p:spTree>
+    <p:extLst>
+      <p:ext uri="{BB962C8B-B14F-4D97-AF65-F5344CB8AC3E}">
+        <p14:creationId xmlns:p14="http://schemas.microsoft.com/office/powerpoint/2010/main" val="1815560423"/>
+      </p:ext>
+    </p:extLst>
+  </p:cSld>
+  <p:clrMapOvr>
+    <a:masterClrMapping/>
+  </p:clrMapOvr>
+</p:sld>
+</file>
+
+<file path=ppt/slides/slide30.xml><?xml version="1.0" encoding="utf-8"?>
+<p:sld xmlns:a="http://schemas.openxmlformats.org/drawingml/2006/main" xmlns:r="http://schemas.openxmlformats.org/officeDocument/2006/relationships" xmlns:p="http://schemas.openxmlformats.org/presentationml/2006/main">
+  <p:cSld>
+    <p:spTree>
+      <p:nvGrpSpPr>
+        <p:cNvPr id="1" name=""/>
+        <p:cNvGrpSpPr/>
+        <p:nvPr/>
+      </p:nvGrpSpPr>
+      <p:grpSpPr>
+        <a:xfrm>
+          <a:off x="0" y="0"/>
+          <a:ext cx="0" cy="0"/>
+          <a:chOff x="0" y="0"/>
+          <a:chExt cx="0" cy="0"/>
+        </a:xfrm>
+      </p:grpSpPr>
+      <p:sp>
+        <p:nvSpPr>
+          <p:cNvPr id="2" name="Title 1"/>
+          <p:cNvSpPr>
+            <a:spLocks noGrp="1"/>
+          </p:cNvSpPr>
+          <p:nvPr>
+            <p:ph type="title"/>
+          </p:nvPr>
+        </p:nvSpPr>
+        <p:spPr>
+          <a:xfrm>
+            <a:off x="609600" y="272077"/>
+            <a:ext cx="10439400" cy="624840"/>
+          </a:xfrm>
+        </p:spPr>
+        <p:txBody>
+          <a:bodyPr>
+            <a:noAutofit/>
+          </a:bodyPr>
+          <a:lstStyle/>
+          <a:p>
+            <a:r>
               <a:rPr lang="en-US" sz="3600" dirty="0">
                 <a:latin typeface="Times New Roman" panose="02020603050405020304" pitchFamily="18" charset="0"/>
                 <a:cs typeface="Times New Roman" panose="02020603050405020304" pitchFamily="18" charset="0"/>
               </a:rPr>
-              <a:t>Now for the fun part: </a:t>
+              <a:t>How do </a:t>
             </a:r>
             <a:r>
               <a:rPr lang="en-US" sz="3600" b="1" dirty="0">
                 <a:latin typeface="Times New Roman" panose="02020603050405020304" pitchFamily="18" charset="0"/>
                 <a:cs typeface="Times New Roman" panose="02020603050405020304" pitchFamily="18" charset="0"/>
               </a:rPr>
-              <a:t>Bargaining</a:t>
+              <a:t>plans</a:t>
             </a:r>
-            <a:endParaRPr lang="en-US" sz="3600" dirty="0">
-              <a:latin typeface="Times New Roman" panose="02020603050405020304" pitchFamily="18" charset="0"/>
-              <a:cs typeface="Times New Roman" panose="02020603050405020304" pitchFamily="18" charset="0"/>
-            </a:endParaRPr>
+            <a:r>
+              <a:rPr lang="en-US" sz="3600" dirty="0">
+                <a:latin typeface="Times New Roman" panose="02020603050405020304" pitchFamily="18" charset="0"/>
+                <a:cs typeface="Times New Roman" panose="02020603050405020304" pitchFamily="18" charset="0"/>
+              </a:rPr>
+              <a:t> choose features?</a:t>
+            </a:r>
           </a:p>
         </p:txBody>
       </p:sp>
-      <mc:AlternateContent xmlns:mc="http://schemas.openxmlformats.org/markup-compatibility/2006">
-        <mc:Choice xmlns:a14="http://schemas.microsoft.com/office/drawing/2010/main" Requires="a14">
+      <mc:AlternateContent xmlns:mc="http://schemas.openxmlformats.org/markup-compatibility/2006" xmlns:a14="http://schemas.microsoft.com/office/drawing/2010/main">
+        <mc:Choice Requires="a14">
           <p:sp>
             <p:nvSpPr>
               <p:cNvPr id="3" name="Content Placeholder 2"/>
@@ -19943,14 +21169,7 @@
                                       <a:latin typeface="Cambria Math" panose="02040503050406030204" pitchFamily="18" charset="0"/>
                                       <a:cs typeface="Times New Roman" panose="02020603050405020304" pitchFamily="18" charset="0"/>
                                     </a:rPr>
-                                    <m:t>𝑗</m:t>
-                                  </m:r>
-                                  <m:r>
-                                    <a:rPr lang="en-CA" sz="2400" b="0" i="1" smtClean="0">
-                                      <a:latin typeface="Cambria Math" panose="02040503050406030204" pitchFamily="18" charset="0"/>
-                                      <a:cs typeface="Times New Roman" panose="02020603050405020304" pitchFamily="18" charset="0"/>
-                                    </a:rPr>
-                                    <m:t>h</m:t>
+                                    <m:t>𝑗h</m:t>
                                   </m:r>
                                 </m:sub>
                               </m:sSub>
@@ -19978,14 +21197,7 @@
                                       <a:latin typeface="Cambria Math" panose="02040503050406030204" pitchFamily="18" charset="0"/>
                                       <a:cs typeface="Times New Roman" panose="02020603050405020304" pitchFamily="18" charset="0"/>
                                     </a:rPr>
-                                    <m:t>𝑗</m:t>
-                                  </m:r>
-                                  <m:r>
-                                    <a:rPr lang="en-CA" sz="2400" b="0" i="1" smtClean="0">
-                                      <a:latin typeface="Cambria Math" panose="02040503050406030204" pitchFamily="18" charset="0"/>
-                                      <a:cs typeface="Times New Roman" panose="02020603050405020304" pitchFamily="18" charset="0"/>
-                                    </a:rPr>
-                                    <m:t>h</m:t>
+                                    <m:t>𝑗h</m:t>
                                   </m:r>
                                 </m:sub>
                               </m:sSub>
@@ -20103,7 +21315,7 @@
             </p:txBody>
           </p:sp>
         </mc:Choice>
-        <mc:Fallback>
+        <mc:Fallback xmlns="">
           <p:sp>
             <p:nvSpPr>
               <p:cNvPr id="3" name="Content Placeholder 2"/>
@@ -20154,711 +21366,7 @@
 </p:sld>
 </file>
 
-<file path=ppt/slides/slide3.xml><?xml version="1.0" encoding="utf-8"?>
-<p:sld xmlns:a="http://schemas.openxmlformats.org/drawingml/2006/main" xmlns:r="http://schemas.openxmlformats.org/officeDocument/2006/relationships" xmlns:p="http://schemas.openxmlformats.org/presentationml/2006/main">
-  <p:cSld>
-    <p:spTree>
-      <p:nvGrpSpPr>
-        <p:cNvPr id="1" name=""/>
-        <p:cNvGrpSpPr/>
-        <p:nvPr/>
-      </p:nvGrpSpPr>
-      <p:grpSpPr>
-        <a:xfrm>
-          <a:off x="0" y="0"/>
-          <a:ext cx="0" cy="0"/>
-          <a:chOff x="0" y="0"/>
-          <a:chExt cx="0" cy="0"/>
-        </a:xfrm>
-      </p:grpSpPr>
-      <p:sp>
-        <p:nvSpPr>
-          <p:cNvPr id="2" name="Title 1"/>
-          <p:cNvSpPr>
-            <a:spLocks noGrp="1"/>
-          </p:cNvSpPr>
-          <p:nvPr>
-            <p:ph type="title"/>
-          </p:nvPr>
-        </p:nvSpPr>
-        <p:spPr>
-          <a:xfrm>
-            <a:off x="609600" y="272078"/>
-            <a:ext cx="8915400" cy="624840"/>
-          </a:xfrm>
-        </p:spPr>
-        <p:txBody>
-          <a:bodyPr>
-            <a:normAutofit fontScale="90000"/>
-          </a:bodyPr>
-          <a:lstStyle/>
-          <a:p>
-            <a:r>
-              <a:rPr lang="en-US" dirty="0">
-                <a:solidFill>
-                  <a:schemeClr val="accent2">
-                    <a:lumMod val="75000"/>
-                  </a:schemeClr>
-                </a:solidFill>
-                <a:cs typeface="Times New Roman" panose="02020603050405020304" pitchFamily="18" charset="0"/>
-              </a:rPr>
-              <a:t>Last time: Patient-Physician Interactions</a:t>
-            </a:r>
-            <a:endParaRPr lang="en-US" dirty="0">
-              <a:solidFill>
-                <a:schemeClr val="accent2">
-                  <a:lumMod val="75000"/>
-                </a:schemeClr>
-              </a:solidFill>
-              <a:latin typeface="Times New Roman" panose="02020603050405020304" pitchFamily="18" charset="0"/>
-              <a:cs typeface="Times New Roman" panose="02020603050405020304" pitchFamily="18" charset="0"/>
-            </a:endParaRPr>
-          </a:p>
-        </p:txBody>
-      </p:sp>
-      <p:sp>
-        <p:nvSpPr>
-          <p:cNvPr id="5" name="Content Placeholder 2">
-            <a:extLst>
-              <a:ext uri="{FF2B5EF4-FFF2-40B4-BE49-F238E27FC236}">
-                <a16:creationId xmlns:a16="http://schemas.microsoft.com/office/drawing/2014/main" id="{D52D31A3-19BE-0C56-23AB-F009C1779EED}"/>
-              </a:ext>
-            </a:extLst>
-          </p:cNvPr>
-          <p:cNvSpPr txBox="1">
-            <a:spLocks/>
-          </p:cNvSpPr>
-          <p:nvPr/>
-        </p:nvSpPr>
-        <p:spPr>
-          <a:xfrm>
-            <a:off x="876300" y="929575"/>
-            <a:ext cx="10439400" cy="2154348"/>
-          </a:xfrm>
-          <a:prstGeom prst="rect">
-            <a:avLst/>
-          </a:prstGeom>
-        </p:spPr>
-        <p:txBody>
-          <a:bodyPr vert="horz" lIns="91440" tIns="45720" rIns="91440" bIns="45720" rtlCol="0">
-            <a:noAutofit/>
-          </a:bodyPr>
-          <a:lstStyle>
-            <a:lvl1pPr marL="182880" indent="-182880" algn="l" defTabSz="914400" rtl="0" eaLnBrk="1" latinLnBrk="0" hangingPunct="1">
-              <a:lnSpc>
-                <a:spcPct val="95000"/>
-              </a:lnSpc>
-              <a:spcBef>
-                <a:spcPts val="1400"/>
-              </a:spcBef>
-              <a:spcAft>
-                <a:spcPts val="200"/>
-              </a:spcAft>
-              <a:buClr>
-                <a:schemeClr val="accent1"/>
-              </a:buClr>
-              <a:buSzPct val="80000"/>
-              <a:buFont typeface="Arial" pitchFamily="34" charset="0"/>
-              <a:buChar char="•"/>
-              <a:defRPr sz="1800" kern="1200" spc="10" baseline="0">
-                <a:solidFill>
-                  <a:schemeClr val="tx1"/>
-                </a:solidFill>
-                <a:latin typeface="Times New Roman" panose="02020603050405020304" pitchFamily="18" charset="0"/>
-                <a:ea typeface="+mn-ea"/>
-                <a:cs typeface="+mn-cs"/>
-              </a:defRPr>
-            </a:lvl1pPr>
-            <a:lvl2pPr marL="457200" indent="-182880" algn="l" defTabSz="914400" rtl="0" eaLnBrk="1" latinLnBrk="0" hangingPunct="1">
-              <a:lnSpc>
-                <a:spcPct val="90000"/>
-              </a:lnSpc>
-              <a:spcBef>
-                <a:spcPts val="300"/>
-              </a:spcBef>
-              <a:spcAft>
-                <a:spcPts val="300"/>
-              </a:spcAft>
-              <a:buClr>
-                <a:schemeClr val="accent1"/>
-              </a:buClr>
-              <a:buFont typeface="Wingdings 2" pitchFamily="18" charset="2"/>
-              <a:buChar char=""/>
-              <a:defRPr sz="1600" kern="1200">
-                <a:solidFill>
-                  <a:schemeClr val="tx1">
-                    <a:lumMod val="85000"/>
-                    <a:lumOff val="15000"/>
-                  </a:schemeClr>
-                </a:solidFill>
-                <a:latin typeface="Times New Roman" panose="02020603050405020304" pitchFamily="18" charset="0"/>
-                <a:ea typeface="+mn-ea"/>
-                <a:cs typeface="+mn-cs"/>
-              </a:defRPr>
-            </a:lvl2pPr>
-            <a:lvl3pPr marL="731520" indent="-182880" algn="l" defTabSz="914400" rtl="0" eaLnBrk="1" latinLnBrk="0" hangingPunct="1">
-              <a:lnSpc>
-                <a:spcPct val="90000"/>
-              </a:lnSpc>
-              <a:spcBef>
-                <a:spcPts val="300"/>
-              </a:spcBef>
-              <a:spcAft>
-                <a:spcPts val="300"/>
-              </a:spcAft>
-              <a:buClr>
-                <a:schemeClr val="accent1"/>
-              </a:buClr>
-              <a:buFont typeface="Wingdings 2" pitchFamily="18" charset="2"/>
-              <a:buChar char=""/>
-              <a:defRPr sz="1400" kern="1200">
-                <a:solidFill>
-                  <a:schemeClr val="tx1">
-                    <a:lumMod val="85000"/>
-                    <a:lumOff val="15000"/>
-                  </a:schemeClr>
-                </a:solidFill>
-                <a:latin typeface="Times New Roman" panose="02020603050405020304" pitchFamily="18" charset="0"/>
-                <a:ea typeface="+mn-ea"/>
-                <a:cs typeface="+mn-cs"/>
-              </a:defRPr>
-            </a:lvl3pPr>
-            <a:lvl4pPr marL="1005840" indent="-182880" algn="l" defTabSz="914400" rtl="0" eaLnBrk="1" latinLnBrk="0" hangingPunct="1">
-              <a:lnSpc>
-                <a:spcPct val="90000"/>
-              </a:lnSpc>
-              <a:spcBef>
-                <a:spcPts val="300"/>
-              </a:spcBef>
-              <a:spcAft>
-                <a:spcPts val="300"/>
-              </a:spcAft>
-              <a:buClr>
-                <a:schemeClr val="accent1"/>
-              </a:buClr>
-              <a:buFont typeface="Wingdings 2" pitchFamily="18" charset="2"/>
-              <a:buChar char=""/>
-              <a:defRPr sz="1400" kern="1200">
-                <a:solidFill>
-                  <a:schemeClr val="tx1">
-                    <a:lumMod val="85000"/>
-                    <a:lumOff val="15000"/>
-                  </a:schemeClr>
-                </a:solidFill>
-                <a:latin typeface="Times New Roman" panose="02020603050405020304" pitchFamily="18" charset="0"/>
-                <a:ea typeface="+mn-ea"/>
-                <a:cs typeface="+mn-cs"/>
-              </a:defRPr>
-            </a:lvl4pPr>
-            <a:lvl5pPr marL="1280160" indent="-182880" algn="l" defTabSz="914400" rtl="0" eaLnBrk="1" latinLnBrk="0" hangingPunct="1">
-              <a:lnSpc>
-                <a:spcPct val="90000"/>
-              </a:lnSpc>
-              <a:spcBef>
-                <a:spcPts val="300"/>
-              </a:spcBef>
-              <a:spcAft>
-                <a:spcPts val="300"/>
-              </a:spcAft>
-              <a:buClr>
-                <a:schemeClr val="accent1"/>
-              </a:buClr>
-              <a:buFont typeface="Wingdings 2" pitchFamily="18" charset="2"/>
-              <a:buChar char=""/>
-              <a:defRPr sz="1400" kern="1200">
-                <a:solidFill>
-                  <a:schemeClr val="tx1">
-                    <a:lumMod val="85000"/>
-                    <a:lumOff val="15000"/>
-                  </a:schemeClr>
-                </a:solidFill>
-                <a:latin typeface="Times New Roman" panose="02020603050405020304" pitchFamily="18" charset="0"/>
-                <a:ea typeface="+mn-ea"/>
-                <a:cs typeface="+mn-cs"/>
-              </a:defRPr>
-            </a:lvl5pPr>
-            <a:lvl6pPr marL="1600000" indent="-228600" algn="l" defTabSz="914400" rtl="0" eaLnBrk="1" latinLnBrk="0" hangingPunct="1">
-              <a:lnSpc>
-                <a:spcPct val="90000"/>
-              </a:lnSpc>
-              <a:spcBef>
-                <a:spcPts val="300"/>
-              </a:spcBef>
-              <a:spcAft>
-                <a:spcPts val="300"/>
-              </a:spcAft>
-              <a:buClr>
-                <a:schemeClr val="accent1"/>
-              </a:buClr>
-              <a:buFont typeface="Wingdings 2" pitchFamily="18" charset="2"/>
-              <a:buChar char=""/>
-              <a:defRPr sz="1400" kern="1200">
-                <a:solidFill>
-                  <a:schemeClr val="tx1">
-                    <a:lumMod val="85000"/>
-                    <a:lumOff val="15000"/>
-                  </a:schemeClr>
-                </a:solidFill>
-                <a:latin typeface="+mn-lt"/>
-                <a:ea typeface="+mn-ea"/>
-                <a:cs typeface="+mn-cs"/>
-              </a:defRPr>
-            </a:lvl6pPr>
-            <a:lvl7pPr marL="1900000" indent="-228600" algn="l" defTabSz="914400" rtl="0" eaLnBrk="1" latinLnBrk="0" hangingPunct="1">
-              <a:lnSpc>
-                <a:spcPct val="90000"/>
-              </a:lnSpc>
-              <a:spcBef>
-                <a:spcPts val="300"/>
-              </a:spcBef>
-              <a:spcAft>
-                <a:spcPts val="300"/>
-              </a:spcAft>
-              <a:buClr>
-                <a:schemeClr val="accent1"/>
-              </a:buClr>
-              <a:buFont typeface="Wingdings 2" pitchFamily="18" charset="2"/>
-              <a:buChar char=""/>
-              <a:defRPr sz="1400" kern="1200">
-                <a:solidFill>
-                  <a:schemeClr val="tx1">
-                    <a:lumMod val="85000"/>
-                    <a:lumOff val="15000"/>
-                  </a:schemeClr>
-                </a:solidFill>
-                <a:latin typeface="+mn-lt"/>
-                <a:ea typeface="+mn-ea"/>
-                <a:cs typeface="+mn-cs"/>
-              </a:defRPr>
-            </a:lvl7pPr>
-            <a:lvl8pPr marL="2200000" indent="-228600" algn="l" defTabSz="914400" rtl="0" eaLnBrk="1" latinLnBrk="0" hangingPunct="1">
-              <a:lnSpc>
-                <a:spcPct val="90000"/>
-              </a:lnSpc>
-              <a:spcBef>
-                <a:spcPts val="300"/>
-              </a:spcBef>
-              <a:spcAft>
-                <a:spcPts val="300"/>
-              </a:spcAft>
-              <a:buClr>
-                <a:schemeClr val="accent1"/>
-              </a:buClr>
-              <a:buFont typeface="Wingdings 2" pitchFamily="18" charset="2"/>
-              <a:buChar char=""/>
-              <a:defRPr sz="1400" kern="1200">
-                <a:solidFill>
-                  <a:schemeClr val="tx1">
-                    <a:lumMod val="85000"/>
-                    <a:lumOff val="15000"/>
-                  </a:schemeClr>
-                </a:solidFill>
-                <a:latin typeface="+mn-lt"/>
-                <a:ea typeface="+mn-ea"/>
-                <a:cs typeface="+mn-cs"/>
-              </a:defRPr>
-            </a:lvl8pPr>
-            <a:lvl9pPr marL="2500000" indent="-228600" algn="l" defTabSz="914400" rtl="0" eaLnBrk="1" latinLnBrk="0" hangingPunct="1">
-              <a:lnSpc>
-                <a:spcPct val="90000"/>
-              </a:lnSpc>
-              <a:spcBef>
-                <a:spcPts val="300"/>
-              </a:spcBef>
-              <a:spcAft>
-                <a:spcPts val="300"/>
-              </a:spcAft>
-              <a:buClr>
-                <a:schemeClr val="accent1"/>
-              </a:buClr>
-              <a:buFont typeface="Wingdings 2" pitchFamily="18" charset="2"/>
-              <a:buChar char=""/>
-              <a:defRPr sz="1400" kern="1200">
-                <a:solidFill>
-                  <a:schemeClr val="tx1">
-                    <a:lumMod val="85000"/>
-                    <a:lumOff val="15000"/>
-                  </a:schemeClr>
-                </a:solidFill>
-                <a:latin typeface="+mn-lt"/>
-                <a:ea typeface="+mn-ea"/>
-                <a:cs typeface="+mn-cs"/>
-              </a:defRPr>
-            </a:lvl9pPr>
-          </a:lstStyle>
-          <a:p>
-            <a:r>
-              <a:rPr lang="en-US" sz="2400" dirty="0">
-                <a:cs typeface="Times New Roman" panose="02020603050405020304" pitchFamily="18" charset="0"/>
-              </a:rPr>
-              <a:t>Notes?</a:t>
-            </a:r>
-          </a:p>
-        </p:txBody>
-      </p:sp>
-      <p:sp>
-        <p:nvSpPr>
-          <p:cNvPr id="3" name="Title 1">
-            <a:extLst>
-              <a:ext uri="{FF2B5EF4-FFF2-40B4-BE49-F238E27FC236}">
-                <a16:creationId xmlns:a16="http://schemas.microsoft.com/office/drawing/2014/main" id="{8B00CFD6-47D4-A5ED-8B83-09DCEAB85E25}"/>
-              </a:ext>
-            </a:extLst>
-          </p:cNvPr>
-          <p:cNvSpPr txBox="1">
-            <a:spLocks/>
-          </p:cNvSpPr>
-          <p:nvPr/>
-        </p:nvSpPr>
-        <p:spPr>
-          <a:xfrm>
-            <a:off x="597074" y="3116580"/>
-            <a:ext cx="7269480" cy="624840"/>
-          </a:xfrm>
-          <a:prstGeom prst="rect">
-            <a:avLst/>
-          </a:prstGeom>
-        </p:spPr>
-        <p:txBody>
-          <a:bodyPr vert="horz" lIns="91440" tIns="45720" rIns="91440" bIns="45720" rtlCol="0" anchor="b">
-            <a:normAutofit fontScale="90000" lnSpcReduction="10000"/>
-          </a:bodyPr>
-          <a:lstStyle>
-            <a:lvl1pPr algn="l" defTabSz="914400" rtl="0" eaLnBrk="1" latinLnBrk="0" hangingPunct="1">
-              <a:lnSpc>
-                <a:spcPct val="90000"/>
-              </a:lnSpc>
-              <a:spcBef>
-                <a:spcPct val="0"/>
-              </a:spcBef>
-              <a:buNone/>
-              <a:defRPr sz="4400" kern="1200" spc="-50" baseline="0">
-                <a:solidFill>
-                  <a:schemeClr val="tx1"/>
-                </a:solidFill>
-                <a:latin typeface="Times New Roman" panose="02020603050405020304" pitchFamily="18" charset="0"/>
-                <a:ea typeface="+mj-ea"/>
-                <a:cs typeface="+mj-cs"/>
-              </a:defRPr>
-            </a:lvl1pPr>
-          </a:lstStyle>
-          <a:p>
-            <a:r>
-              <a:rPr lang="en-US" dirty="0">
-                <a:solidFill>
-                  <a:schemeClr val="accent2">
-                    <a:lumMod val="75000"/>
-                  </a:schemeClr>
-                </a:solidFill>
-                <a:cs typeface="Times New Roman" panose="02020603050405020304" pitchFamily="18" charset="0"/>
-              </a:rPr>
-              <a:t>This time: Health Systems</a:t>
-            </a:r>
-          </a:p>
-        </p:txBody>
-      </p:sp>
-      <p:sp>
-        <p:nvSpPr>
-          <p:cNvPr id="4" name="Content Placeholder 2">
-            <a:extLst>
-              <a:ext uri="{FF2B5EF4-FFF2-40B4-BE49-F238E27FC236}">
-                <a16:creationId xmlns:a16="http://schemas.microsoft.com/office/drawing/2014/main" id="{503F776D-A7DB-4AED-9B16-D81631B561AC}"/>
-              </a:ext>
-            </a:extLst>
-          </p:cNvPr>
-          <p:cNvSpPr txBox="1">
-            <a:spLocks/>
-          </p:cNvSpPr>
-          <p:nvPr/>
-        </p:nvSpPr>
-        <p:spPr>
-          <a:xfrm>
-            <a:off x="609600" y="3774077"/>
-            <a:ext cx="10439400" cy="1661225"/>
-          </a:xfrm>
-          <a:prstGeom prst="rect">
-            <a:avLst/>
-          </a:prstGeom>
-        </p:spPr>
-        <p:txBody>
-          <a:bodyPr vert="horz" lIns="91440" tIns="45720" rIns="91440" bIns="45720" rtlCol="0">
-            <a:noAutofit/>
-          </a:bodyPr>
-          <a:lstStyle>
-            <a:lvl1pPr marL="182880" indent="-182880" algn="l" defTabSz="914400" rtl="0" eaLnBrk="1" latinLnBrk="0" hangingPunct="1">
-              <a:lnSpc>
-                <a:spcPct val="95000"/>
-              </a:lnSpc>
-              <a:spcBef>
-                <a:spcPts val="1400"/>
-              </a:spcBef>
-              <a:spcAft>
-                <a:spcPts val="200"/>
-              </a:spcAft>
-              <a:buClr>
-                <a:schemeClr val="accent1"/>
-              </a:buClr>
-              <a:buSzPct val="80000"/>
-              <a:buFont typeface="Arial" pitchFamily="34" charset="0"/>
-              <a:buChar char="•"/>
-              <a:defRPr sz="1800" kern="1200" spc="10" baseline="0">
-                <a:solidFill>
-                  <a:schemeClr val="tx1"/>
-                </a:solidFill>
-                <a:latin typeface="Times New Roman" panose="02020603050405020304" pitchFamily="18" charset="0"/>
-                <a:ea typeface="+mn-ea"/>
-                <a:cs typeface="+mn-cs"/>
-              </a:defRPr>
-            </a:lvl1pPr>
-            <a:lvl2pPr marL="457200" indent="-182880" algn="l" defTabSz="914400" rtl="0" eaLnBrk="1" latinLnBrk="0" hangingPunct="1">
-              <a:lnSpc>
-                <a:spcPct val="90000"/>
-              </a:lnSpc>
-              <a:spcBef>
-                <a:spcPts val="300"/>
-              </a:spcBef>
-              <a:spcAft>
-                <a:spcPts val="300"/>
-              </a:spcAft>
-              <a:buClr>
-                <a:schemeClr val="accent1"/>
-              </a:buClr>
-              <a:buFont typeface="Wingdings 2" pitchFamily="18" charset="2"/>
-              <a:buChar char=""/>
-              <a:defRPr sz="1600" kern="1200">
-                <a:solidFill>
-                  <a:schemeClr val="tx1">
-                    <a:lumMod val="85000"/>
-                    <a:lumOff val="15000"/>
-                  </a:schemeClr>
-                </a:solidFill>
-                <a:latin typeface="Times New Roman" panose="02020603050405020304" pitchFamily="18" charset="0"/>
-                <a:ea typeface="+mn-ea"/>
-                <a:cs typeface="+mn-cs"/>
-              </a:defRPr>
-            </a:lvl2pPr>
-            <a:lvl3pPr marL="731520" indent="-182880" algn="l" defTabSz="914400" rtl="0" eaLnBrk="1" latinLnBrk="0" hangingPunct="1">
-              <a:lnSpc>
-                <a:spcPct val="90000"/>
-              </a:lnSpc>
-              <a:spcBef>
-                <a:spcPts val="300"/>
-              </a:spcBef>
-              <a:spcAft>
-                <a:spcPts val="300"/>
-              </a:spcAft>
-              <a:buClr>
-                <a:schemeClr val="accent1"/>
-              </a:buClr>
-              <a:buFont typeface="Wingdings 2" pitchFamily="18" charset="2"/>
-              <a:buChar char=""/>
-              <a:defRPr sz="1400" kern="1200">
-                <a:solidFill>
-                  <a:schemeClr val="tx1">
-                    <a:lumMod val="85000"/>
-                    <a:lumOff val="15000"/>
-                  </a:schemeClr>
-                </a:solidFill>
-                <a:latin typeface="Times New Roman" panose="02020603050405020304" pitchFamily="18" charset="0"/>
-                <a:ea typeface="+mn-ea"/>
-                <a:cs typeface="+mn-cs"/>
-              </a:defRPr>
-            </a:lvl3pPr>
-            <a:lvl4pPr marL="1005840" indent="-182880" algn="l" defTabSz="914400" rtl="0" eaLnBrk="1" latinLnBrk="0" hangingPunct="1">
-              <a:lnSpc>
-                <a:spcPct val="90000"/>
-              </a:lnSpc>
-              <a:spcBef>
-                <a:spcPts val="300"/>
-              </a:spcBef>
-              <a:spcAft>
-                <a:spcPts val="300"/>
-              </a:spcAft>
-              <a:buClr>
-                <a:schemeClr val="accent1"/>
-              </a:buClr>
-              <a:buFont typeface="Wingdings 2" pitchFamily="18" charset="2"/>
-              <a:buChar char=""/>
-              <a:defRPr sz="1400" kern="1200">
-                <a:solidFill>
-                  <a:schemeClr val="tx1">
-                    <a:lumMod val="85000"/>
-                    <a:lumOff val="15000"/>
-                  </a:schemeClr>
-                </a:solidFill>
-                <a:latin typeface="Times New Roman" panose="02020603050405020304" pitchFamily="18" charset="0"/>
-                <a:ea typeface="+mn-ea"/>
-                <a:cs typeface="+mn-cs"/>
-              </a:defRPr>
-            </a:lvl4pPr>
-            <a:lvl5pPr marL="1280160" indent="-182880" algn="l" defTabSz="914400" rtl="0" eaLnBrk="1" latinLnBrk="0" hangingPunct="1">
-              <a:lnSpc>
-                <a:spcPct val="90000"/>
-              </a:lnSpc>
-              <a:spcBef>
-                <a:spcPts val="300"/>
-              </a:spcBef>
-              <a:spcAft>
-                <a:spcPts val="300"/>
-              </a:spcAft>
-              <a:buClr>
-                <a:schemeClr val="accent1"/>
-              </a:buClr>
-              <a:buFont typeface="Wingdings 2" pitchFamily="18" charset="2"/>
-              <a:buChar char=""/>
-              <a:defRPr sz="1400" kern="1200">
-                <a:solidFill>
-                  <a:schemeClr val="tx1">
-                    <a:lumMod val="85000"/>
-                    <a:lumOff val="15000"/>
-                  </a:schemeClr>
-                </a:solidFill>
-                <a:latin typeface="Times New Roman" panose="02020603050405020304" pitchFamily="18" charset="0"/>
-                <a:ea typeface="+mn-ea"/>
-                <a:cs typeface="+mn-cs"/>
-              </a:defRPr>
-            </a:lvl5pPr>
-            <a:lvl6pPr marL="1600000" indent="-228600" algn="l" defTabSz="914400" rtl="0" eaLnBrk="1" latinLnBrk="0" hangingPunct="1">
-              <a:lnSpc>
-                <a:spcPct val="90000"/>
-              </a:lnSpc>
-              <a:spcBef>
-                <a:spcPts val="300"/>
-              </a:spcBef>
-              <a:spcAft>
-                <a:spcPts val="300"/>
-              </a:spcAft>
-              <a:buClr>
-                <a:schemeClr val="accent1"/>
-              </a:buClr>
-              <a:buFont typeface="Wingdings 2" pitchFamily="18" charset="2"/>
-              <a:buChar char=""/>
-              <a:defRPr sz="1400" kern="1200">
-                <a:solidFill>
-                  <a:schemeClr val="tx1">
-                    <a:lumMod val="85000"/>
-                    <a:lumOff val="15000"/>
-                  </a:schemeClr>
-                </a:solidFill>
-                <a:latin typeface="+mn-lt"/>
-                <a:ea typeface="+mn-ea"/>
-                <a:cs typeface="+mn-cs"/>
-              </a:defRPr>
-            </a:lvl6pPr>
-            <a:lvl7pPr marL="1900000" indent="-228600" algn="l" defTabSz="914400" rtl="0" eaLnBrk="1" latinLnBrk="0" hangingPunct="1">
-              <a:lnSpc>
-                <a:spcPct val="90000"/>
-              </a:lnSpc>
-              <a:spcBef>
-                <a:spcPts val="300"/>
-              </a:spcBef>
-              <a:spcAft>
-                <a:spcPts val="300"/>
-              </a:spcAft>
-              <a:buClr>
-                <a:schemeClr val="accent1"/>
-              </a:buClr>
-              <a:buFont typeface="Wingdings 2" pitchFamily="18" charset="2"/>
-              <a:buChar char=""/>
-              <a:defRPr sz="1400" kern="1200">
-                <a:solidFill>
-                  <a:schemeClr val="tx1">
-                    <a:lumMod val="85000"/>
-                    <a:lumOff val="15000"/>
-                  </a:schemeClr>
-                </a:solidFill>
-                <a:latin typeface="+mn-lt"/>
-                <a:ea typeface="+mn-ea"/>
-                <a:cs typeface="+mn-cs"/>
-              </a:defRPr>
-            </a:lvl7pPr>
-            <a:lvl8pPr marL="2200000" indent="-228600" algn="l" defTabSz="914400" rtl="0" eaLnBrk="1" latinLnBrk="0" hangingPunct="1">
-              <a:lnSpc>
-                <a:spcPct val="90000"/>
-              </a:lnSpc>
-              <a:spcBef>
-                <a:spcPts val="300"/>
-              </a:spcBef>
-              <a:spcAft>
-                <a:spcPts val="300"/>
-              </a:spcAft>
-              <a:buClr>
-                <a:schemeClr val="accent1"/>
-              </a:buClr>
-              <a:buFont typeface="Wingdings 2" pitchFamily="18" charset="2"/>
-              <a:buChar char=""/>
-              <a:defRPr sz="1400" kern="1200">
-                <a:solidFill>
-                  <a:schemeClr val="tx1">
-                    <a:lumMod val="85000"/>
-                    <a:lumOff val="15000"/>
-                  </a:schemeClr>
-                </a:solidFill>
-                <a:latin typeface="+mn-lt"/>
-                <a:ea typeface="+mn-ea"/>
-                <a:cs typeface="+mn-cs"/>
-              </a:defRPr>
-            </a:lvl8pPr>
-            <a:lvl9pPr marL="2500000" indent="-228600" algn="l" defTabSz="914400" rtl="0" eaLnBrk="1" latinLnBrk="0" hangingPunct="1">
-              <a:lnSpc>
-                <a:spcPct val="90000"/>
-              </a:lnSpc>
-              <a:spcBef>
-                <a:spcPts val="300"/>
-              </a:spcBef>
-              <a:spcAft>
-                <a:spcPts val="300"/>
-              </a:spcAft>
-              <a:buClr>
-                <a:schemeClr val="accent1"/>
-              </a:buClr>
-              <a:buFont typeface="Wingdings 2" pitchFamily="18" charset="2"/>
-              <a:buChar char=""/>
-              <a:defRPr sz="1400" kern="1200">
-                <a:solidFill>
-                  <a:schemeClr val="tx1">
-                    <a:lumMod val="85000"/>
-                    <a:lumOff val="15000"/>
-                  </a:schemeClr>
-                </a:solidFill>
-                <a:latin typeface="+mn-lt"/>
-                <a:ea typeface="+mn-ea"/>
-                <a:cs typeface="+mn-cs"/>
-              </a:defRPr>
-            </a:lvl9pPr>
-          </a:lstStyle>
-          <a:p>
-            <a:r>
-              <a:rPr lang="en-US" sz="2400" dirty="0">
-                <a:cs typeface="Times New Roman" panose="02020603050405020304" pitchFamily="18" charset="0"/>
-              </a:rPr>
-              <a:t>Focus on competition and markets</a:t>
-            </a:r>
-          </a:p>
-          <a:p>
-            <a:r>
-              <a:rPr lang="en-US" sz="2400" dirty="0">
-                <a:cs typeface="Times New Roman" panose="02020603050405020304" pitchFamily="18" charset="0"/>
-              </a:rPr>
-              <a:t>Structural estimation! </a:t>
-            </a:r>
-          </a:p>
-        </p:txBody>
-      </p:sp>
-    </p:spTree>
-    <p:extLst>
-      <p:ext uri="{BB962C8B-B14F-4D97-AF65-F5344CB8AC3E}">
-        <p14:creationId xmlns:p14="http://schemas.microsoft.com/office/powerpoint/2010/main" val="565854197"/>
-      </p:ext>
-    </p:extLst>
-  </p:cSld>
-  <p:clrMapOvr>
-    <a:masterClrMapping/>
-  </p:clrMapOvr>
-</p:sld>
-</file>
-
-<file path=ppt/slides/slide30.xml><?xml version="1.0" encoding="utf-8"?>
+<file path=ppt/slides/slide31.xml><?xml version="1.0" encoding="utf-8"?>
 <p:sld xmlns:a="http://schemas.openxmlformats.org/drawingml/2006/main" xmlns:r="http://schemas.openxmlformats.org/officeDocument/2006/relationships" xmlns:p="http://schemas.openxmlformats.org/presentationml/2006/main">
   <p:cSld>
     <p:spTree>
@@ -20902,24 +21410,27 @@
                 <a:latin typeface="Times New Roman" panose="02020603050405020304" pitchFamily="18" charset="0"/>
                 <a:cs typeface="Times New Roman" panose="02020603050405020304" pitchFamily="18" charset="0"/>
               </a:rPr>
-              <a:t>Now for the fun part: </a:t>
+              <a:t>How do </a:t>
             </a:r>
             <a:r>
               <a:rPr lang="en-US" sz="3600" b="1" dirty="0">
                 <a:latin typeface="Times New Roman" panose="02020603050405020304" pitchFamily="18" charset="0"/>
                 <a:cs typeface="Times New Roman" panose="02020603050405020304" pitchFamily="18" charset="0"/>
               </a:rPr>
-              <a:t>Bargaining</a:t>
+              <a:t>plans</a:t>
             </a:r>
-            <a:endParaRPr lang="en-US" sz="3600" dirty="0">
-              <a:latin typeface="Times New Roman" panose="02020603050405020304" pitchFamily="18" charset="0"/>
-              <a:cs typeface="Times New Roman" panose="02020603050405020304" pitchFamily="18" charset="0"/>
-            </a:endParaRPr>
+            <a:r>
+              <a:rPr lang="en-US" sz="3600" dirty="0">
+                <a:latin typeface="Times New Roman" panose="02020603050405020304" pitchFamily="18" charset="0"/>
+                <a:cs typeface="Times New Roman" panose="02020603050405020304" pitchFamily="18" charset="0"/>
+              </a:rPr>
+              <a:t> choose features?</a:t>
+            </a:r>
           </a:p>
         </p:txBody>
       </p:sp>
-      <mc:AlternateContent xmlns:mc="http://schemas.openxmlformats.org/markup-compatibility/2006">
-        <mc:Choice xmlns:a14="http://schemas.microsoft.com/office/drawing/2010/main" Requires="a14">
+      <mc:AlternateContent xmlns:mc="http://schemas.openxmlformats.org/markup-compatibility/2006" xmlns:a14="http://schemas.microsoft.com/office/drawing/2010/main">
+        <mc:Choice Requires="a14">
           <p:sp>
             <p:nvSpPr>
               <p:cNvPr id="3" name="Content Placeholder 2"/>
@@ -21641,7 +22152,7 @@
             </p:txBody>
           </p:sp>
         </mc:Choice>
-        <mc:Fallback>
+        <mc:Fallback xmlns="">
           <p:sp>
             <p:nvSpPr>
               <p:cNvPr id="3" name="Content Placeholder 2"/>
@@ -21692,840 +22203,6 @@
 </p:sld>
 </file>
 
-<file path=ppt/slides/slide31.xml><?xml version="1.0" encoding="utf-8"?>
-<p:sld xmlns:a="http://schemas.openxmlformats.org/drawingml/2006/main" xmlns:r="http://schemas.openxmlformats.org/officeDocument/2006/relationships" xmlns:p="http://schemas.openxmlformats.org/presentationml/2006/main">
-  <p:cSld>
-    <p:spTree>
-      <p:nvGrpSpPr>
-        <p:cNvPr id="1" name=""/>
-        <p:cNvGrpSpPr/>
-        <p:nvPr/>
-      </p:nvGrpSpPr>
-      <p:grpSpPr>
-        <a:xfrm>
-          <a:off x="0" y="0"/>
-          <a:ext cx="0" cy="0"/>
-          <a:chOff x="0" y="0"/>
-          <a:chExt cx="0" cy="0"/>
-        </a:xfrm>
-      </p:grpSpPr>
-      <p:sp>
-        <p:nvSpPr>
-          <p:cNvPr id="2" name="Title 1"/>
-          <p:cNvSpPr>
-            <a:spLocks noGrp="1"/>
-          </p:cNvSpPr>
-          <p:nvPr>
-            <p:ph type="title"/>
-          </p:nvPr>
-        </p:nvSpPr>
-        <p:spPr>
-          <a:xfrm>
-            <a:off x="609600" y="272077"/>
-            <a:ext cx="10439400" cy="624840"/>
-          </a:xfrm>
-        </p:spPr>
-        <p:txBody>
-          <a:bodyPr>
-            <a:noAutofit/>
-          </a:bodyPr>
-          <a:lstStyle/>
-          <a:p>
-            <a:r>
-              <a:rPr lang="en-US" sz="3600" dirty="0">
-                <a:latin typeface="Times New Roman" panose="02020603050405020304" pitchFamily="18" charset="0"/>
-                <a:cs typeface="Times New Roman" panose="02020603050405020304" pitchFamily="18" charset="0"/>
-              </a:rPr>
-              <a:t>Now for the fun part: </a:t>
-            </a:r>
-            <a:r>
-              <a:rPr lang="en-US" sz="3600" b="1" dirty="0">
-                <a:latin typeface="Times New Roman" panose="02020603050405020304" pitchFamily="18" charset="0"/>
-                <a:cs typeface="Times New Roman" panose="02020603050405020304" pitchFamily="18" charset="0"/>
-              </a:rPr>
-              <a:t>Bargaining</a:t>
-            </a:r>
-            <a:endParaRPr lang="en-US" sz="3600" dirty="0">
-              <a:latin typeface="Times New Roman" panose="02020603050405020304" pitchFamily="18" charset="0"/>
-              <a:cs typeface="Times New Roman" panose="02020603050405020304" pitchFamily="18" charset="0"/>
-            </a:endParaRPr>
-          </a:p>
-        </p:txBody>
-      </p:sp>
-      <mc:AlternateContent xmlns:mc="http://schemas.openxmlformats.org/markup-compatibility/2006">
-        <mc:Choice xmlns:a14="http://schemas.microsoft.com/office/drawing/2010/main" Requires="a14">
-          <p:sp>
-            <p:nvSpPr>
-              <p:cNvPr id="3" name="Content Placeholder 2"/>
-              <p:cNvSpPr>
-                <a:spLocks noGrp="1"/>
-              </p:cNvSpPr>
-              <p:nvPr>
-                <p:ph idx="1"/>
-              </p:nvPr>
-            </p:nvSpPr>
-            <p:spPr>
-              <a:xfrm>
-                <a:off x="609601" y="1066801"/>
-                <a:ext cx="10439400" cy="5141388"/>
-              </a:xfrm>
-            </p:spPr>
-            <p:txBody>
-              <a:bodyPr>
-                <a:noAutofit/>
-              </a:bodyPr>
-              <a:lstStyle/>
-              <a:p>
-                <a:r>
-                  <a:rPr lang="en-CA" sz="2400" dirty="0">
-                    <a:cs typeface="Times New Roman" panose="02020603050405020304" pitchFamily="18" charset="0"/>
-                  </a:rPr>
-                  <a:t>Plan profits are given by: </a:t>
-                </a:r>
-              </a:p>
-              <a:p>
-                <a:pPr marL="0" indent="0">
-                  <a:buNone/>
-                </a:pPr>
-                <a14:m>
-                  <m:oMathPara xmlns:m="http://schemas.openxmlformats.org/officeDocument/2006/math">
-                    <m:oMathParaPr>
-                      <m:jc m:val="centerGroup"/>
-                    </m:oMathParaPr>
-                    <m:oMath xmlns:m="http://schemas.openxmlformats.org/officeDocument/2006/math">
-                      <m:sSub>
-                        <m:sSubPr>
-                          <m:ctrlPr>
-                            <a:rPr lang="en-CA" sz="2400" b="0" i="1" smtClean="0">
-                              <a:latin typeface="Cambria Math" panose="02040503050406030204" pitchFamily="18" charset="0"/>
-                              <a:cs typeface="Times New Roman" panose="02020603050405020304" pitchFamily="18" charset="0"/>
-                            </a:rPr>
-                          </m:ctrlPr>
-                        </m:sSubPr>
-                        <m:e>
-                          <m:r>
-                            <a:rPr lang="en-CA" sz="2400" b="0" i="1" smtClean="0">
-                              <a:latin typeface="Cambria Math" panose="02040503050406030204" pitchFamily="18" charset="0"/>
-                              <a:cs typeface="Times New Roman" panose="02020603050405020304" pitchFamily="18" charset="0"/>
-                            </a:rPr>
-                            <m:t>𝜋</m:t>
-                          </m:r>
-                        </m:e>
-                        <m:sub>
-                          <m:r>
-                            <a:rPr lang="en-CA" sz="2400" b="0" i="1" smtClean="0">
-                              <a:latin typeface="Cambria Math" panose="02040503050406030204" pitchFamily="18" charset="0"/>
-                              <a:cs typeface="Times New Roman" panose="02020603050405020304" pitchFamily="18" charset="0"/>
-                            </a:rPr>
-                            <m:t>h</m:t>
-                          </m:r>
-                        </m:sub>
-                      </m:sSub>
-                      <m:d>
-                        <m:dPr>
-                          <m:ctrlPr>
-                            <a:rPr lang="en-CA" sz="2400" b="0" i="1" smtClean="0">
-                              <a:latin typeface="Cambria Math" panose="02040503050406030204" pitchFamily="18" charset="0"/>
-                              <a:cs typeface="Times New Roman" panose="02020603050405020304" pitchFamily="18" charset="0"/>
-                            </a:rPr>
-                          </m:ctrlPr>
-                        </m:dPr>
-                        <m:e>
-                          <m:r>
-                            <a:rPr lang="en-CA" sz="2400" b="0" i="1" smtClean="0">
-                              <a:latin typeface="Cambria Math" panose="02040503050406030204" pitchFamily="18" charset="0"/>
-                              <a:cs typeface="Times New Roman" panose="02020603050405020304" pitchFamily="18" charset="0"/>
-                            </a:rPr>
-                            <m:t>𝐽</m:t>
-                          </m:r>
-                          <m:r>
-                            <a:rPr lang="en-CA" sz="2400" b="0" i="1" smtClean="0">
-                              <a:latin typeface="Cambria Math" panose="02040503050406030204" pitchFamily="18" charset="0"/>
-                              <a:cs typeface="Times New Roman" panose="02020603050405020304" pitchFamily="18" charset="0"/>
-                            </a:rPr>
-                            <m:t>,</m:t>
-                          </m:r>
-                          <m:r>
-                            <a:rPr lang="en-CA" sz="2400" b="0" i="1" smtClean="0">
-                              <a:latin typeface="Cambria Math" panose="02040503050406030204" pitchFamily="18" charset="0"/>
-                              <a:cs typeface="Times New Roman" panose="02020603050405020304" pitchFamily="18" charset="0"/>
-                            </a:rPr>
-                            <m:t>𝜉</m:t>
-                          </m:r>
-                          <m:r>
-                            <a:rPr lang="en-CA" sz="2400" b="0" i="1" smtClean="0">
-                              <a:latin typeface="Cambria Math" panose="02040503050406030204" pitchFamily="18" charset="0"/>
-                              <a:cs typeface="Times New Roman" panose="02020603050405020304" pitchFamily="18" charset="0"/>
-                            </a:rPr>
-                            <m:t>,</m:t>
-                          </m:r>
-                          <m:r>
-                            <a:rPr lang="en-CA" sz="2400" b="0" i="1" smtClean="0">
-                              <a:latin typeface="Cambria Math" panose="02040503050406030204" pitchFamily="18" charset="0"/>
-                              <a:cs typeface="Times New Roman" panose="02020603050405020304" pitchFamily="18" charset="0"/>
-                            </a:rPr>
-                            <m:t>𝑃𝑟𝑒𝑚</m:t>
-                          </m:r>
-                        </m:e>
-                      </m:d>
-                      <m:r>
-                        <a:rPr lang="en-CA" sz="2400" b="0" i="1" smtClean="0">
-                          <a:latin typeface="Cambria Math" panose="02040503050406030204" pitchFamily="18" charset="0"/>
-                          <a:cs typeface="Times New Roman" panose="02020603050405020304" pitchFamily="18" charset="0"/>
-                        </a:rPr>
-                        <m:t>=</m:t>
-                      </m:r>
-                      <m:d>
-                        <m:dPr>
-                          <m:ctrlPr>
-                            <a:rPr lang="en-CA" sz="2400" b="0" i="1" smtClean="0">
-                              <a:latin typeface="Cambria Math" panose="02040503050406030204" pitchFamily="18" charset="0"/>
-                              <a:cs typeface="Times New Roman" panose="02020603050405020304" pitchFamily="18" charset="0"/>
-                            </a:rPr>
-                          </m:ctrlPr>
-                        </m:dPr>
-                        <m:e>
-                          <m:r>
-                            <a:rPr lang="en-CA" sz="2400" b="0" i="1" smtClean="0">
-                              <a:latin typeface="Cambria Math" panose="02040503050406030204" pitchFamily="18" charset="0"/>
-                              <a:cs typeface="Times New Roman" panose="02020603050405020304" pitchFamily="18" charset="0"/>
-                            </a:rPr>
-                            <m:t>𝑃𝑟𝑒</m:t>
-                          </m:r>
-                          <m:sSub>
-                            <m:sSubPr>
-                              <m:ctrlPr>
-                                <a:rPr lang="en-CA" sz="2400" b="0" i="1" smtClean="0">
-                                  <a:latin typeface="Cambria Math" panose="02040503050406030204" pitchFamily="18" charset="0"/>
-                                  <a:cs typeface="Times New Roman" panose="02020603050405020304" pitchFamily="18" charset="0"/>
-                                </a:rPr>
-                              </m:ctrlPr>
-                            </m:sSubPr>
-                            <m:e>
-                              <m:r>
-                                <a:rPr lang="en-CA" sz="2400" b="0" i="1" smtClean="0">
-                                  <a:latin typeface="Cambria Math" panose="02040503050406030204" pitchFamily="18" charset="0"/>
-                                  <a:cs typeface="Times New Roman" panose="02020603050405020304" pitchFamily="18" charset="0"/>
-                                </a:rPr>
-                                <m:t>𝑚</m:t>
-                              </m:r>
-                            </m:e>
-                            <m:sub>
-                              <m:r>
-                                <a:rPr lang="en-CA" sz="2400" b="0" i="1" smtClean="0">
-                                  <a:latin typeface="Cambria Math" panose="02040503050406030204" pitchFamily="18" charset="0"/>
-                                  <a:cs typeface="Times New Roman" panose="02020603050405020304" pitchFamily="18" charset="0"/>
-                                </a:rPr>
-                                <m:t>h</m:t>
-                              </m:r>
-                            </m:sub>
-                          </m:sSub>
-                          <m:r>
-                            <a:rPr lang="en-CA" sz="2400" b="0" i="1" smtClean="0">
-                              <a:latin typeface="Cambria Math" panose="02040503050406030204" pitchFamily="18" charset="0"/>
-                              <a:cs typeface="Times New Roman" panose="02020603050405020304" pitchFamily="18" charset="0"/>
-                            </a:rPr>
-                            <m:t>−</m:t>
-                          </m:r>
-                          <m:r>
-                            <a:rPr lang="en-CA" sz="2400" b="0" i="1" smtClean="0">
-                              <a:latin typeface="Cambria Math" panose="02040503050406030204" pitchFamily="18" charset="0"/>
-                              <a:cs typeface="Times New Roman" panose="02020603050405020304" pitchFamily="18" charset="0"/>
-                            </a:rPr>
-                            <m:t>𝑎</m:t>
-                          </m:r>
-                          <m:sSub>
-                            <m:sSubPr>
-                              <m:ctrlPr>
-                                <a:rPr lang="en-CA" sz="2400" b="0" i="1" smtClean="0">
-                                  <a:latin typeface="Cambria Math" panose="02040503050406030204" pitchFamily="18" charset="0"/>
-                                  <a:cs typeface="Times New Roman" panose="02020603050405020304" pitchFamily="18" charset="0"/>
-                                </a:rPr>
-                              </m:ctrlPr>
-                            </m:sSubPr>
-                            <m:e>
-                              <m:r>
-                                <a:rPr lang="en-CA" sz="2400" b="0" i="1" smtClean="0">
-                                  <a:latin typeface="Cambria Math" panose="02040503050406030204" pitchFamily="18" charset="0"/>
-                                  <a:cs typeface="Times New Roman" panose="02020603050405020304" pitchFamily="18" charset="0"/>
-                                </a:rPr>
-                                <m:t>𝑐</m:t>
-                              </m:r>
-                            </m:e>
-                            <m:sub>
-                              <m:r>
-                                <a:rPr lang="en-CA" sz="2400" b="0" i="1" smtClean="0">
-                                  <a:latin typeface="Cambria Math" panose="02040503050406030204" pitchFamily="18" charset="0"/>
-                                  <a:cs typeface="Times New Roman" panose="02020603050405020304" pitchFamily="18" charset="0"/>
-                                </a:rPr>
-                                <m:t>h</m:t>
-                              </m:r>
-                            </m:sub>
-                          </m:sSub>
-                          <m:r>
-                            <a:rPr lang="en-CA" sz="2400" b="0" i="1" smtClean="0">
-                              <a:latin typeface="Cambria Math" panose="02040503050406030204" pitchFamily="18" charset="0"/>
-                              <a:cs typeface="Times New Roman" panose="02020603050405020304" pitchFamily="18" charset="0"/>
-                            </a:rPr>
-                            <m:t>−</m:t>
-                          </m:r>
-                          <m:nary>
-                            <m:naryPr>
-                              <m:chr m:val="∑"/>
-                              <m:supHide m:val="on"/>
-                              <m:ctrlPr>
-                                <a:rPr lang="en-CA" sz="2400" b="0" i="1" smtClean="0">
-                                  <a:latin typeface="Cambria Math" panose="02040503050406030204" pitchFamily="18" charset="0"/>
-                                  <a:cs typeface="Times New Roman" panose="02020603050405020304" pitchFamily="18" charset="0"/>
-                                </a:rPr>
-                              </m:ctrlPr>
-                            </m:naryPr>
-                            <m:sub>
-                              <m:r>
-                                <a:rPr lang="en-CA" sz="2400" b="0" i="1" smtClean="0">
-                                  <a:latin typeface="Cambria Math" panose="02040503050406030204" pitchFamily="18" charset="0"/>
-                                  <a:cs typeface="Times New Roman" panose="02020603050405020304" pitchFamily="18" charset="0"/>
-                                </a:rPr>
-                                <m:t>𝑗</m:t>
-                              </m:r>
-                            </m:sub>
-                            <m:sup/>
-                            <m:e>
-                              <m:sSub>
-                                <m:sSubPr>
-                                  <m:ctrlPr>
-                                    <a:rPr lang="en-CA" sz="2400" b="0" i="1" smtClean="0">
-                                      <a:latin typeface="Cambria Math" panose="02040503050406030204" pitchFamily="18" charset="0"/>
-                                      <a:cs typeface="Times New Roman" panose="02020603050405020304" pitchFamily="18" charset="0"/>
-                                    </a:rPr>
-                                  </m:ctrlPr>
-                                </m:sSubPr>
-                                <m:e>
-                                  <m:r>
-                                    <a:rPr lang="en-CA" sz="2400" b="0" i="1" smtClean="0">
-                                      <a:latin typeface="Cambria Math" panose="02040503050406030204" pitchFamily="18" charset="0"/>
-                                      <a:cs typeface="Times New Roman" panose="02020603050405020304" pitchFamily="18" charset="0"/>
-                                    </a:rPr>
-                                    <m:t>𝑝</m:t>
-                                  </m:r>
-                                </m:e>
-                                <m:sub>
-                                  <m:r>
-                                    <a:rPr lang="en-CA" sz="2400" b="0" i="1" smtClean="0">
-                                      <a:latin typeface="Cambria Math" panose="02040503050406030204" pitchFamily="18" charset="0"/>
-                                      <a:cs typeface="Times New Roman" panose="02020603050405020304" pitchFamily="18" charset="0"/>
-                                    </a:rPr>
-                                    <m:t>𝑗h</m:t>
-                                  </m:r>
-                                </m:sub>
-                              </m:sSub>
-                              <m:sSub>
-                                <m:sSubPr>
-                                  <m:ctrlPr>
-                                    <a:rPr lang="en-CA" sz="2400" b="0" i="1" smtClean="0">
-                                      <a:latin typeface="Cambria Math" panose="02040503050406030204" pitchFamily="18" charset="0"/>
-                                      <a:cs typeface="Times New Roman" panose="02020603050405020304" pitchFamily="18" charset="0"/>
-                                    </a:rPr>
-                                  </m:ctrlPr>
-                                </m:sSubPr>
-                                <m:e>
-                                  <m:r>
-                                    <a:rPr lang="en-CA" sz="2400" b="0" i="1" smtClean="0">
-                                      <a:latin typeface="Cambria Math" panose="02040503050406030204" pitchFamily="18" charset="0"/>
-                                      <a:cs typeface="Times New Roman" panose="02020603050405020304" pitchFamily="18" charset="0"/>
-                                    </a:rPr>
-                                    <m:t>𝑞</m:t>
-                                  </m:r>
-                                </m:e>
-                                <m:sub>
-                                  <m:r>
-                                    <a:rPr lang="en-CA" sz="2400" b="0" i="1" smtClean="0">
-                                      <a:latin typeface="Cambria Math" panose="02040503050406030204" pitchFamily="18" charset="0"/>
-                                      <a:cs typeface="Times New Roman" panose="02020603050405020304" pitchFamily="18" charset="0"/>
-                                    </a:rPr>
-                                    <m:t>𝑗h</m:t>
-                                  </m:r>
-                                </m:sub>
-                              </m:sSub>
-                            </m:e>
-                          </m:nary>
-                        </m:e>
-                      </m:d>
-                      <m:sSub>
-                        <m:sSubPr>
-                          <m:ctrlPr>
-                            <a:rPr lang="en-CA" sz="2400" b="0" i="1" smtClean="0">
-                              <a:latin typeface="Cambria Math" panose="02040503050406030204" pitchFamily="18" charset="0"/>
-                              <a:cs typeface="Times New Roman" panose="02020603050405020304" pitchFamily="18" charset="0"/>
-                            </a:rPr>
-                          </m:ctrlPr>
-                        </m:sSubPr>
-                        <m:e>
-                          <m:r>
-                            <a:rPr lang="en-CA" sz="2400" b="0" i="1" smtClean="0">
-                              <a:latin typeface="Cambria Math" panose="02040503050406030204" pitchFamily="18" charset="0"/>
-                              <a:cs typeface="Times New Roman" panose="02020603050405020304" pitchFamily="18" charset="0"/>
-                            </a:rPr>
-                            <m:t>𝑌</m:t>
-                          </m:r>
-                        </m:e>
-                        <m:sub>
-                          <m:r>
-                            <a:rPr lang="en-CA" sz="2400" b="0" i="1" smtClean="0">
-                              <a:latin typeface="Cambria Math" panose="02040503050406030204" pitchFamily="18" charset="0"/>
-                              <a:cs typeface="Times New Roman" panose="02020603050405020304" pitchFamily="18" charset="0"/>
-                            </a:rPr>
-                            <m:t>h</m:t>
-                          </m:r>
-                        </m:sub>
-                      </m:sSub>
-                      <m:r>
-                        <a:rPr lang="en-CA" sz="2400" b="0" i="1" smtClean="0">
-                          <a:latin typeface="Cambria Math" panose="02040503050406030204" pitchFamily="18" charset="0"/>
-                          <a:cs typeface="Times New Roman" panose="02020603050405020304" pitchFamily="18" charset="0"/>
-                        </a:rPr>
-                        <m:t>−</m:t>
-                      </m:r>
-                      <m:r>
-                        <a:rPr lang="en-CA" sz="2400" b="0" i="1" smtClean="0">
-                          <a:latin typeface="Cambria Math" panose="02040503050406030204" pitchFamily="18" charset="0"/>
-                          <a:cs typeface="Times New Roman" panose="02020603050405020304" pitchFamily="18" charset="0"/>
-                        </a:rPr>
-                        <m:t>𝐹𝑖𝑥𝑒</m:t>
-                      </m:r>
-                      <m:sSub>
-                        <m:sSubPr>
-                          <m:ctrlPr>
-                            <a:rPr lang="en-CA" sz="2400" b="0" i="1" smtClean="0">
-                              <a:latin typeface="Cambria Math" panose="02040503050406030204" pitchFamily="18" charset="0"/>
-                              <a:cs typeface="Times New Roman" panose="02020603050405020304" pitchFamily="18" charset="0"/>
-                            </a:rPr>
-                          </m:ctrlPr>
-                        </m:sSubPr>
-                        <m:e>
-                          <m:r>
-                            <a:rPr lang="en-CA" sz="2400" b="0" i="1" smtClean="0">
-                              <a:latin typeface="Cambria Math" panose="02040503050406030204" pitchFamily="18" charset="0"/>
-                              <a:cs typeface="Times New Roman" panose="02020603050405020304" pitchFamily="18" charset="0"/>
-                            </a:rPr>
-                            <m:t>𝑑</m:t>
-                          </m:r>
-                        </m:e>
-                        <m:sub>
-                          <m:r>
-                            <a:rPr lang="en-CA" sz="2400" b="0" i="1" smtClean="0">
-                              <a:latin typeface="Cambria Math" panose="02040503050406030204" pitchFamily="18" charset="0"/>
-                              <a:cs typeface="Times New Roman" panose="02020603050405020304" pitchFamily="18" charset="0"/>
-                            </a:rPr>
-                            <m:t>h</m:t>
-                          </m:r>
-                        </m:sub>
-                      </m:sSub>
-                    </m:oMath>
-                  </m:oMathPara>
-                </a14:m>
-                <a:endParaRPr lang="en-US" sz="2400" dirty="0">
-                  <a:cs typeface="Times New Roman" panose="02020603050405020304" pitchFamily="18" charset="0"/>
-                </a:endParaRPr>
-              </a:p>
-              <a:p>
-                <a:r>
-                  <a:rPr lang="en-US" sz="2400" dirty="0">
-                    <a:cs typeface="Times New Roman" panose="02020603050405020304" pitchFamily="18" charset="0"/>
-                  </a:rPr>
-                  <a:t>Plans choose </a:t>
-                </a:r>
-                <a14:m>
-                  <m:oMath xmlns:m="http://schemas.openxmlformats.org/officeDocument/2006/math">
-                    <m:r>
-                      <a:rPr lang="en-CA" sz="2400" b="0" i="1" smtClean="0">
-                        <a:latin typeface="Cambria Math" panose="02040503050406030204" pitchFamily="18" charset="0"/>
-                        <a:cs typeface="Times New Roman" panose="02020603050405020304" pitchFamily="18" charset="0"/>
-                      </a:rPr>
-                      <m:t>𝑃𝑟𝑒𝑚</m:t>
-                    </m:r>
-                  </m:oMath>
-                </a14:m>
-                <a:r>
-                  <a:rPr lang="en-US" sz="2400" dirty="0">
-                    <a:cs typeface="Times New Roman" panose="02020603050405020304" pitchFamily="18" charset="0"/>
-                  </a:rPr>
-                  <a:t> (no other features) to maximize profits. FOC is: </a:t>
-                </a:r>
-              </a:p>
-              <a:p>
-                <a:pPr marL="0" indent="0">
-                  <a:buNone/>
-                </a:pPr>
-                <a14:m>
-                  <m:oMathPara xmlns:m="http://schemas.openxmlformats.org/officeDocument/2006/math">
-                    <m:oMathParaPr>
-                      <m:jc m:val="centerGroup"/>
-                    </m:oMathParaPr>
-                    <m:oMath xmlns:m="http://schemas.openxmlformats.org/officeDocument/2006/math">
-                      <m:sSub>
-                        <m:sSubPr>
-                          <m:ctrlPr>
-                            <a:rPr lang="en-CA" sz="2400" b="0" i="1" smtClean="0">
-                              <a:latin typeface="Cambria Math" panose="02040503050406030204" pitchFamily="18" charset="0"/>
-                              <a:cs typeface="Times New Roman" panose="02020603050405020304" pitchFamily="18" charset="0"/>
-                            </a:rPr>
-                          </m:ctrlPr>
-                        </m:sSubPr>
-                        <m:e>
-                          <m:r>
-                            <a:rPr lang="en-CA" sz="2400" b="0" i="1" smtClean="0">
-                              <a:latin typeface="Cambria Math" panose="02040503050406030204" pitchFamily="18" charset="0"/>
-                              <a:cs typeface="Times New Roman" panose="02020603050405020304" pitchFamily="18" charset="0"/>
-                            </a:rPr>
-                            <m:t>𝑌</m:t>
-                          </m:r>
-                        </m:e>
-                        <m:sub>
-                          <m:r>
-                            <a:rPr lang="en-CA" sz="2400" b="0" i="1" smtClean="0">
-                              <a:latin typeface="Cambria Math" panose="02040503050406030204" pitchFamily="18" charset="0"/>
-                              <a:cs typeface="Times New Roman" panose="02020603050405020304" pitchFamily="18" charset="0"/>
-                            </a:rPr>
-                            <m:t>h</m:t>
-                          </m:r>
-                        </m:sub>
-                      </m:sSub>
-                      <m:r>
-                        <a:rPr lang="en-CA" sz="2400" b="0" i="1" smtClean="0">
-                          <a:latin typeface="Cambria Math" panose="02040503050406030204" pitchFamily="18" charset="0"/>
-                          <a:cs typeface="Times New Roman" panose="02020603050405020304" pitchFamily="18" charset="0"/>
-                        </a:rPr>
-                        <m:t>+</m:t>
-                      </m:r>
-                      <m:d>
-                        <m:dPr>
-                          <m:ctrlPr>
-                            <a:rPr lang="en-CA" sz="2400" b="0" i="1" smtClean="0">
-                              <a:latin typeface="Cambria Math" panose="02040503050406030204" pitchFamily="18" charset="0"/>
-                              <a:cs typeface="Times New Roman" panose="02020603050405020304" pitchFamily="18" charset="0"/>
-                            </a:rPr>
-                          </m:ctrlPr>
-                        </m:dPr>
-                        <m:e>
-                          <m:r>
-                            <a:rPr lang="en-CA" sz="2400" b="0" i="1" smtClean="0">
-                              <a:latin typeface="Cambria Math" panose="02040503050406030204" pitchFamily="18" charset="0"/>
-                              <a:cs typeface="Times New Roman" panose="02020603050405020304" pitchFamily="18" charset="0"/>
-                            </a:rPr>
-                            <m:t>𝑃𝑟𝑒</m:t>
-                          </m:r>
-                          <m:sSub>
-                            <m:sSubPr>
-                              <m:ctrlPr>
-                                <a:rPr lang="en-CA" sz="2400" b="0" i="1" smtClean="0">
-                                  <a:latin typeface="Cambria Math" panose="02040503050406030204" pitchFamily="18" charset="0"/>
-                                  <a:cs typeface="Times New Roman" panose="02020603050405020304" pitchFamily="18" charset="0"/>
-                                </a:rPr>
-                              </m:ctrlPr>
-                            </m:sSubPr>
-                            <m:e>
-                              <m:r>
-                                <a:rPr lang="en-CA" sz="2400" b="0" i="1" smtClean="0">
-                                  <a:latin typeface="Cambria Math" panose="02040503050406030204" pitchFamily="18" charset="0"/>
-                                  <a:cs typeface="Times New Roman" panose="02020603050405020304" pitchFamily="18" charset="0"/>
-                                </a:rPr>
-                                <m:t>𝑚</m:t>
-                              </m:r>
-                            </m:e>
-                            <m:sub>
-                              <m:r>
-                                <a:rPr lang="en-CA" sz="2400" b="0" i="1" smtClean="0">
-                                  <a:latin typeface="Cambria Math" panose="02040503050406030204" pitchFamily="18" charset="0"/>
-                                  <a:cs typeface="Times New Roman" panose="02020603050405020304" pitchFamily="18" charset="0"/>
-                                </a:rPr>
-                                <m:t>h</m:t>
-                              </m:r>
-                            </m:sub>
-                          </m:sSub>
-                          <m:r>
-                            <a:rPr lang="en-CA" sz="2400" b="0" i="1" smtClean="0">
-                              <a:latin typeface="Cambria Math" panose="02040503050406030204" pitchFamily="18" charset="0"/>
-                              <a:cs typeface="Times New Roman" panose="02020603050405020304" pitchFamily="18" charset="0"/>
-                            </a:rPr>
-                            <m:t>−</m:t>
-                          </m:r>
-                          <m:r>
-                            <a:rPr lang="en-CA" sz="2400" b="0" i="1" smtClean="0">
-                              <a:latin typeface="Cambria Math" panose="02040503050406030204" pitchFamily="18" charset="0"/>
-                              <a:cs typeface="Times New Roman" panose="02020603050405020304" pitchFamily="18" charset="0"/>
-                            </a:rPr>
-                            <m:t>𝑎</m:t>
-                          </m:r>
-                          <m:sSub>
-                            <m:sSubPr>
-                              <m:ctrlPr>
-                                <a:rPr lang="en-CA" sz="2400" b="0" i="1" smtClean="0">
-                                  <a:latin typeface="Cambria Math" panose="02040503050406030204" pitchFamily="18" charset="0"/>
-                                  <a:cs typeface="Times New Roman" panose="02020603050405020304" pitchFamily="18" charset="0"/>
-                                </a:rPr>
-                              </m:ctrlPr>
-                            </m:sSubPr>
-                            <m:e>
-                              <m:r>
-                                <a:rPr lang="en-CA" sz="2400" b="0" i="1" smtClean="0">
-                                  <a:latin typeface="Cambria Math" panose="02040503050406030204" pitchFamily="18" charset="0"/>
-                                  <a:cs typeface="Times New Roman" panose="02020603050405020304" pitchFamily="18" charset="0"/>
-                                </a:rPr>
-                                <m:t>𝑐</m:t>
-                              </m:r>
-                            </m:e>
-                            <m:sub>
-                              <m:r>
-                                <a:rPr lang="en-CA" sz="2400" b="0" i="1" smtClean="0">
-                                  <a:latin typeface="Cambria Math" panose="02040503050406030204" pitchFamily="18" charset="0"/>
-                                  <a:cs typeface="Times New Roman" panose="02020603050405020304" pitchFamily="18" charset="0"/>
-                                </a:rPr>
-                                <m:t>h</m:t>
-                              </m:r>
-                            </m:sub>
-                          </m:sSub>
-                          <m:nary>
-                            <m:naryPr>
-                              <m:chr m:val="∑"/>
-                              <m:supHide m:val="on"/>
-                              <m:ctrlPr>
-                                <a:rPr lang="en-CA" sz="2400" b="0" i="1" smtClean="0">
-                                  <a:latin typeface="Cambria Math" panose="02040503050406030204" pitchFamily="18" charset="0"/>
-                                  <a:cs typeface="Times New Roman" panose="02020603050405020304" pitchFamily="18" charset="0"/>
-                                </a:rPr>
-                              </m:ctrlPr>
-                            </m:naryPr>
-                            <m:sub>
-                              <m:r>
-                                <a:rPr lang="en-CA" sz="2400" b="0" i="1" smtClean="0">
-                                  <a:latin typeface="Cambria Math" panose="02040503050406030204" pitchFamily="18" charset="0"/>
-                                  <a:cs typeface="Times New Roman" panose="02020603050405020304" pitchFamily="18" charset="0"/>
-                                </a:rPr>
-                                <m:t>𝑗</m:t>
-                              </m:r>
-                            </m:sub>
-                            <m:sup/>
-                            <m:e>
-                              <m:sSub>
-                                <m:sSubPr>
-                                  <m:ctrlPr>
-                                    <a:rPr lang="en-CA" sz="2400" b="0" i="1" smtClean="0">
-                                      <a:latin typeface="Cambria Math" panose="02040503050406030204" pitchFamily="18" charset="0"/>
-                                      <a:cs typeface="Times New Roman" panose="02020603050405020304" pitchFamily="18" charset="0"/>
-                                    </a:rPr>
-                                  </m:ctrlPr>
-                                </m:sSubPr>
-                                <m:e>
-                                  <m:r>
-                                    <a:rPr lang="en-CA" sz="2400" b="0" i="1" smtClean="0">
-                                      <a:latin typeface="Cambria Math" panose="02040503050406030204" pitchFamily="18" charset="0"/>
-                                      <a:cs typeface="Times New Roman" panose="02020603050405020304" pitchFamily="18" charset="0"/>
-                                    </a:rPr>
-                                    <m:t>𝑝</m:t>
-                                  </m:r>
-                                </m:e>
-                                <m:sub>
-                                  <m:r>
-                                    <a:rPr lang="en-CA" sz="2400" b="0" i="1" smtClean="0">
-                                      <a:latin typeface="Cambria Math" panose="02040503050406030204" pitchFamily="18" charset="0"/>
-                                      <a:cs typeface="Times New Roman" panose="02020603050405020304" pitchFamily="18" charset="0"/>
-                                    </a:rPr>
-                                    <m:t>𝑗h</m:t>
-                                  </m:r>
-                                </m:sub>
-                              </m:sSub>
-                              <m:sSub>
-                                <m:sSubPr>
-                                  <m:ctrlPr>
-                                    <a:rPr lang="en-CA" sz="2400" b="0" i="1" smtClean="0">
-                                      <a:latin typeface="Cambria Math" panose="02040503050406030204" pitchFamily="18" charset="0"/>
-                                      <a:cs typeface="Times New Roman" panose="02020603050405020304" pitchFamily="18" charset="0"/>
-                                    </a:rPr>
-                                  </m:ctrlPr>
-                                </m:sSubPr>
-                                <m:e>
-                                  <m:r>
-                                    <a:rPr lang="en-CA" sz="2400" b="0" i="1" smtClean="0">
-                                      <a:latin typeface="Cambria Math" panose="02040503050406030204" pitchFamily="18" charset="0"/>
-                                      <a:cs typeface="Times New Roman" panose="02020603050405020304" pitchFamily="18" charset="0"/>
-                                    </a:rPr>
-                                    <m:t>𝑞</m:t>
-                                  </m:r>
-                                </m:e>
-                                <m:sub>
-                                  <m:r>
-                                    <a:rPr lang="en-CA" sz="2400" b="0" i="1" smtClean="0">
-                                      <a:latin typeface="Cambria Math" panose="02040503050406030204" pitchFamily="18" charset="0"/>
-                                      <a:cs typeface="Times New Roman" panose="02020603050405020304" pitchFamily="18" charset="0"/>
-                                    </a:rPr>
-                                    <m:t>𝑗h</m:t>
-                                  </m:r>
-                                </m:sub>
-                              </m:sSub>
-                            </m:e>
-                          </m:nary>
-                        </m:e>
-                      </m:d>
-                      <m:f>
-                        <m:fPr>
-                          <m:ctrlPr>
-                            <a:rPr lang="en-CA" sz="2400" b="0" i="1" smtClean="0">
-                              <a:latin typeface="Cambria Math" panose="02040503050406030204" pitchFamily="18" charset="0"/>
-                              <a:cs typeface="Times New Roman" panose="02020603050405020304" pitchFamily="18" charset="0"/>
-                            </a:rPr>
-                          </m:ctrlPr>
-                        </m:fPr>
-                        <m:num>
-                          <m:r>
-                            <a:rPr lang="en-CA" sz="2400" b="0" i="1" smtClean="0">
-                              <a:latin typeface="Cambria Math" panose="02040503050406030204" pitchFamily="18" charset="0"/>
-                              <a:cs typeface="Times New Roman" panose="02020603050405020304" pitchFamily="18" charset="0"/>
-                            </a:rPr>
-                            <m:t>𝜕</m:t>
-                          </m:r>
-                          <m:sSub>
-                            <m:sSubPr>
-                              <m:ctrlPr>
-                                <a:rPr lang="en-CA" sz="2400" b="0" i="1" smtClean="0">
-                                  <a:latin typeface="Cambria Math" panose="02040503050406030204" pitchFamily="18" charset="0"/>
-                                  <a:cs typeface="Times New Roman" panose="02020603050405020304" pitchFamily="18" charset="0"/>
-                                </a:rPr>
-                              </m:ctrlPr>
-                            </m:sSubPr>
-                            <m:e>
-                              <m:r>
-                                <a:rPr lang="en-CA" sz="2400" b="0" i="1" smtClean="0">
-                                  <a:latin typeface="Cambria Math" panose="02040503050406030204" pitchFamily="18" charset="0"/>
-                                  <a:cs typeface="Times New Roman" panose="02020603050405020304" pitchFamily="18" charset="0"/>
-                                </a:rPr>
-                                <m:t>𝑌</m:t>
-                              </m:r>
-                            </m:e>
-                            <m:sub>
-                              <m:r>
-                                <a:rPr lang="en-CA" sz="2400" b="0" i="1" smtClean="0">
-                                  <a:latin typeface="Cambria Math" panose="02040503050406030204" pitchFamily="18" charset="0"/>
-                                  <a:cs typeface="Times New Roman" panose="02020603050405020304" pitchFamily="18" charset="0"/>
-                                </a:rPr>
-                                <m:t>h</m:t>
-                              </m:r>
-                            </m:sub>
-                          </m:sSub>
-                        </m:num>
-                        <m:den>
-                          <m:r>
-                            <a:rPr lang="en-CA" sz="2400" b="0" i="1" smtClean="0">
-                              <a:latin typeface="Cambria Math" panose="02040503050406030204" pitchFamily="18" charset="0"/>
-                              <a:cs typeface="Times New Roman" panose="02020603050405020304" pitchFamily="18" charset="0"/>
-                            </a:rPr>
-                            <m:t>𝜕</m:t>
-                          </m:r>
-                          <m:r>
-                            <a:rPr lang="en-CA" sz="2400" b="0" i="1" smtClean="0">
-                              <a:latin typeface="Cambria Math" panose="02040503050406030204" pitchFamily="18" charset="0"/>
-                              <a:cs typeface="Times New Roman" panose="02020603050405020304" pitchFamily="18" charset="0"/>
-                            </a:rPr>
-                            <m:t>𝑃𝑟𝑒</m:t>
-                          </m:r>
-                          <m:sSub>
-                            <m:sSubPr>
-                              <m:ctrlPr>
-                                <a:rPr lang="en-CA" sz="2400" b="0" i="1" smtClean="0">
-                                  <a:latin typeface="Cambria Math" panose="02040503050406030204" pitchFamily="18" charset="0"/>
-                                  <a:cs typeface="Times New Roman" panose="02020603050405020304" pitchFamily="18" charset="0"/>
-                                </a:rPr>
-                              </m:ctrlPr>
-                            </m:sSubPr>
-                            <m:e>
-                              <m:r>
-                                <a:rPr lang="en-CA" sz="2400" b="0" i="1" smtClean="0">
-                                  <a:latin typeface="Cambria Math" panose="02040503050406030204" pitchFamily="18" charset="0"/>
-                                  <a:cs typeface="Times New Roman" panose="02020603050405020304" pitchFamily="18" charset="0"/>
-                                </a:rPr>
-                                <m:t>𝑚</m:t>
-                              </m:r>
-                            </m:e>
-                            <m:sub>
-                              <m:r>
-                                <a:rPr lang="en-CA" sz="2400" b="0" i="1" smtClean="0">
-                                  <a:latin typeface="Cambria Math" panose="02040503050406030204" pitchFamily="18" charset="0"/>
-                                  <a:cs typeface="Times New Roman" panose="02020603050405020304" pitchFamily="18" charset="0"/>
-                                </a:rPr>
-                                <m:t>h</m:t>
-                              </m:r>
-                            </m:sub>
-                          </m:sSub>
-                        </m:den>
-                      </m:f>
-                      <m:r>
-                        <a:rPr lang="en-CA" sz="2400" b="0" i="1" smtClean="0">
-                          <a:latin typeface="Cambria Math" panose="02040503050406030204" pitchFamily="18" charset="0"/>
-                          <a:cs typeface="Times New Roman" panose="02020603050405020304" pitchFamily="18" charset="0"/>
-                        </a:rPr>
-                        <m:t>=0</m:t>
-                      </m:r>
-                    </m:oMath>
-                  </m:oMathPara>
-                </a14:m>
-                <a:endParaRPr lang="en-US" sz="2400" dirty="0">
-                  <a:cs typeface="Times New Roman" panose="02020603050405020304" pitchFamily="18" charset="0"/>
-                </a:endParaRPr>
-              </a:p>
-            </p:txBody>
-          </p:sp>
-        </mc:Choice>
-        <mc:Fallback>
-          <p:sp>
-            <p:nvSpPr>
-              <p:cNvPr id="3" name="Content Placeholder 2"/>
-              <p:cNvSpPr>
-                <a:spLocks noGrp="1" noRot="1" noChangeAspect="1" noMove="1" noResize="1" noEditPoints="1" noAdjustHandles="1" noChangeArrowheads="1" noChangeShapeType="1" noTextEdit="1"/>
-              </p:cNvSpPr>
-              <p:nvPr>
-                <p:ph idx="1"/>
-              </p:nvPr>
-            </p:nvSpPr>
-            <p:spPr>
-              <a:xfrm>
-                <a:off x="609601" y="1066801"/>
-                <a:ext cx="10439400" cy="5141388"/>
-              </a:xfrm>
-              <a:blipFill>
-                <a:blip r:embed="rId3"/>
-                <a:stretch>
-                  <a:fillRect l="-409" t="-1305"/>
-                </a:stretch>
-              </a:blipFill>
-            </p:spPr>
-            <p:txBody>
-              <a:bodyPr/>
-              <a:lstStyle/>
-              <a:p>
-                <a:r>
-                  <a:rPr lang="en-CA">
-                    <a:noFill/>
-                  </a:rPr>
-                  <a:t> </a:t>
-                </a:r>
-              </a:p>
-            </p:txBody>
-          </p:sp>
-        </mc:Fallback>
-      </mc:AlternateContent>
-    </p:spTree>
-    <p:extLst>
-      <p:ext uri="{BB962C8B-B14F-4D97-AF65-F5344CB8AC3E}">
-        <p14:creationId xmlns:p14="http://schemas.microsoft.com/office/powerpoint/2010/main" val="3544353217"/>
-      </p:ext>
-    </p:extLst>
-  </p:cSld>
-  <p:clrMapOvr>
-    <a:masterClrMapping/>
-  </p:clrMapOvr>
-</p:sld>
-</file>
-
 <file path=ppt/slides/slide32.xml><?xml version="1.0" encoding="utf-8"?>
 <p:sld xmlns:a="http://schemas.openxmlformats.org/drawingml/2006/main" xmlns:r="http://schemas.openxmlformats.org/officeDocument/2006/relationships" xmlns:p="http://schemas.openxmlformats.org/presentationml/2006/main">
   <p:cSld>
@@ -22590,8 +22267,8 @@
           </a:p>
         </p:txBody>
       </p:sp>
-      <mc:AlternateContent xmlns:mc="http://schemas.openxmlformats.org/markup-compatibility/2006">
-        <mc:Choice xmlns:a14="http://schemas.microsoft.com/office/drawing/2010/main" Requires="a14">
+      <mc:AlternateContent xmlns:mc="http://schemas.openxmlformats.org/markup-compatibility/2006" xmlns:a14="http://schemas.microsoft.com/office/drawing/2010/main">
+        <mc:Choice Requires="a14">
           <p:sp>
             <p:nvSpPr>
               <p:cNvPr id="3" name="Content Placeholder 2"/>
@@ -22864,7 +22541,7 @@
             </p:txBody>
           </p:sp>
         </mc:Choice>
-        <mc:Fallback>
+        <mc:Fallback xmlns="">
           <p:sp>
             <p:nvSpPr>
               <p:cNvPr id="3" name="Content Placeholder 2"/>
@@ -23369,19 +23046,7 @@
                   <a:rPr lang="en-US" sz="2000" dirty="0">
                     <a:cs typeface="Times New Roman" panose="02020603050405020304" pitchFamily="18" charset="0"/>
                   </a:rPr>
-                  <a:t> Look at each pair in </a:t>
-                </a:r>
-                <a:r>
-                  <a:rPr lang="en-US" sz="2000" dirty="0" err="1">
-                    <a:cs typeface="Times New Roman" panose="02020603050405020304" pitchFamily="18" charset="0"/>
-                  </a:rPr>
-                  <a:t>isoluation</a:t>
-                </a:r>
-                <a:r>
-                  <a:rPr lang="en-US" sz="2000" dirty="0">
-                    <a:cs typeface="Times New Roman" panose="02020603050405020304" pitchFamily="18" charset="0"/>
-                  </a:rPr>
-                  <a:t> </a:t>
+                  <a:t> Look at each pair in isolation </a:t>
                 </a:r>
               </a:p>
               <a:p>
@@ -23445,7 +23110,7 @@
               <a:lstStyle/>
               <a:p>
                 <a:r>
-                  <a:rPr lang="en-CA">
+                  <a:rPr lang="en-US">
                     <a:noFill/>
                   </a:rPr>
                   <a:t> </a:t>
@@ -23532,8 +23197,8 @@
           </a:p>
         </p:txBody>
       </p:sp>
-      <mc:AlternateContent xmlns:mc="http://schemas.openxmlformats.org/markup-compatibility/2006">
-        <mc:Choice xmlns:a14="http://schemas.microsoft.com/office/drawing/2010/main" Requires="a14">
+      <mc:AlternateContent xmlns:mc="http://schemas.openxmlformats.org/markup-compatibility/2006" xmlns:a14="http://schemas.microsoft.com/office/drawing/2010/main">
+        <mc:Choice Requires="a14">
           <p:sp>
             <p:nvSpPr>
               <p:cNvPr id="3" name="Content Placeholder 2"/>
@@ -24774,17 +24439,7 @@
                                   <a:latin typeface="Cambria Math" panose="02040503050406030204" pitchFamily="18" charset="0"/>
                                   <a:cs typeface="Times New Roman" panose="02020603050405020304" pitchFamily="18" charset="0"/>
                                 </a:rPr>
-                                <m:t>𝑘</m:t>
-                              </m:r>
-                              <m:r>
-                                <a:rPr lang="en-CA" sz="2400" b="0" i="1" smtClean="0">
-                                  <a:solidFill>
-                                    <a:srgbClr val="000000"/>
-                                  </a:solidFill>
-                                  <a:latin typeface="Cambria Math" panose="02040503050406030204" pitchFamily="18" charset="0"/>
-                                  <a:cs typeface="Times New Roman" panose="02020603050405020304" pitchFamily="18" charset="0"/>
-                                </a:rPr>
-                                <m:t>h</m:t>
+                                <m:t>𝑘h</m:t>
                               </m:r>
                             </m:sub>
                             <m:sup>
@@ -24862,7 +24517,7 @@
             </p:txBody>
           </p:sp>
         </mc:Choice>
-        <mc:Fallback>
+        <mc:Fallback xmlns="">
           <p:sp>
             <p:nvSpPr>
               <p:cNvPr id="3" name="Content Placeholder 2"/>
@@ -24977,8 +24632,8 @@
           </a:p>
         </p:txBody>
       </p:sp>
-      <mc:AlternateContent xmlns:mc="http://schemas.openxmlformats.org/markup-compatibility/2006">
-        <mc:Choice xmlns:a14="http://schemas.microsoft.com/office/drawing/2010/main" Requires="a14">
+      <mc:AlternateContent xmlns:mc="http://schemas.openxmlformats.org/markup-compatibility/2006" xmlns:a14="http://schemas.microsoft.com/office/drawing/2010/main">
+        <mc:Choice Requires="a14">
           <p:sp>
             <p:nvSpPr>
               <p:cNvPr id="3" name="Content Placeholder 2"/>
@@ -26219,17 +25874,7 @@
                                   <a:latin typeface="Cambria Math" panose="02040503050406030204" pitchFamily="18" charset="0"/>
                                   <a:cs typeface="Times New Roman" panose="02020603050405020304" pitchFamily="18" charset="0"/>
                                 </a:rPr>
-                                <m:t>𝑘</m:t>
-                              </m:r>
-                              <m:r>
-                                <a:rPr lang="en-CA" sz="2400" b="0" i="1" smtClean="0">
-                                  <a:solidFill>
-                                    <a:srgbClr val="000000"/>
-                                  </a:solidFill>
-                                  <a:latin typeface="Cambria Math" panose="02040503050406030204" pitchFamily="18" charset="0"/>
-                                  <a:cs typeface="Times New Roman" panose="02020603050405020304" pitchFamily="18" charset="0"/>
-                                </a:rPr>
-                                <m:t>h</m:t>
+                                <m:t>𝑘h</m:t>
                               </m:r>
                             </m:sub>
                             <m:sup>
@@ -26612,17 +26257,7 @@
                             <a:latin typeface="Cambria Math" panose="02040503050406030204" pitchFamily="18" charset="0"/>
                             <a:cs typeface="Times New Roman" panose="02020603050405020304" pitchFamily="18" charset="0"/>
                           </a:rPr>
-                          <m:t>h</m:t>
-                        </m:r>
-                        <m:r>
-                          <a:rPr lang="en-CA" sz="2400" b="0" i="1" u="none" strike="noStrike" smtClean="0">
-                            <a:solidFill>
-                              <a:srgbClr val="000000"/>
-                            </a:solidFill>
-                            <a:latin typeface="Cambria Math" panose="02040503050406030204" pitchFamily="18" charset="0"/>
-                            <a:cs typeface="Times New Roman" panose="02020603050405020304" pitchFamily="18" charset="0"/>
-                          </a:rPr>
-                          <m:t>𝑗</m:t>
+                          <m:t>h𝑗</m:t>
                         </m:r>
                       </m:sub>
                     </m:sSub>
@@ -26978,17 +26613,7 @@
                                       <a:latin typeface="Cambria Math" panose="02040503050406030204" pitchFamily="18" charset="0"/>
                                       <a:cs typeface="Times New Roman" panose="02020603050405020304" pitchFamily="18" charset="0"/>
                                     </a:rPr>
-                                    <m:t>1</m:t>
-                                  </m:r>
-                                  <m:r>
-                                    <a:rPr lang="en-CA" sz="2400" b="0" i="1" u="none" strike="noStrike" baseline="0" smtClean="0">
-                                      <a:solidFill>
-                                        <a:srgbClr val="000000"/>
-                                      </a:solidFill>
-                                      <a:latin typeface="Cambria Math" panose="02040503050406030204" pitchFamily="18" charset="0"/>
-                                      <a:cs typeface="Times New Roman" panose="02020603050405020304" pitchFamily="18" charset="0"/>
-                                    </a:rPr>
-                                    <m:t>−</m:t>
+                                    <m:t>1−</m:t>
                                   </m:r>
                                   <m:r>
                                     <a:rPr lang="en-CA" sz="2400" b="0" i="1" u="none" strike="noStrike" baseline="0" smtClean="0">
@@ -27019,7 +26644,7 @@
             </p:txBody>
           </p:sp>
         </mc:Choice>
-        <mc:Fallback>
+        <mc:Fallback xmlns="">
           <p:sp>
             <p:nvSpPr>
               <p:cNvPr id="3" name="Content Placeholder 2"/>
@@ -27134,8 +26759,8 @@
           </a:p>
         </p:txBody>
       </p:sp>
-      <mc:AlternateContent xmlns:mc="http://schemas.openxmlformats.org/markup-compatibility/2006">
-        <mc:Choice xmlns:a14="http://schemas.microsoft.com/office/drawing/2010/main" Requires="a14">
+      <mc:AlternateContent xmlns:mc="http://schemas.openxmlformats.org/markup-compatibility/2006" xmlns:a14="http://schemas.microsoft.com/office/drawing/2010/main">
+        <mc:Choice Requires="a14">
           <p:sp>
             <p:nvSpPr>
               <p:cNvPr id="3" name="Content Placeholder 2"/>
@@ -27951,7 +27576,7 @@
             </p:txBody>
           </p:sp>
         </mc:Choice>
-        <mc:Fallback>
+        <mc:Fallback xmlns="">
           <p:sp>
             <p:nvSpPr>
               <p:cNvPr id="3" name="Content Placeholder 2"/>
@@ -28146,17 +27771,7 @@
                               <a:latin typeface="Cambria Math" panose="02040503050406030204" pitchFamily="18" charset="0"/>
                               <a:cs typeface="Times New Roman" panose="02020603050405020304" pitchFamily="18" charset="0"/>
                             </a:rPr>
-                            <m:t>𝑗</m:t>
-                          </m:r>
-                          <m:r>
-                            <a:rPr lang="en-CA" sz="2400" b="0" i="1" u="none" strike="noStrike" baseline="0" smtClean="0">
-                              <a:solidFill>
-                                <a:srgbClr val="000000"/>
-                              </a:solidFill>
-                              <a:latin typeface="Cambria Math" panose="02040503050406030204" pitchFamily="18" charset="0"/>
-                              <a:cs typeface="Times New Roman" panose="02020603050405020304" pitchFamily="18" charset="0"/>
-                            </a:rPr>
-                            <m:t>h</m:t>
+                            <m:t>𝑗h</m:t>
                           </m:r>
                         </m:sub>
                       </m:sSub>
@@ -28191,17 +27806,7 @@
                               <a:latin typeface="Cambria Math" panose="02040503050406030204" pitchFamily="18" charset="0"/>
                               <a:cs typeface="Times New Roman" panose="02020603050405020304" pitchFamily="18" charset="0"/>
                             </a:rPr>
-                            <m:t>1</m:t>
-                          </m:r>
-                          <m:r>
-                            <a:rPr lang="en-CA" sz="2400" b="0" i="1" u="none" strike="noStrike" baseline="0" smtClean="0">
-                              <a:solidFill>
-                                <a:srgbClr val="000000"/>
-                              </a:solidFill>
-                              <a:latin typeface="Cambria Math" panose="02040503050406030204" pitchFamily="18" charset="0"/>
-                              <a:cs typeface="Times New Roman" panose="02020603050405020304" pitchFamily="18" charset="0"/>
-                            </a:rPr>
-                            <m:t>−</m:t>
+                            <m:t>1−</m:t>
                           </m:r>
                           <m:r>
                             <a:rPr lang="en-CA" sz="2400" b="0" i="1" u="none" strike="noStrike" baseline="0" smtClean="0">
@@ -28360,17 +27965,7 @@
                                       <a:latin typeface="Cambria Math" panose="02040503050406030204" pitchFamily="18" charset="0"/>
                                       <a:cs typeface="Times New Roman" panose="02020603050405020304" pitchFamily="18" charset="0"/>
                                     </a:rPr>
-                                    <m:t>𝑗</m:t>
-                                  </m:r>
-                                  <m:r>
-                                    <a:rPr lang="en-CA" sz="2400" b="0" i="1" u="none" strike="noStrike" baseline="0" smtClean="0">
-                                      <a:solidFill>
-                                        <a:srgbClr val="000000"/>
-                                      </a:solidFill>
-                                      <a:latin typeface="Cambria Math" panose="02040503050406030204" pitchFamily="18" charset="0"/>
-                                      <a:cs typeface="Times New Roman" panose="02020603050405020304" pitchFamily="18" charset="0"/>
-                                    </a:rPr>
-                                    <m:t>h</m:t>
+                                    <m:t>𝑗h</m:t>
                                   </m:r>
                                 </m:sub>
                               </m:sSub>
@@ -28672,17 +28267,7 @@
                                   <a:latin typeface="Cambria Math" panose="02040503050406030204" pitchFamily="18" charset="0"/>
                                   <a:cs typeface="Times New Roman" panose="02020603050405020304" pitchFamily="18" charset="0"/>
                                 </a:rPr>
-                                <m:t>𝑗</m:t>
-                              </m:r>
-                              <m:r>
-                                <a:rPr lang="en-CA" sz="2400" b="0" i="1" u="none" strike="noStrike" baseline="0" smtClean="0">
-                                  <a:solidFill>
-                                    <a:srgbClr val="000000"/>
-                                  </a:solidFill>
-                                  <a:latin typeface="Cambria Math" panose="02040503050406030204" pitchFamily="18" charset="0"/>
-                                  <a:cs typeface="Times New Roman" panose="02020603050405020304" pitchFamily="18" charset="0"/>
-                                </a:rPr>
-                                <m:t>h</m:t>
+                                <m:t>𝑗h</m:t>
                               </m:r>
                             </m:sub>
                           </m:sSub>
@@ -28731,17 +28316,7 @@
                               <a:latin typeface="Cambria Math" panose="02040503050406030204" pitchFamily="18" charset="0"/>
                               <a:cs typeface="Times New Roman" panose="02020603050405020304" pitchFamily="18" charset="0"/>
                             </a:rPr>
-                            <m:t>ℓ</m:t>
-                          </m:r>
-                          <m:r>
-                            <a:rPr lang="en-CA" sz="2400" b="0" i="1" u="none" strike="noStrike" baseline="0" smtClean="0">
-                              <a:solidFill>
-                                <a:srgbClr val="000000"/>
-                              </a:solidFill>
-                              <a:latin typeface="Cambria Math" panose="02040503050406030204" pitchFamily="18" charset="0"/>
-                              <a:cs typeface="Times New Roman" panose="02020603050405020304" pitchFamily="18" charset="0"/>
-                            </a:rPr>
-                            <m:t>≠</m:t>
+                            <m:t>ℓ≠</m:t>
                           </m:r>
                           <m:r>
                             <a:rPr lang="en-CA" sz="2400" b="0" i="1" u="none" strike="noStrike" baseline="0" smtClean="0">
@@ -28977,7 +28552,7 @@
               </a:p>
               <a:p>
                 <a:r>
-                  <a:rPr lang="en-US" sz="2400" i="0" u="none" strike="noStrike" baseline="0" dirty="0">
+                  <a:rPr lang="en-US" sz="2400" b="1" i="0" u="sng" strike="noStrike" baseline="0" dirty="0">
                     <a:solidFill>
                       <a:srgbClr val="000000"/>
                     </a:solidFill>
@@ -28986,15 +28561,15 @@
                   <a:t>What </a:t>
                 </a:r>
                 <a:r>
-                  <a:rPr lang="en-US" sz="2400" dirty="0">
+                  <a:rPr lang="en-US" sz="2400" b="1" u="sng" dirty="0">
                     <a:solidFill>
                       <a:srgbClr val="000000"/>
                     </a:solidFill>
                     <a:cs typeface="Times New Roman" panose="02020603050405020304" pitchFamily="18" charset="0"/>
                   </a:rPr>
-                  <a:t>welfare are we measuring</a:t>
+                  <a:t>welfare are we measuring?</a:t>
                 </a:r>
-                <a:endParaRPr lang="en-US" sz="2400" i="0" u="none" strike="noStrike" baseline="0" dirty="0">
+                <a:endParaRPr lang="en-US" sz="2400" b="1" i="0" u="sng" strike="noStrike" baseline="0" dirty="0">
                   <a:solidFill>
                     <a:srgbClr val="000000"/>
                   </a:solidFill>
@@ -29032,7 +28607,7 @@
               <a:lstStyle/>
               <a:p>
                 <a:r>
-                  <a:rPr lang="en-CA">
+                  <a:rPr lang="en-US">
                     <a:noFill/>
                   </a:rPr>
                   <a:t> </a:t>
@@ -29098,6 +28673,211 @@
               <a:rPr lang="en-US" sz="3600" dirty="0">
                 <a:cs typeface="Times New Roman" panose="02020603050405020304" pitchFamily="18" charset="0"/>
               </a:rPr>
+              <a:t>One Note on Estimation / Solutions </a:t>
+            </a:r>
+            <a:endParaRPr lang="en-US" sz="3600" dirty="0">
+              <a:latin typeface="Times New Roman" panose="02020603050405020304" pitchFamily="18" charset="0"/>
+              <a:cs typeface="Times New Roman" panose="02020603050405020304" pitchFamily="18" charset="0"/>
+            </a:endParaRPr>
+          </a:p>
+        </p:txBody>
+      </p:sp>
+      <p:sp>
+        <p:nvSpPr>
+          <p:cNvPr id="3" name="Content Placeholder 2"/>
+          <p:cNvSpPr>
+            <a:spLocks noGrp="1"/>
+          </p:cNvSpPr>
+          <p:nvPr>
+            <p:ph idx="1"/>
+          </p:nvPr>
+        </p:nvSpPr>
+        <p:spPr>
+          <a:xfrm>
+            <a:off x="609601" y="1066801"/>
+            <a:ext cx="10439400" cy="5141388"/>
+          </a:xfrm>
+        </p:spPr>
+        <p:txBody>
+          <a:bodyPr>
+            <a:noAutofit/>
+          </a:bodyPr>
+          <a:lstStyle/>
+          <a:p>
+            <a:pPr marL="0" indent="0">
+              <a:buNone/>
+            </a:pPr>
+            <a:r>
+              <a:rPr lang="en-CA" sz="2400" b="0" i="0" u="none" strike="noStrike" baseline="0" dirty="0">
+                <a:solidFill>
+                  <a:srgbClr val="000000"/>
+                </a:solidFill>
+                <a:cs typeface="Times New Roman" panose="02020603050405020304" pitchFamily="18" charset="0"/>
+              </a:rPr>
+              <a:t>How do we solve this model? </a:t>
+            </a:r>
+          </a:p>
+          <a:p>
+            <a:pPr marL="457200" indent="-457200">
+              <a:buFont typeface="+mj-lt"/>
+              <a:buAutoNum type="arabicPeriod"/>
+            </a:pPr>
+            <a:r>
+              <a:rPr lang="en-US" sz="2400" dirty="0"/>
+              <a:t>Estimate patient demand for hospitals: logit model of demand (IO classic)</a:t>
+            </a:r>
+          </a:p>
+          <a:p>
+            <a:pPr marL="457200" indent="-457200">
+              <a:buFont typeface="+mj-lt"/>
+              <a:buAutoNum type="arabicPeriod"/>
+            </a:pPr>
+            <a:r>
+              <a:rPr lang="en-US" sz="2400" dirty="0"/>
+              <a:t>Estimate value of adding hospital to network based on </a:t>
+            </a:r>
+            <a:r>
+              <a:rPr lang="en-US" sz="2400" i="1" dirty="0"/>
+              <a:t>ex-ante</a:t>
+            </a:r>
+            <a:r>
+              <a:rPr lang="en-US" sz="2400" dirty="0"/>
+              <a:t> utilities from (1) </a:t>
+            </a:r>
+          </a:p>
+          <a:p>
+            <a:pPr marL="457200" indent="-457200">
+              <a:buFont typeface="+mj-lt"/>
+              <a:buAutoNum type="arabicPeriod"/>
+            </a:pPr>
+            <a:r>
+              <a:rPr lang="en-US" sz="2400" dirty="0"/>
+              <a:t>Estimate hospital/insurer surplus and bargaining power using additional data on hospital revenues and costs. </a:t>
+            </a:r>
+          </a:p>
+          <a:p>
+            <a:pPr marL="0" indent="0">
+              <a:buNone/>
+            </a:pPr>
+            <a:r>
+              <a:rPr lang="en-CA" sz="2400" b="0" i="0" u="none" strike="noStrike" baseline="0" dirty="0">
+                <a:solidFill>
+                  <a:srgbClr val="000000"/>
+                </a:solidFill>
+                <a:cs typeface="Times New Roman" panose="02020603050405020304" pitchFamily="18" charset="0"/>
+              </a:rPr>
+              <a:t>What do you do with the solution? The basic strategy is: </a:t>
+            </a:r>
+          </a:p>
+          <a:p>
+            <a:pPr marL="457200" indent="-457200">
+              <a:buFont typeface="+mj-lt"/>
+              <a:buAutoNum type="arabicPeriod"/>
+            </a:pPr>
+            <a:r>
+              <a:rPr lang="en-US" sz="2400" b="0" i="0" u="none" strike="noStrike" baseline="0" dirty="0">
+                <a:solidFill>
+                  <a:srgbClr val="000000"/>
+                </a:solidFill>
+                <a:cs typeface="Times New Roman" panose="02020603050405020304" pitchFamily="18" charset="0"/>
+              </a:rPr>
+              <a:t>Estimate the parameters in the bargaining FOC</a:t>
+            </a:r>
+          </a:p>
+          <a:p>
+            <a:pPr marL="457200" indent="-457200">
+              <a:buFont typeface="+mj-lt"/>
+              <a:buAutoNum type="arabicPeriod"/>
+            </a:pPr>
+            <a:r>
+              <a:rPr lang="en-US" sz="2400" dirty="0">
+                <a:solidFill>
+                  <a:srgbClr val="000000"/>
+                </a:solidFill>
+                <a:cs typeface="Times New Roman" panose="02020603050405020304" pitchFamily="18" charset="0"/>
+              </a:rPr>
+              <a:t>Calculate merger counterfactuals with predicted post-merger prices </a:t>
+            </a:r>
+          </a:p>
+          <a:p>
+            <a:pPr marL="457200" indent="-457200">
+              <a:buFont typeface="+mj-lt"/>
+              <a:buAutoNum type="arabicPeriod"/>
+            </a:pPr>
+            <a:r>
+              <a:rPr lang="en-US" sz="2400" b="0" i="0" u="none" strike="noStrike" baseline="0" dirty="0">
+                <a:solidFill>
+                  <a:srgbClr val="000000"/>
+                </a:solidFill>
+                <a:cs typeface="Times New Roman" panose="02020603050405020304" pitchFamily="18" charset="0"/>
+              </a:rPr>
+              <a:t>Run counterfactual exercises based on changes to structural parameters</a:t>
+            </a:r>
+            <a:endParaRPr lang="en-US" sz="2400" i="0" u="none" strike="noStrike" baseline="0" dirty="0">
+              <a:solidFill>
+                <a:srgbClr val="000000"/>
+              </a:solidFill>
+              <a:cs typeface="Times New Roman" panose="02020603050405020304" pitchFamily="18" charset="0"/>
+            </a:endParaRPr>
+          </a:p>
+        </p:txBody>
+      </p:sp>
+    </p:spTree>
+    <p:extLst>
+      <p:ext uri="{BB962C8B-B14F-4D97-AF65-F5344CB8AC3E}">
+        <p14:creationId xmlns:p14="http://schemas.microsoft.com/office/powerpoint/2010/main" val="4194783159"/>
+      </p:ext>
+    </p:extLst>
+  </p:cSld>
+  <p:clrMapOvr>
+    <a:masterClrMapping/>
+  </p:clrMapOvr>
+</p:sld>
+</file>
+
+<file path=ppt/slides/slide39.xml><?xml version="1.0" encoding="utf-8"?>
+<p:sld xmlns:a="http://schemas.openxmlformats.org/drawingml/2006/main" xmlns:r="http://schemas.openxmlformats.org/officeDocument/2006/relationships" xmlns:p="http://schemas.openxmlformats.org/presentationml/2006/main">
+  <p:cSld>
+    <p:spTree>
+      <p:nvGrpSpPr>
+        <p:cNvPr id="1" name=""/>
+        <p:cNvGrpSpPr/>
+        <p:nvPr/>
+      </p:nvGrpSpPr>
+      <p:grpSpPr>
+        <a:xfrm>
+          <a:off x="0" y="0"/>
+          <a:ext cx="0" cy="0"/>
+          <a:chOff x="0" y="0"/>
+          <a:chExt cx="0" cy="0"/>
+        </a:xfrm>
+      </p:grpSpPr>
+      <p:sp>
+        <p:nvSpPr>
+          <p:cNvPr id="2" name="Title 1"/>
+          <p:cNvSpPr>
+            <a:spLocks noGrp="1"/>
+          </p:cNvSpPr>
+          <p:nvPr>
+            <p:ph type="title"/>
+          </p:nvPr>
+        </p:nvSpPr>
+        <p:spPr>
+          <a:xfrm>
+            <a:off x="609600" y="272077"/>
+            <a:ext cx="10439400" cy="624840"/>
+          </a:xfrm>
+        </p:spPr>
+        <p:txBody>
+          <a:bodyPr>
+            <a:noAutofit/>
+          </a:bodyPr>
+          <a:lstStyle/>
+          <a:p>
+            <a:r>
+              <a:rPr lang="en-US" sz="3600" dirty="0">
+                <a:cs typeface="Times New Roman" panose="02020603050405020304" pitchFamily="18" charset="0"/>
+              </a:rPr>
               <a:t>One Note on Welfare </a:t>
             </a:r>
             <a:endParaRPr lang="en-US" sz="3600" dirty="0">
@@ -29107,8 +28887,8 @@
           </a:p>
         </p:txBody>
       </p:sp>
-      <mc:AlternateContent xmlns:mc="http://schemas.openxmlformats.org/markup-compatibility/2006">
-        <mc:Choice xmlns:a14="http://schemas.microsoft.com/office/drawing/2010/main" Requires="a14">
+      <mc:AlternateContent xmlns:mc="http://schemas.openxmlformats.org/markup-compatibility/2006" xmlns:a14="http://schemas.microsoft.com/office/drawing/2010/main">
+        <mc:Choice Requires="a14">
           <p:sp>
             <p:nvSpPr>
               <p:cNvPr id="3" name="Content Placeholder 2"/>
@@ -29933,7 +29713,7 @@
             </p:txBody>
           </p:sp>
         </mc:Choice>
-        <mc:Fallback>
+        <mc:Fallback xmlns="">
           <p:sp>
             <p:nvSpPr>
               <p:cNvPr id="3" name="Content Placeholder 2"/>
@@ -29984,7 +29764,7 @@
 </p:sld>
 </file>
 
-<file path=ppt/slides/slide39.xml><?xml version="1.0" encoding="utf-8"?>
+<file path=ppt/slides/slide4.xml><?xml version="1.0" encoding="utf-8"?>
 <p:sld xmlns:a="http://schemas.openxmlformats.org/drawingml/2006/main" xmlns:r="http://schemas.openxmlformats.org/officeDocument/2006/relationships" xmlns:p="http://schemas.openxmlformats.org/presentationml/2006/main">
   <p:cSld>
     <p:spTree>
@@ -30027,7 +29807,7 @@
               <a:rPr lang="en-US" sz="3600" dirty="0">
                 <a:cs typeface="Times New Roman" panose="02020603050405020304" pitchFamily="18" charset="0"/>
               </a:rPr>
-              <a:t>One Note on Solutions </a:t>
+              <a:t>How do we model equilibria? </a:t>
             </a:r>
             <a:endParaRPr lang="en-US" sz="3600" dirty="0">
               <a:latin typeface="Times New Roman" panose="02020603050405020304" pitchFamily="18" charset="0"/>
@@ -30058,6 +29838,203 @@
           </a:bodyPr>
           <a:lstStyle/>
           <a:p>
+            <a:r>
+              <a:rPr lang="en-US" sz="2400" dirty="0">
+                <a:cs typeface="Times New Roman" panose="02020603050405020304" pitchFamily="18" charset="0"/>
+              </a:rPr>
+              <a:t>Multiple agents involved – and multiple parameterizations! </a:t>
+            </a:r>
+          </a:p>
+          <a:p>
+            <a:pPr lvl="1"/>
+            <a:r>
+              <a:rPr lang="en-US" sz="2200" dirty="0">
+                <a:cs typeface="Times New Roman" panose="02020603050405020304" pitchFamily="18" charset="0"/>
+              </a:rPr>
+              <a:t>Need to specify </a:t>
+            </a:r>
+            <a:r>
+              <a:rPr lang="en-US" sz="2200" b="1" u="sng" dirty="0">
+                <a:cs typeface="Times New Roman" panose="02020603050405020304" pitchFamily="18" charset="0"/>
+              </a:rPr>
+              <a:t>markets</a:t>
+            </a:r>
+            <a:r>
+              <a:rPr lang="en-US" sz="2200" dirty="0">
+                <a:cs typeface="Times New Roman" panose="02020603050405020304" pitchFamily="18" charset="0"/>
+              </a:rPr>
+              <a:t>, utilities, altruism, profits, etc. </a:t>
+            </a:r>
+          </a:p>
+          <a:p>
+            <a:r>
+              <a:rPr lang="en-US" sz="2400" dirty="0">
+                <a:cs typeface="Times New Roman" panose="02020603050405020304" pitchFamily="18" charset="0"/>
+              </a:rPr>
+              <a:t>In addition, supply and demand are </a:t>
+            </a:r>
+            <a:r>
+              <a:rPr lang="en-US" sz="2400" b="1" dirty="0">
+                <a:cs typeface="Times New Roman" panose="02020603050405020304" pitchFamily="18" charset="0"/>
+              </a:rPr>
+              <a:t>jointly determined </a:t>
+            </a:r>
+            <a:r>
+              <a:rPr lang="en-US" sz="2400" dirty="0">
+                <a:cs typeface="Times New Roman" panose="02020603050405020304" pitchFamily="18" charset="0"/>
+              </a:rPr>
+              <a:t>(condition 3)</a:t>
+            </a:r>
+          </a:p>
+          <a:p>
+            <a:pPr lvl="1"/>
+            <a:r>
+              <a:rPr lang="en-US" sz="2200" dirty="0">
+                <a:cs typeface="Times New Roman" panose="02020603050405020304" pitchFamily="18" charset="0"/>
+              </a:rPr>
+              <a:t>This makes separate estimation challenging!</a:t>
+            </a:r>
+            <a:endParaRPr lang="en-US" sz="2200" dirty="0">
+              <a:solidFill>
+                <a:schemeClr val="tx1"/>
+              </a:solidFill>
+              <a:cs typeface="Times New Roman" panose="02020603050405020304" pitchFamily="18" charset="0"/>
+            </a:endParaRPr>
+          </a:p>
+        </p:txBody>
+      </p:sp>
+      <p:pic>
+        <p:nvPicPr>
+          <p:cNvPr id="2050" name="Picture 2" descr="Instrumental Variables - YouTube">
+            <a:extLst>
+              <a:ext uri="{FF2B5EF4-FFF2-40B4-BE49-F238E27FC236}">
+                <a16:creationId xmlns:a16="http://schemas.microsoft.com/office/drawing/2014/main" id="{C4A6EDD5-5771-CB5B-A4AD-0273AD3F5253}"/>
+              </a:ext>
+            </a:extLst>
+          </p:cNvPr>
+          <p:cNvPicPr>
+            <a:picLocks noChangeAspect="1" noChangeArrowheads="1"/>
+          </p:cNvPicPr>
+          <p:nvPr/>
+        </p:nvPicPr>
+        <p:blipFill rotWithShape="1">
+          <a:blip r:embed="rId3">
+            <a:extLst>
+              <a:ext uri="{28A0092B-C50C-407E-A947-70E740481C1C}">
+                <a14:useLocalDpi xmlns:a14="http://schemas.microsoft.com/office/drawing/2010/main" val="0"/>
+              </a:ext>
+            </a:extLst>
+          </a:blip>
+          <a:srcRect l="35625" t="15557" r="2500" b="2222"/>
+          <a:stretch/>
+        </p:blipFill>
+        <p:spPr bwMode="auto">
+          <a:xfrm>
+            <a:off x="6078494" y="2819400"/>
+            <a:ext cx="5199105" cy="3886200"/>
+          </a:xfrm>
+          <a:prstGeom prst="rect">
+            <a:avLst/>
+          </a:prstGeom>
+          <a:noFill/>
+          <a:extLst>
+            <a:ext uri="{909E8E84-426E-40DD-AFC4-6F175D3DCCD1}">
+              <a14:hiddenFill xmlns:a14="http://schemas.microsoft.com/office/drawing/2010/main">
+                <a:solidFill>
+                  <a:srgbClr val="FFFFFF"/>
+                </a:solidFill>
+              </a14:hiddenFill>
+            </a:ext>
+          </a:extLst>
+        </p:spPr>
+      </p:pic>
+    </p:spTree>
+    <p:extLst>
+      <p:ext uri="{BB962C8B-B14F-4D97-AF65-F5344CB8AC3E}">
+        <p14:creationId xmlns:p14="http://schemas.microsoft.com/office/powerpoint/2010/main" val="3899501887"/>
+      </p:ext>
+    </p:extLst>
+  </p:cSld>
+  <p:clrMapOvr>
+    <a:masterClrMapping/>
+  </p:clrMapOvr>
+</p:sld>
+</file>
+
+<file path=ppt/slides/slide40.xml><?xml version="1.0" encoding="utf-8"?>
+<p:sld xmlns:a="http://schemas.openxmlformats.org/drawingml/2006/main" xmlns:r="http://schemas.openxmlformats.org/officeDocument/2006/relationships" xmlns:p="http://schemas.openxmlformats.org/presentationml/2006/main">
+  <p:cSld>
+    <p:spTree>
+      <p:nvGrpSpPr>
+        <p:cNvPr id="1" name=""/>
+        <p:cNvGrpSpPr/>
+        <p:nvPr/>
+      </p:nvGrpSpPr>
+      <p:grpSpPr>
+        <a:xfrm>
+          <a:off x="0" y="0"/>
+          <a:ext cx="0" cy="0"/>
+          <a:chOff x="0" y="0"/>
+          <a:chExt cx="0" cy="0"/>
+        </a:xfrm>
+      </p:grpSpPr>
+      <p:sp>
+        <p:nvSpPr>
+          <p:cNvPr id="2" name="Title 1"/>
+          <p:cNvSpPr>
+            <a:spLocks noGrp="1"/>
+          </p:cNvSpPr>
+          <p:nvPr>
+            <p:ph type="title"/>
+          </p:nvPr>
+        </p:nvSpPr>
+        <p:spPr>
+          <a:xfrm>
+            <a:off x="609600" y="272077"/>
+            <a:ext cx="10439400" cy="624840"/>
+          </a:xfrm>
+        </p:spPr>
+        <p:txBody>
+          <a:bodyPr>
+            <a:noAutofit/>
+          </a:bodyPr>
+          <a:lstStyle/>
+          <a:p>
+            <a:r>
+              <a:rPr lang="en-US" sz="3600" dirty="0">
+                <a:cs typeface="Times New Roman" panose="02020603050405020304" pitchFamily="18" charset="0"/>
+              </a:rPr>
+              <a:t>Lots of other modeling choices!</a:t>
+            </a:r>
+            <a:endParaRPr lang="en-US" sz="3600" dirty="0">
+              <a:latin typeface="Times New Roman" panose="02020603050405020304" pitchFamily="18" charset="0"/>
+              <a:cs typeface="Times New Roman" panose="02020603050405020304" pitchFamily="18" charset="0"/>
+            </a:endParaRPr>
+          </a:p>
+        </p:txBody>
+      </p:sp>
+      <p:sp>
+        <p:nvSpPr>
+          <p:cNvPr id="3" name="Content Placeholder 2"/>
+          <p:cNvSpPr>
+            <a:spLocks noGrp="1"/>
+          </p:cNvSpPr>
+          <p:nvPr>
+            <p:ph idx="1"/>
+          </p:nvPr>
+        </p:nvSpPr>
+        <p:spPr>
+          <a:xfrm>
+            <a:off x="609601" y="1066801"/>
+            <a:ext cx="10439400" cy="5141388"/>
+          </a:xfrm>
+        </p:spPr>
+        <p:txBody>
+          <a:bodyPr>
+            <a:noAutofit/>
+          </a:bodyPr>
+          <a:lstStyle/>
+          <a:p>
             <a:pPr marL="0" indent="0">
               <a:buNone/>
             </a:pPr>
@@ -30068,73 +30045,39 @@
                 </a:solidFill>
                 <a:cs typeface="Times New Roman" panose="02020603050405020304" pitchFamily="18" charset="0"/>
               </a:rPr>
-              <a:t>How do we solve this model? </a:t>
+              <a:t>Structural estimation is a powerful tool!</a:t>
             </a:r>
           </a:p>
           <a:p>
-            <a:pPr marL="457200" indent="-457200">
-              <a:buFont typeface="+mj-lt"/>
-              <a:buAutoNum type="arabicPeriod"/>
-            </a:pPr>
             <a:r>
-              <a:rPr lang="en-US" sz="2400" dirty="0"/>
-              <a:t>Estimate patient demand for hospitals: logit model of demand (IO classic)</a:t>
-            </a:r>
-          </a:p>
-          <a:p>
-            <a:pPr marL="457200" indent="-457200">
-              <a:buFont typeface="+mj-lt"/>
-              <a:buAutoNum type="arabicPeriod"/>
-            </a:pPr>
-            <a:r>
-              <a:rPr lang="en-US" sz="2400" dirty="0"/>
-              <a:t>Estimate value of adding a hospital to a network based on ex-ante utilities from (1) </a:t>
-            </a:r>
-          </a:p>
-          <a:p>
-            <a:pPr marL="457200" indent="-457200">
-              <a:buFont typeface="+mj-lt"/>
-              <a:buAutoNum type="arabicPeriod"/>
-            </a:pPr>
-            <a:r>
-              <a:rPr lang="en-US" sz="2400" dirty="0"/>
-              <a:t>Estimate hospital/insurer surplus and bargaining power using additional data on hospital revenues and costs. </a:t>
-            </a:r>
-          </a:p>
-          <a:p>
-            <a:pPr marL="0" indent="0">
-              <a:buNone/>
-            </a:pPr>
-            <a:r>
-              <a:rPr lang="en-CA" sz="2400" b="0" i="0" u="none" strike="noStrike" baseline="0" dirty="0">
+              <a:rPr lang="en-CA" sz="2400" dirty="0">
                 <a:solidFill>
                   <a:srgbClr val="000000"/>
                 </a:solidFill>
                 <a:cs typeface="Times New Roman" panose="02020603050405020304" pitchFamily="18" charset="0"/>
               </a:rPr>
-              <a:t>What do you do with the solution? The basic strategy is: </a:t>
+              <a:t>How are markets structured? </a:t>
             </a:r>
           </a:p>
           <a:p>
-            <a:pPr marL="457200" indent="-457200">
-              <a:buFont typeface="+mj-lt"/>
-              <a:buAutoNum type="arabicPeriod"/>
-            </a:pPr>
             <a:r>
-              <a:rPr lang="en-US" sz="2400" b="0" i="0" u="none" strike="noStrike" baseline="0" dirty="0">
+              <a:rPr lang="en-CA" sz="2400" i="0" u="none" strike="noStrike" baseline="0" dirty="0">
                 <a:solidFill>
                   <a:srgbClr val="000000"/>
                 </a:solidFill>
                 <a:cs typeface="Times New Roman" panose="02020603050405020304" pitchFamily="18" charset="0"/>
               </a:rPr>
-              <a:t>Estimate the parameters in the bargaining FOC</a:t>
+              <a:t>How is quality determined? Investments? </a:t>
             </a:r>
-          </a:p>
-          <a:p>
-            <a:pPr marL="457200" indent="-457200">
-              <a:buFont typeface="+mj-lt"/>
-              <a:buAutoNum type="arabicPeriod"/>
-            </a:pPr>
+            <a:r>
+              <a:rPr lang="en-CA" sz="2400" dirty="0">
+                <a:solidFill>
+                  <a:srgbClr val="000000"/>
+                </a:solidFill>
+                <a:cs typeface="Times New Roman" panose="02020603050405020304" pitchFamily="18" charset="0"/>
+              </a:rPr>
+              <a:t>R&amp;D</a:t>
+            </a:r>
             <a:r>
               <a:rPr lang="en-US" sz="2400" dirty="0">
                 <a:solidFill>
@@ -30142,26 +30085,84 @@
                 </a:solidFill>
                 <a:cs typeface="Times New Roman" panose="02020603050405020304" pitchFamily="18" charset="0"/>
               </a:rPr>
-              <a:t>Calculate merger counterfactuals with predicted post-merger prices </a:t>
+              <a:t>? </a:t>
             </a:r>
           </a:p>
           <a:p>
-            <a:pPr marL="457200" indent="-457200">
-              <a:buFont typeface="+mj-lt"/>
-              <a:buAutoNum type="arabicPeriod"/>
-            </a:pPr>
             <a:r>
-              <a:rPr lang="en-US" sz="2400" b="0" i="0" u="none" strike="noStrike" baseline="0" dirty="0">
+              <a:rPr lang="en-US" sz="2400" dirty="0">
                 <a:solidFill>
                   <a:srgbClr val="000000"/>
                 </a:solidFill>
                 <a:cs typeface="Times New Roman" panose="02020603050405020304" pitchFamily="18" charset="0"/>
               </a:rPr>
-              <a:t>Run counterfactual exercises based on changes to structural parameters</a:t>
+              <a:t>How do patients pick plans? Hospitals? Providers? </a:t>
             </a:r>
-            <a:endParaRPr lang="en-US" sz="2400" i="0" u="none" strike="noStrike" baseline="0" dirty="0">
+          </a:p>
+          <a:p>
+            <a:r>
+              <a:rPr lang="en-US" sz="2400" dirty="0">
+                <a:solidFill>
+                  <a:srgbClr val="000000"/>
+                </a:solidFill>
+                <a:cs typeface="Times New Roman" panose="02020603050405020304" pitchFamily="18" charset="0"/>
+              </a:rPr>
+              <a:t>How does competition affect quality? </a:t>
+            </a:r>
+          </a:p>
+          <a:p>
+            <a:r>
+              <a:rPr lang="en-US" sz="2400" dirty="0">
+                <a:solidFill>
+                  <a:srgbClr val="000000"/>
+                </a:solidFill>
+                <a:cs typeface="Times New Roman" panose="02020603050405020304" pitchFamily="18" charset="0"/>
+              </a:rPr>
+              <a:t>How do providers learn about/implement new technologies? How does this affect R&amp;D decisions? </a:t>
+            </a:r>
+          </a:p>
+          <a:p>
+            <a:r>
+              <a:rPr lang="en-US" sz="2400" dirty="0">
+                <a:solidFill>
+                  <a:srgbClr val="000000"/>
+                </a:solidFill>
+                <a:cs typeface="Times New Roman" panose="02020603050405020304" pitchFamily="18" charset="0"/>
+              </a:rPr>
+              <a:t>How do physicians construct referral networks? </a:t>
+            </a:r>
+          </a:p>
+          <a:p>
+            <a:r>
+              <a:rPr lang="en-US" sz="2400" dirty="0">
+                <a:solidFill>
+                  <a:schemeClr val="accent2">
+                    <a:lumMod val="75000"/>
+                  </a:schemeClr>
+                </a:solidFill>
+                <a:cs typeface="Times New Roman" panose="02020603050405020304" pitchFamily="18" charset="0"/>
+              </a:rPr>
+              <a:t>If you can dream it, you can (probably) structurally model it! </a:t>
+            </a:r>
+          </a:p>
+          <a:p>
+            <a:pPr lvl="1"/>
+            <a:r>
+              <a:rPr lang="en-US" sz="2200" dirty="0">
+                <a:solidFill>
+                  <a:schemeClr val="accent2">
+                    <a:lumMod val="75000"/>
+                  </a:schemeClr>
+                </a:solidFill>
+                <a:cs typeface="Times New Roman" panose="02020603050405020304" pitchFamily="18" charset="0"/>
+              </a:rPr>
+              <a:t>Estimation on the other hand….</a:t>
+            </a:r>
+            <a:endParaRPr lang="en-CA" sz="2200" dirty="0">
               <a:solidFill>
-                <a:srgbClr val="000000"/>
+                <a:schemeClr val="accent2">
+                  <a:lumMod val="75000"/>
+                </a:schemeClr>
               </a:solidFill>
               <a:cs typeface="Times New Roman" panose="02020603050405020304" pitchFamily="18" charset="0"/>
             </a:endParaRPr>
@@ -30171,7 +30172,7 @@
     </p:spTree>
     <p:extLst>
       <p:ext uri="{BB962C8B-B14F-4D97-AF65-F5344CB8AC3E}">
-        <p14:creationId xmlns:p14="http://schemas.microsoft.com/office/powerpoint/2010/main" val="4194783159"/>
+        <p14:creationId xmlns:p14="http://schemas.microsoft.com/office/powerpoint/2010/main" val="1093988680"/>
       </p:ext>
     </p:extLst>
   </p:cSld>
@@ -30181,7 +30182,229 @@
 </p:sld>
 </file>
 
-<file path=ppt/slides/slide4.xml><?xml version="1.0" encoding="utf-8"?>
+<file path=ppt/slides/slide41.xml><?xml version="1.0" encoding="utf-8"?>
+<p:sld xmlns:a="http://schemas.openxmlformats.org/drawingml/2006/main" xmlns:r="http://schemas.openxmlformats.org/officeDocument/2006/relationships" xmlns:p="http://schemas.openxmlformats.org/presentationml/2006/main">
+  <p:cSld>
+    <p:spTree>
+      <p:nvGrpSpPr>
+        <p:cNvPr id="1" name=""/>
+        <p:cNvGrpSpPr/>
+        <p:nvPr/>
+      </p:nvGrpSpPr>
+      <p:grpSpPr>
+        <a:xfrm>
+          <a:off x="0" y="0"/>
+          <a:ext cx="0" cy="0"/>
+          <a:chOff x="0" y="0"/>
+          <a:chExt cx="0" cy="0"/>
+        </a:xfrm>
+      </p:grpSpPr>
+      <p:sp>
+        <p:nvSpPr>
+          <p:cNvPr id="4" name="Title 3">
+            <a:extLst>
+              <a:ext uri="{FF2B5EF4-FFF2-40B4-BE49-F238E27FC236}">
+                <a16:creationId xmlns:a16="http://schemas.microsoft.com/office/drawing/2014/main" id="{3959A64B-5C9A-4A9B-BA45-ADECED2E51D9}"/>
+              </a:ext>
+            </a:extLst>
+          </p:cNvPr>
+          <p:cNvSpPr>
+            <a:spLocks noGrp="1"/>
+          </p:cNvSpPr>
+          <p:nvPr>
+            <p:ph type="ctrTitle"/>
+          </p:nvPr>
+        </p:nvSpPr>
+        <p:spPr>
+          <a:xfrm>
+            <a:off x="1261872" y="758952"/>
+            <a:ext cx="10625328" cy="4041648"/>
+          </a:xfrm>
+        </p:spPr>
+        <p:txBody>
+          <a:bodyPr/>
+          <a:lstStyle/>
+          <a:p>
+            <a:r>
+              <a:rPr lang="en-US" dirty="0"/>
+              <a:t>Presentations</a:t>
+            </a:r>
+          </a:p>
+        </p:txBody>
+      </p:sp>
+      <p:sp>
+        <p:nvSpPr>
+          <p:cNvPr id="5" name="Subtitle 4">
+            <a:extLst>
+              <a:ext uri="{FF2B5EF4-FFF2-40B4-BE49-F238E27FC236}">
+                <a16:creationId xmlns:a16="http://schemas.microsoft.com/office/drawing/2014/main" id="{D52D9252-3DD8-4D35-8070-32332FBE25E4}"/>
+              </a:ext>
+            </a:extLst>
+          </p:cNvPr>
+          <p:cNvSpPr>
+            <a:spLocks noGrp="1"/>
+          </p:cNvSpPr>
+          <p:nvPr>
+            <p:ph type="subTitle" idx="1"/>
+          </p:nvPr>
+        </p:nvSpPr>
+        <p:spPr/>
+        <p:txBody>
+          <a:bodyPr/>
+          <a:lstStyle/>
+          <a:p>
+            <a:endParaRPr lang="en-US" dirty="0"/>
+          </a:p>
+        </p:txBody>
+      </p:sp>
+    </p:spTree>
+    <p:extLst>
+      <p:ext uri="{BB962C8B-B14F-4D97-AF65-F5344CB8AC3E}">
+        <p14:creationId xmlns:p14="http://schemas.microsoft.com/office/powerpoint/2010/main" val="1905963770"/>
+      </p:ext>
+    </p:extLst>
+  </p:cSld>
+  <p:clrMapOvr>
+    <a:masterClrMapping/>
+  </p:clrMapOvr>
+</p:sld>
+</file>
+
+<file path=ppt/slides/slide42.xml><?xml version="1.0" encoding="utf-8"?>
+<p:sld xmlns:a="http://schemas.openxmlformats.org/drawingml/2006/main" xmlns:r="http://schemas.openxmlformats.org/officeDocument/2006/relationships" xmlns:p="http://schemas.openxmlformats.org/presentationml/2006/main">
+  <p:cSld>
+    <p:spTree>
+      <p:nvGrpSpPr>
+        <p:cNvPr id="1" name=""/>
+        <p:cNvGrpSpPr/>
+        <p:nvPr/>
+      </p:nvGrpSpPr>
+      <p:grpSpPr>
+        <a:xfrm>
+          <a:off x="0" y="0"/>
+          <a:ext cx="0" cy="0"/>
+          <a:chOff x="0" y="0"/>
+          <a:chExt cx="0" cy="0"/>
+        </a:xfrm>
+      </p:grpSpPr>
+      <p:sp>
+        <p:nvSpPr>
+          <p:cNvPr id="2" name="Title 1"/>
+          <p:cNvSpPr>
+            <a:spLocks noGrp="1"/>
+          </p:cNvSpPr>
+          <p:nvPr>
+            <p:ph type="title"/>
+          </p:nvPr>
+        </p:nvSpPr>
+        <p:spPr>
+          <a:xfrm>
+            <a:off x="609600" y="272077"/>
+            <a:ext cx="10439400" cy="624840"/>
+          </a:xfrm>
+        </p:spPr>
+        <p:txBody>
+          <a:bodyPr>
+            <a:noAutofit/>
+          </a:bodyPr>
+          <a:lstStyle/>
+          <a:p>
+            <a:r>
+              <a:rPr lang="en-US" sz="3600" dirty="0">
+                <a:cs typeface="Times New Roman" panose="02020603050405020304" pitchFamily="18" charset="0"/>
+              </a:rPr>
+              <a:t>Summary</a:t>
+            </a:r>
+            <a:endParaRPr lang="en-US" sz="3600" dirty="0">
+              <a:latin typeface="Times New Roman" panose="02020603050405020304" pitchFamily="18" charset="0"/>
+              <a:cs typeface="Times New Roman" panose="02020603050405020304" pitchFamily="18" charset="0"/>
+            </a:endParaRPr>
+          </a:p>
+        </p:txBody>
+      </p:sp>
+      <p:sp>
+        <p:nvSpPr>
+          <p:cNvPr id="3" name="Content Placeholder 2"/>
+          <p:cNvSpPr>
+            <a:spLocks noGrp="1"/>
+          </p:cNvSpPr>
+          <p:nvPr>
+            <p:ph idx="1"/>
+          </p:nvPr>
+        </p:nvSpPr>
+        <p:spPr>
+          <a:xfrm>
+            <a:off x="609601" y="1066801"/>
+            <a:ext cx="10439400" cy="5141388"/>
+          </a:xfrm>
+        </p:spPr>
+        <p:txBody>
+          <a:bodyPr>
+            <a:noAutofit/>
+          </a:bodyPr>
+          <a:lstStyle/>
+          <a:p>
+            <a:r>
+              <a:rPr lang="en-US" sz="2400" dirty="0">
+                <a:cs typeface="Times New Roman" panose="02020603050405020304" pitchFamily="18" charset="0"/>
+              </a:rPr>
+              <a:t>Moral hazard in health care</a:t>
+            </a:r>
+          </a:p>
+          <a:p>
+            <a:r>
+              <a:rPr lang="en-US" sz="2400" dirty="0">
+                <a:cs typeface="Times New Roman" panose="02020603050405020304" pitchFamily="18" charset="0"/>
+              </a:rPr>
+              <a:t>Additional work: talk about some of your own work. </a:t>
+            </a:r>
+          </a:p>
+          <a:p>
+            <a:pPr marL="0" indent="0">
+              <a:buNone/>
+            </a:pPr>
+            <a:r>
+              <a:rPr lang="en-US" sz="2400" b="1" dirty="0">
+                <a:solidFill>
+                  <a:srgbClr val="0070C0"/>
+                </a:solidFill>
+                <a:cs typeface="Times New Roman" panose="02020603050405020304" pitchFamily="18" charset="0"/>
+              </a:rPr>
+              <a:t>Next time: adverse selection</a:t>
+            </a:r>
+          </a:p>
+          <a:p>
+            <a:r>
+              <a:rPr lang="en-US" sz="2400" dirty="0">
+                <a:cs typeface="Times New Roman" panose="02020603050405020304" pitchFamily="18" charset="0"/>
+              </a:rPr>
+              <a:t>What happens when people have private information about type? </a:t>
+            </a:r>
+          </a:p>
+          <a:p>
+            <a:r>
+              <a:rPr lang="en-US" sz="2400" dirty="0">
+                <a:cs typeface="Times New Roman" panose="02020603050405020304" pitchFamily="18" charset="0"/>
+              </a:rPr>
+              <a:t>How does this affect health choices?</a:t>
+            </a:r>
+          </a:p>
+        </p:txBody>
+      </p:sp>
+    </p:spTree>
+    <p:extLst>
+      <p:ext uri="{BB962C8B-B14F-4D97-AF65-F5344CB8AC3E}">
+        <p14:creationId xmlns:p14="http://schemas.microsoft.com/office/powerpoint/2010/main" val="2038780387"/>
+      </p:ext>
+    </p:extLst>
+  </p:cSld>
+  <p:clrMapOvr>
+    <a:masterClrMapping/>
+  </p:clrMapOvr>
+</p:sld>
+</file>
+
+<file path=ppt/slides/slide5.xml><?xml version="1.0" encoding="utf-8"?>
 <p:sld xmlns:a="http://schemas.openxmlformats.org/drawingml/2006/main" xmlns:r="http://schemas.openxmlformats.org/officeDocument/2006/relationships" xmlns:p="http://schemas.openxmlformats.org/presentationml/2006/main">
   <p:cSld>
     <p:spTree>
@@ -30532,7 +30755,7 @@
 </p:sld>
 </file>
 
-<file path=ppt/slides/slide40.xml><?xml version="1.0" encoding="utf-8"?>
+<file path=ppt/slides/slide6.xml><?xml version="1.0" encoding="utf-8"?>
 <p:sld xmlns:a="http://schemas.openxmlformats.org/drawingml/2006/main" xmlns:r="http://schemas.openxmlformats.org/officeDocument/2006/relationships" xmlns:p="http://schemas.openxmlformats.org/presentationml/2006/main">
   <p:cSld>
     <p:spTree>
@@ -30575,449 +30798,6 @@
               <a:rPr lang="en-US" sz="3600" dirty="0">
                 <a:cs typeface="Times New Roman" panose="02020603050405020304" pitchFamily="18" charset="0"/>
               </a:rPr>
-              <a:t>Lots of other modeling choices!</a:t>
-            </a:r>
-            <a:endParaRPr lang="en-US" sz="3600" dirty="0">
-              <a:latin typeface="Times New Roman" panose="02020603050405020304" pitchFamily="18" charset="0"/>
-              <a:cs typeface="Times New Roman" panose="02020603050405020304" pitchFamily="18" charset="0"/>
-            </a:endParaRPr>
-          </a:p>
-        </p:txBody>
-      </p:sp>
-      <p:sp>
-        <p:nvSpPr>
-          <p:cNvPr id="3" name="Content Placeholder 2"/>
-          <p:cNvSpPr>
-            <a:spLocks noGrp="1"/>
-          </p:cNvSpPr>
-          <p:nvPr>
-            <p:ph idx="1"/>
-          </p:nvPr>
-        </p:nvSpPr>
-        <p:spPr>
-          <a:xfrm>
-            <a:off x="609601" y="1066801"/>
-            <a:ext cx="10439400" cy="5141388"/>
-          </a:xfrm>
-        </p:spPr>
-        <p:txBody>
-          <a:bodyPr>
-            <a:noAutofit/>
-          </a:bodyPr>
-          <a:lstStyle/>
-          <a:p>
-            <a:pPr marL="0" indent="0">
-              <a:buNone/>
-            </a:pPr>
-            <a:r>
-              <a:rPr lang="en-CA" sz="2400" b="0" i="0" u="none" strike="noStrike" baseline="0" dirty="0">
-                <a:solidFill>
-                  <a:srgbClr val="000000"/>
-                </a:solidFill>
-                <a:cs typeface="Times New Roman" panose="02020603050405020304" pitchFamily="18" charset="0"/>
-              </a:rPr>
-              <a:t>Structural estimation is a powerful tool!</a:t>
-            </a:r>
-          </a:p>
-          <a:p>
-            <a:r>
-              <a:rPr lang="en-CA" sz="2400" dirty="0">
-                <a:solidFill>
-                  <a:srgbClr val="000000"/>
-                </a:solidFill>
-                <a:cs typeface="Times New Roman" panose="02020603050405020304" pitchFamily="18" charset="0"/>
-              </a:rPr>
-              <a:t>How are markets structured? </a:t>
-            </a:r>
-          </a:p>
-          <a:p>
-            <a:r>
-              <a:rPr lang="en-CA" sz="2400" i="0" u="none" strike="noStrike" baseline="0" dirty="0">
-                <a:solidFill>
-                  <a:srgbClr val="000000"/>
-                </a:solidFill>
-                <a:cs typeface="Times New Roman" panose="02020603050405020304" pitchFamily="18" charset="0"/>
-              </a:rPr>
-              <a:t>How is quality determined? Investments? </a:t>
-            </a:r>
-            <a:r>
-              <a:rPr lang="en-CA" sz="2400" dirty="0">
-                <a:solidFill>
-                  <a:srgbClr val="000000"/>
-                </a:solidFill>
-                <a:cs typeface="Times New Roman" panose="02020603050405020304" pitchFamily="18" charset="0"/>
-              </a:rPr>
-              <a:t>R&amp;D</a:t>
-            </a:r>
-            <a:r>
-              <a:rPr lang="en-US" sz="2400" dirty="0">
-                <a:solidFill>
-                  <a:srgbClr val="000000"/>
-                </a:solidFill>
-                <a:cs typeface="Times New Roman" panose="02020603050405020304" pitchFamily="18" charset="0"/>
-              </a:rPr>
-              <a:t>? </a:t>
-            </a:r>
-          </a:p>
-          <a:p>
-            <a:r>
-              <a:rPr lang="en-US" sz="2400" dirty="0">
-                <a:solidFill>
-                  <a:srgbClr val="000000"/>
-                </a:solidFill>
-                <a:cs typeface="Times New Roman" panose="02020603050405020304" pitchFamily="18" charset="0"/>
-              </a:rPr>
-              <a:t>How do patients pick plans? Hospitals? Providers? </a:t>
-            </a:r>
-          </a:p>
-          <a:p>
-            <a:r>
-              <a:rPr lang="en-US" sz="2400" dirty="0">
-                <a:solidFill>
-                  <a:srgbClr val="000000"/>
-                </a:solidFill>
-                <a:cs typeface="Times New Roman" panose="02020603050405020304" pitchFamily="18" charset="0"/>
-              </a:rPr>
-              <a:t>How does competition affect quality? </a:t>
-            </a:r>
-          </a:p>
-          <a:p>
-            <a:r>
-              <a:rPr lang="en-US" sz="2400" dirty="0">
-                <a:solidFill>
-                  <a:srgbClr val="000000"/>
-                </a:solidFill>
-                <a:cs typeface="Times New Roman" panose="02020603050405020304" pitchFamily="18" charset="0"/>
-              </a:rPr>
-              <a:t>How do providers learn about/implement new technologies? How does this affect R&amp;D decisions? </a:t>
-            </a:r>
-          </a:p>
-          <a:p>
-            <a:r>
-              <a:rPr lang="en-US" sz="2400" dirty="0">
-                <a:solidFill>
-                  <a:srgbClr val="000000"/>
-                </a:solidFill>
-                <a:cs typeface="Times New Roman" panose="02020603050405020304" pitchFamily="18" charset="0"/>
-              </a:rPr>
-              <a:t>How do physicians construct referral networks? </a:t>
-            </a:r>
-          </a:p>
-          <a:p>
-            <a:r>
-              <a:rPr lang="en-US" sz="2400" dirty="0">
-                <a:solidFill>
-                  <a:schemeClr val="accent2">
-                    <a:lumMod val="75000"/>
-                  </a:schemeClr>
-                </a:solidFill>
-                <a:cs typeface="Times New Roman" panose="02020603050405020304" pitchFamily="18" charset="0"/>
-              </a:rPr>
-              <a:t>If you can dream it, you can (probably) structurally model it! </a:t>
-            </a:r>
-          </a:p>
-          <a:p>
-            <a:pPr lvl="1"/>
-            <a:r>
-              <a:rPr lang="en-US" sz="2200" dirty="0">
-                <a:solidFill>
-                  <a:schemeClr val="accent2">
-                    <a:lumMod val="75000"/>
-                  </a:schemeClr>
-                </a:solidFill>
-                <a:cs typeface="Times New Roman" panose="02020603050405020304" pitchFamily="18" charset="0"/>
-              </a:rPr>
-              <a:t>Estimation on the other hand….</a:t>
-            </a:r>
-            <a:endParaRPr lang="en-CA" sz="2200" dirty="0">
-              <a:solidFill>
-                <a:schemeClr val="accent2">
-                  <a:lumMod val="75000"/>
-                </a:schemeClr>
-              </a:solidFill>
-              <a:cs typeface="Times New Roman" panose="02020603050405020304" pitchFamily="18" charset="0"/>
-            </a:endParaRPr>
-          </a:p>
-        </p:txBody>
-      </p:sp>
-    </p:spTree>
-    <p:extLst>
-      <p:ext uri="{BB962C8B-B14F-4D97-AF65-F5344CB8AC3E}">
-        <p14:creationId xmlns:p14="http://schemas.microsoft.com/office/powerpoint/2010/main" val="1093988680"/>
-      </p:ext>
-    </p:extLst>
-  </p:cSld>
-  <p:clrMapOvr>
-    <a:masterClrMapping/>
-  </p:clrMapOvr>
-</p:sld>
-</file>
-
-<file path=ppt/slides/slide41.xml><?xml version="1.0" encoding="utf-8"?>
-<p:sld xmlns:a="http://schemas.openxmlformats.org/drawingml/2006/main" xmlns:r="http://schemas.openxmlformats.org/officeDocument/2006/relationships" xmlns:p="http://schemas.openxmlformats.org/presentationml/2006/main">
-  <p:cSld>
-    <p:spTree>
-      <p:nvGrpSpPr>
-        <p:cNvPr id="1" name=""/>
-        <p:cNvGrpSpPr/>
-        <p:nvPr/>
-      </p:nvGrpSpPr>
-      <p:grpSpPr>
-        <a:xfrm>
-          <a:off x="0" y="0"/>
-          <a:ext cx="0" cy="0"/>
-          <a:chOff x="0" y="0"/>
-          <a:chExt cx="0" cy="0"/>
-        </a:xfrm>
-      </p:grpSpPr>
-      <p:sp>
-        <p:nvSpPr>
-          <p:cNvPr id="4" name="Title 3">
-            <a:extLst>
-              <a:ext uri="{FF2B5EF4-FFF2-40B4-BE49-F238E27FC236}">
-                <a16:creationId xmlns:a16="http://schemas.microsoft.com/office/drawing/2014/main" id="{3959A64B-5C9A-4A9B-BA45-ADECED2E51D9}"/>
-              </a:ext>
-            </a:extLst>
-          </p:cNvPr>
-          <p:cNvSpPr>
-            <a:spLocks noGrp="1"/>
-          </p:cNvSpPr>
-          <p:nvPr>
-            <p:ph type="ctrTitle"/>
-          </p:nvPr>
-        </p:nvSpPr>
-        <p:spPr>
-          <a:xfrm>
-            <a:off x="1261872" y="758952"/>
-            <a:ext cx="10625328" cy="4041648"/>
-          </a:xfrm>
-        </p:spPr>
-        <p:txBody>
-          <a:bodyPr/>
-          <a:lstStyle/>
-          <a:p>
-            <a:r>
-              <a:rPr lang="en-US" dirty="0"/>
-              <a:t>Presentations</a:t>
-            </a:r>
-          </a:p>
-        </p:txBody>
-      </p:sp>
-      <p:sp>
-        <p:nvSpPr>
-          <p:cNvPr id="5" name="Subtitle 4">
-            <a:extLst>
-              <a:ext uri="{FF2B5EF4-FFF2-40B4-BE49-F238E27FC236}">
-                <a16:creationId xmlns:a16="http://schemas.microsoft.com/office/drawing/2014/main" id="{D52D9252-3DD8-4D35-8070-32332FBE25E4}"/>
-              </a:ext>
-            </a:extLst>
-          </p:cNvPr>
-          <p:cNvSpPr>
-            <a:spLocks noGrp="1"/>
-          </p:cNvSpPr>
-          <p:nvPr>
-            <p:ph type="subTitle" idx="1"/>
-          </p:nvPr>
-        </p:nvSpPr>
-        <p:spPr/>
-        <p:txBody>
-          <a:bodyPr/>
-          <a:lstStyle/>
-          <a:p>
-            <a:endParaRPr lang="en-US" dirty="0"/>
-          </a:p>
-        </p:txBody>
-      </p:sp>
-    </p:spTree>
-    <p:extLst>
-      <p:ext uri="{BB962C8B-B14F-4D97-AF65-F5344CB8AC3E}">
-        <p14:creationId xmlns:p14="http://schemas.microsoft.com/office/powerpoint/2010/main" val="1905963770"/>
-      </p:ext>
-    </p:extLst>
-  </p:cSld>
-  <p:clrMapOvr>
-    <a:masterClrMapping/>
-  </p:clrMapOvr>
-</p:sld>
-</file>
-
-<file path=ppt/slides/slide42.xml><?xml version="1.0" encoding="utf-8"?>
-<p:sld xmlns:a="http://schemas.openxmlformats.org/drawingml/2006/main" xmlns:r="http://schemas.openxmlformats.org/officeDocument/2006/relationships" xmlns:p="http://schemas.openxmlformats.org/presentationml/2006/main">
-  <p:cSld>
-    <p:spTree>
-      <p:nvGrpSpPr>
-        <p:cNvPr id="1" name=""/>
-        <p:cNvGrpSpPr/>
-        <p:nvPr/>
-      </p:nvGrpSpPr>
-      <p:grpSpPr>
-        <a:xfrm>
-          <a:off x="0" y="0"/>
-          <a:ext cx="0" cy="0"/>
-          <a:chOff x="0" y="0"/>
-          <a:chExt cx="0" cy="0"/>
-        </a:xfrm>
-      </p:grpSpPr>
-      <p:sp>
-        <p:nvSpPr>
-          <p:cNvPr id="2" name="Title 1"/>
-          <p:cNvSpPr>
-            <a:spLocks noGrp="1"/>
-          </p:cNvSpPr>
-          <p:nvPr>
-            <p:ph type="title"/>
-          </p:nvPr>
-        </p:nvSpPr>
-        <p:spPr>
-          <a:xfrm>
-            <a:off x="609600" y="272077"/>
-            <a:ext cx="10439400" cy="624840"/>
-          </a:xfrm>
-        </p:spPr>
-        <p:txBody>
-          <a:bodyPr>
-            <a:noAutofit/>
-          </a:bodyPr>
-          <a:lstStyle/>
-          <a:p>
-            <a:r>
-              <a:rPr lang="en-US" sz="3600" dirty="0">
-                <a:cs typeface="Times New Roman" panose="02020603050405020304" pitchFamily="18" charset="0"/>
-              </a:rPr>
-              <a:t>Summary</a:t>
-            </a:r>
-            <a:endParaRPr lang="en-US" sz="3600" dirty="0">
-              <a:latin typeface="Times New Roman" panose="02020603050405020304" pitchFamily="18" charset="0"/>
-              <a:cs typeface="Times New Roman" panose="02020603050405020304" pitchFamily="18" charset="0"/>
-            </a:endParaRPr>
-          </a:p>
-        </p:txBody>
-      </p:sp>
-      <p:sp>
-        <p:nvSpPr>
-          <p:cNvPr id="3" name="Content Placeholder 2"/>
-          <p:cNvSpPr>
-            <a:spLocks noGrp="1"/>
-          </p:cNvSpPr>
-          <p:nvPr>
-            <p:ph idx="1"/>
-          </p:nvPr>
-        </p:nvSpPr>
-        <p:spPr>
-          <a:xfrm>
-            <a:off x="609601" y="1066801"/>
-            <a:ext cx="10439400" cy="5141388"/>
-          </a:xfrm>
-        </p:spPr>
-        <p:txBody>
-          <a:bodyPr>
-            <a:noAutofit/>
-          </a:bodyPr>
-          <a:lstStyle/>
-          <a:p>
-            <a:r>
-              <a:rPr lang="en-US" sz="2400" dirty="0">
-                <a:cs typeface="Times New Roman" panose="02020603050405020304" pitchFamily="18" charset="0"/>
-              </a:rPr>
-              <a:t>Moral hazard in health care</a:t>
-            </a:r>
-          </a:p>
-          <a:p>
-            <a:r>
-              <a:rPr lang="en-US" sz="2400" dirty="0">
-                <a:cs typeface="Times New Roman" panose="02020603050405020304" pitchFamily="18" charset="0"/>
-              </a:rPr>
-              <a:t>Additional work: talk about some of your own work. </a:t>
-            </a:r>
-          </a:p>
-          <a:p>
-            <a:pPr marL="0" indent="0">
-              <a:buNone/>
-            </a:pPr>
-            <a:r>
-              <a:rPr lang="en-US" sz="2400" b="1" dirty="0">
-                <a:solidFill>
-                  <a:srgbClr val="0070C0"/>
-                </a:solidFill>
-                <a:cs typeface="Times New Roman" panose="02020603050405020304" pitchFamily="18" charset="0"/>
-              </a:rPr>
-              <a:t>Next time: adverse selection</a:t>
-            </a:r>
-          </a:p>
-          <a:p>
-            <a:r>
-              <a:rPr lang="en-US" sz="2400" dirty="0">
-                <a:cs typeface="Times New Roman" panose="02020603050405020304" pitchFamily="18" charset="0"/>
-              </a:rPr>
-              <a:t>What happens when people have private information about type? </a:t>
-            </a:r>
-          </a:p>
-          <a:p>
-            <a:r>
-              <a:rPr lang="en-US" sz="2400" dirty="0">
-                <a:cs typeface="Times New Roman" panose="02020603050405020304" pitchFamily="18" charset="0"/>
-              </a:rPr>
-              <a:t>How does this affect health choices?</a:t>
-            </a:r>
-          </a:p>
-        </p:txBody>
-      </p:sp>
-    </p:spTree>
-    <p:extLst>
-      <p:ext uri="{BB962C8B-B14F-4D97-AF65-F5344CB8AC3E}">
-        <p14:creationId xmlns:p14="http://schemas.microsoft.com/office/powerpoint/2010/main" val="2038780387"/>
-      </p:ext>
-    </p:extLst>
-  </p:cSld>
-  <p:clrMapOvr>
-    <a:masterClrMapping/>
-  </p:clrMapOvr>
-</p:sld>
-</file>
-
-<file path=ppt/slides/slide5.xml><?xml version="1.0" encoding="utf-8"?>
-<p:sld xmlns:a="http://schemas.openxmlformats.org/drawingml/2006/main" xmlns:r="http://schemas.openxmlformats.org/officeDocument/2006/relationships" xmlns:p="http://schemas.openxmlformats.org/presentationml/2006/main">
-  <p:cSld>
-    <p:spTree>
-      <p:nvGrpSpPr>
-        <p:cNvPr id="1" name=""/>
-        <p:cNvGrpSpPr/>
-        <p:nvPr/>
-      </p:nvGrpSpPr>
-      <p:grpSpPr>
-        <a:xfrm>
-          <a:off x="0" y="0"/>
-          <a:ext cx="0" cy="0"/>
-          <a:chOff x="0" y="0"/>
-          <a:chExt cx="0" cy="0"/>
-        </a:xfrm>
-      </p:grpSpPr>
-      <p:sp>
-        <p:nvSpPr>
-          <p:cNvPr id="2" name="Title 1"/>
-          <p:cNvSpPr>
-            <a:spLocks noGrp="1"/>
-          </p:cNvSpPr>
-          <p:nvPr>
-            <p:ph type="title"/>
-          </p:nvPr>
-        </p:nvSpPr>
-        <p:spPr>
-          <a:xfrm>
-            <a:off x="609600" y="272077"/>
-            <a:ext cx="10439400" cy="624840"/>
-          </a:xfrm>
-        </p:spPr>
-        <p:txBody>
-          <a:bodyPr>
-            <a:noAutofit/>
-          </a:bodyPr>
-          <a:lstStyle/>
-          <a:p>
-            <a:r>
-              <a:rPr lang="en-US" sz="3600" dirty="0">
-                <a:cs typeface="Times New Roman" panose="02020603050405020304" pitchFamily="18" charset="0"/>
-              </a:rPr>
               <a:t>What does competition look like in health care?</a:t>
             </a:r>
             <a:endParaRPr lang="en-US" sz="3600" dirty="0">
@@ -31077,7 +30857,7 @@
         </p:blipFill>
         <p:spPr>
           <a:xfrm>
-            <a:off x="762000" y="1066801"/>
+            <a:off x="457200" y="1066801"/>
             <a:ext cx="7716327" cy="5087060"/>
           </a:xfrm>
           <a:prstGeom prst="rect">
@@ -31085,176 +30865,57 @@
           </a:prstGeom>
         </p:spPr>
       </p:pic>
-    </p:spTree>
-    <p:extLst>
-      <p:ext uri="{BB962C8B-B14F-4D97-AF65-F5344CB8AC3E}">
-        <p14:creationId xmlns:p14="http://schemas.microsoft.com/office/powerpoint/2010/main" val="1815560423"/>
-      </p:ext>
-    </p:extLst>
-  </p:cSld>
-  <p:clrMapOvr>
-    <a:masterClrMapping/>
-  </p:clrMapOvr>
-</p:sld>
-</file>
-
-<file path=ppt/slides/slide6.xml><?xml version="1.0" encoding="utf-8"?>
-<p:sld xmlns:a="http://schemas.openxmlformats.org/drawingml/2006/main" xmlns:r="http://schemas.openxmlformats.org/officeDocument/2006/relationships" xmlns:p="http://schemas.openxmlformats.org/presentationml/2006/main">
-  <p:cSld>
-    <p:spTree>
-      <p:nvGrpSpPr>
-        <p:cNvPr id="1" name=""/>
-        <p:cNvGrpSpPr/>
-        <p:nvPr/>
-      </p:nvGrpSpPr>
-      <p:grpSpPr>
-        <a:xfrm>
-          <a:off x="0" y="0"/>
-          <a:ext cx="0" cy="0"/>
-          <a:chOff x="0" y="0"/>
-          <a:chExt cx="0" cy="0"/>
-        </a:xfrm>
-      </p:grpSpPr>
-      <p:sp>
-        <p:nvSpPr>
-          <p:cNvPr id="2" name="Title 1">
+      <p:pic>
+        <p:nvPicPr>
+          <p:cNvPr id="3074" name="Picture 2" descr="A New Package (hhi) for Quick Calculation of Herfindahl-Hirschman Index  scores | R-bloggers">
             <a:extLst>
               <a:ext uri="{FF2B5EF4-FFF2-40B4-BE49-F238E27FC236}">
-                <a16:creationId xmlns:a16="http://schemas.microsoft.com/office/drawing/2014/main" id="{6EA923A2-6071-B0B9-F646-8A2A40002C6A}"/>
-              </a:ext>
-            </a:extLst>
-          </p:cNvPr>
-          <p:cNvSpPr>
-            <a:spLocks noGrp="1"/>
-          </p:cNvSpPr>
-          <p:nvPr>
-            <p:ph type="title"/>
-          </p:nvPr>
-        </p:nvSpPr>
-        <p:spPr/>
-        <p:txBody>
-          <a:bodyPr/>
-          <a:lstStyle/>
-          <a:p>
-            <a:endParaRPr lang="en-CA"/>
-          </a:p>
-        </p:txBody>
-      </p:sp>
-      <p:sp>
-        <p:nvSpPr>
-          <p:cNvPr id="3" name="Content Placeholder 2">
-            <a:extLst>
-              <a:ext uri="{FF2B5EF4-FFF2-40B4-BE49-F238E27FC236}">
-                <a16:creationId xmlns:a16="http://schemas.microsoft.com/office/drawing/2014/main" id="{7C896A2C-AB9A-5E03-7831-2C7802A67F18}"/>
-              </a:ext>
-            </a:extLst>
-          </p:cNvPr>
-          <p:cNvSpPr>
-            <a:spLocks noGrp="1"/>
-          </p:cNvSpPr>
-          <p:nvPr>
-            <p:ph idx="1"/>
-          </p:nvPr>
-        </p:nvSpPr>
-        <p:spPr/>
-        <p:txBody>
-          <a:bodyPr/>
-          <a:lstStyle/>
-          <a:p>
-            <a:endParaRPr lang="en-CA"/>
-          </a:p>
-        </p:txBody>
-      </p:sp>
-      <p:pic>
-        <p:nvPicPr>
-          <p:cNvPr id="5" name="Picture 4">
-            <a:extLst>
-              <a:ext uri="{FF2B5EF4-FFF2-40B4-BE49-F238E27FC236}">
-                <a16:creationId xmlns:a16="http://schemas.microsoft.com/office/drawing/2014/main" id="{55012ABA-E21D-6E16-E93A-178FD2C47785}"/>
+                <a16:creationId xmlns:a16="http://schemas.microsoft.com/office/drawing/2014/main" id="{244CBE3A-CD26-FB3C-BA22-A3A1E3F3543C}"/>
               </a:ext>
             </a:extLst>
           </p:cNvPr>
           <p:cNvPicPr>
-            <a:picLocks noChangeAspect="1"/>
+            <a:picLocks noChangeAspect="1" noChangeArrowheads="1"/>
           </p:cNvPicPr>
           <p:nvPr/>
         </p:nvPicPr>
         <p:blipFill>
-          <a:blip r:embed="rId3"/>
+          <a:blip r:embed="rId4">
+            <a:extLst>
+              <a:ext uri="{28A0092B-C50C-407E-A947-70E740481C1C}">
+                <a14:useLocalDpi xmlns:a14="http://schemas.microsoft.com/office/drawing/2010/main" val="0"/>
+              </a:ext>
+            </a:extLst>
+          </a:blip>
+          <a:srcRect/>
           <a:stretch>
             <a:fillRect/>
           </a:stretch>
         </p:blipFill>
-        <p:spPr>
+        <p:spPr bwMode="auto">
           <a:xfrm>
-            <a:off x="31898" y="896917"/>
-            <a:ext cx="8045302" cy="5691388"/>
+            <a:off x="8173526" y="1143000"/>
+            <a:ext cx="2657475" cy="1371600"/>
           </a:xfrm>
           <a:prstGeom prst="rect">
             <a:avLst/>
           </a:prstGeom>
+          <a:noFill/>
+          <a:extLst>
+            <a:ext uri="{909E8E84-426E-40DD-AFC4-6F175D3DCCD1}">
+              <a14:hiddenFill xmlns:a14="http://schemas.microsoft.com/office/drawing/2010/main">
+                <a:solidFill>
+                  <a:srgbClr val="FFFFFF"/>
+                </a:solidFill>
+              </a14:hiddenFill>
+            </a:ext>
+          </a:extLst>
         </p:spPr>
       </p:pic>
-      <p:sp>
-        <p:nvSpPr>
-          <p:cNvPr id="6" name="Title 1">
-            <a:extLst>
-              <a:ext uri="{FF2B5EF4-FFF2-40B4-BE49-F238E27FC236}">
-                <a16:creationId xmlns:a16="http://schemas.microsoft.com/office/drawing/2014/main" id="{55A3CE56-0429-CCC4-9BD9-175803FFE67A}"/>
-              </a:ext>
-            </a:extLst>
-          </p:cNvPr>
-          <p:cNvSpPr txBox="1">
-            <a:spLocks/>
-          </p:cNvSpPr>
-          <p:nvPr/>
-        </p:nvSpPr>
-        <p:spPr>
-          <a:xfrm>
-            <a:off x="609600" y="272077"/>
-            <a:ext cx="10439400" cy="624840"/>
-          </a:xfrm>
-          <a:prstGeom prst="rect">
-            <a:avLst/>
-          </a:prstGeom>
-        </p:spPr>
-        <p:txBody>
-          <a:bodyPr vert="horz" lIns="91440" tIns="45720" rIns="91440" bIns="45720" rtlCol="0" anchor="b">
-            <a:noAutofit/>
-          </a:bodyPr>
-          <a:lstStyle>
-            <a:lvl1pPr algn="l" defTabSz="914400" rtl="0" eaLnBrk="1" latinLnBrk="0" hangingPunct="1">
-              <a:lnSpc>
-                <a:spcPct val="90000"/>
-              </a:lnSpc>
-              <a:spcBef>
-                <a:spcPct val="0"/>
-              </a:spcBef>
-              <a:buNone/>
-              <a:defRPr sz="4400" kern="1200" spc="-50" baseline="0">
-                <a:solidFill>
-                  <a:schemeClr val="tx1"/>
-                </a:solidFill>
-                <a:latin typeface="Times New Roman" panose="02020603050405020304" pitchFamily="18" charset="0"/>
-                <a:ea typeface="+mj-ea"/>
-                <a:cs typeface="+mj-cs"/>
-              </a:defRPr>
-            </a:lvl1pPr>
-          </a:lstStyle>
-          <a:p>
-            <a:r>
-              <a:rPr lang="en-US" sz="3600" dirty="0">
-                <a:cs typeface="Times New Roman" panose="02020603050405020304" pitchFamily="18" charset="0"/>
-              </a:rPr>
-              <a:t>Not confined to US – can impute markets (England)</a:t>
-            </a:r>
-          </a:p>
-        </p:txBody>
-      </p:sp>
     </p:spTree>
     <p:extLst>
       <p:ext uri="{BB962C8B-B14F-4D97-AF65-F5344CB8AC3E}">
-        <p14:creationId xmlns:p14="http://schemas.microsoft.com/office/powerpoint/2010/main" val="1511237006"/>
+        <p14:creationId xmlns:p14="http://schemas.microsoft.com/office/powerpoint/2010/main" val="110988055"/>
       </p:ext>
     </p:extLst>
   </p:cSld>
@@ -31294,7 +30955,7 @@
         <p:spPr>
           <a:xfrm>
             <a:off x="609600" y="272077"/>
-            <a:ext cx="10439400" cy="624840"/>
+            <a:ext cx="10972800" cy="624840"/>
           </a:xfrm>
         </p:spPr>
         <p:txBody>
@@ -31307,7 +30968,7 @@
               <a:rPr lang="en-US" sz="3600" dirty="0">
                 <a:cs typeface="Times New Roman" panose="02020603050405020304" pitchFamily="18" charset="0"/>
               </a:rPr>
-              <a:t>Even in the Netherlands!</a:t>
+              <a:t>Competition is limited in health -- even in the Netherlands!</a:t>
             </a:r>
             <a:endParaRPr lang="en-US" sz="3600" dirty="0">
               <a:latin typeface="Times New Roman" panose="02020603050405020304" pitchFamily="18" charset="0"/>
@@ -31468,7 +31129,7 @@
               <a:rPr lang="en-US" sz="2400" dirty="0">
                 <a:cs typeface="Times New Roman" panose="02020603050405020304" pitchFamily="18" charset="0"/>
               </a:rPr>
-              <a:t>Some general questions: </a:t>
+              <a:t>Some general questions we can answer: </a:t>
             </a:r>
           </a:p>
           <a:p>
@@ -31571,8 +31232,8 @@
           </a:p>
         </p:txBody>
       </p:sp>
-      <mc:AlternateContent xmlns:mc="http://schemas.openxmlformats.org/markup-compatibility/2006">
-        <mc:Choice xmlns:a14="http://schemas.microsoft.com/office/drawing/2010/main" Requires="a14">
+      <mc:AlternateContent xmlns:mc="http://schemas.openxmlformats.org/markup-compatibility/2006" xmlns:a14="http://schemas.microsoft.com/office/drawing/2010/main">
+        <mc:Choice Requires="a14">
           <p:sp>
             <p:nvSpPr>
               <p:cNvPr id="3" name="Content Placeholder 2"/>
@@ -32206,7 +31867,7 @@
             </p:txBody>
           </p:sp>
         </mc:Choice>
-        <mc:Fallback>
+        <mc:Fallback xmlns="">
           <p:sp>
             <p:nvSpPr>
               <p:cNvPr id="3" name="Content Placeholder 2"/>
